--- a/Javító-Projekt.pptx
+++ b/Javító-Projekt.pptx
@@ -14,6 +14,7 @@
     <p:sldId id="262" r:id="rId8"/>
     <p:sldId id="263" r:id="rId9"/>
     <p:sldId id="264" r:id="rId10"/>
+    <p:sldId id="265" r:id="rId11"/>
   </p:sldIdLst>
   <p:sldSz cx="12192000" cy="6858000"/>
   <p:notesSz cx="6858000" cy="9144000"/>
@@ -3739,6 +3740,96 @@
 </p:sld>
 </file>
 
+<file path=ppt/slides/slide10.xml><?xml version="1.0" encoding="utf-8"?>
+<p:sld xmlns:a="http://schemas.openxmlformats.org/drawingml/2006/main" xmlns:r="http://schemas.openxmlformats.org/officeDocument/2006/relationships" xmlns:p="http://schemas.openxmlformats.org/presentationml/2006/main">
+  <p:cSld>
+    <p:spTree>
+      <p:nvGrpSpPr>
+        <p:cNvPr id="1" name=""/>
+        <p:cNvGrpSpPr/>
+        <p:nvPr/>
+      </p:nvGrpSpPr>
+      <p:grpSpPr>
+        <a:xfrm>
+          <a:off x="0" y="0"/>
+          <a:ext cx="0" cy="0"/>
+          <a:chOff x="0" y="0"/>
+          <a:chExt cx="0" cy="0"/>
+        </a:xfrm>
+      </p:grpSpPr>
+      <p:sp>
+        <p:nvSpPr>
+          <p:cNvPr id="2" name="Cím 1">
+            <a:extLst>
+              <a:ext uri="{FF2B5EF4-FFF2-40B4-BE49-F238E27FC236}">
+                <a16:creationId xmlns:a16="http://schemas.microsoft.com/office/drawing/2014/main" id="{E3D3E3B9-F766-4D56-8434-FA449D99D984}"/>
+              </a:ext>
+            </a:extLst>
+          </p:cNvPr>
+          <p:cNvSpPr>
+            <a:spLocks noGrp="1"/>
+          </p:cNvSpPr>
+          <p:nvPr>
+            <p:ph type="ctrTitle"/>
+          </p:nvPr>
+        </p:nvSpPr>
+        <p:spPr/>
+        <p:txBody>
+          <a:bodyPr>
+            <a:normAutofit fontScale="90000"/>
+          </a:bodyPr>
+          <a:lstStyle/>
+          <a:p>
+            <a:pPr algn="ctr"/>
+            <a:r>
+              <a:rPr lang="hu-HU" dirty="0">
+                <a:latin typeface="Times New Roman" panose="02020603050405020304" pitchFamily="18" charset="0"/>
+                <a:cs typeface="Times New Roman" panose="02020603050405020304" pitchFamily="18" charset="0"/>
+              </a:rPr>
+              <a:t>köszönjük</a:t>
+            </a:r>
+            <a:br>
+              <a:rPr lang="hu-HU" dirty="0">
+                <a:latin typeface="Times New Roman" panose="02020603050405020304" pitchFamily="18" charset="0"/>
+                <a:cs typeface="Times New Roman" panose="02020603050405020304" pitchFamily="18" charset="0"/>
+              </a:rPr>
+            </a:br>
+            <a:r>
+              <a:rPr lang="hu-HU" dirty="0">
+                <a:latin typeface="Times New Roman" panose="02020603050405020304" pitchFamily="18" charset="0"/>
+                <a:cs typeface="Times New Roman" panose="02020603050405020304" pitchFamily="18" charset="0"/>
+              </a:rPr>
+              <a:t>a</a:t>
+            </a:r>
+            <a:br>
+              <a:rPr lang="hu-HU" dirty="0">
+                <a:latin typeface="Times New Roman" panose="02020603050405020304" pitchFamily="18" charset="0"/>
+                <a:cs typeface="Times New Roman" panose="02020603050405020304" pitchFamily="18" charset="0"/>
+              </a:rPr>
+            </a:br>
+            <a:r>
+              <a:rPr lang="hu-HU" dirty="0">
+                <a:latin typeface="Times New Roman" panose="02020603050405020304" pitchFamily="18" charset="0"/>
+                <a:cs typeface="Times New Roman" panose="02020603050405020304" pitchFamily="18" charset="0"/>
+              </a:rPr>
+              <a:t>figyelmet!</a:t>
+            </a:r>
+          </a:p>
+        </p:txBody>
+      </p:sp>
+    </p:spTree>
+    <p:extLst>
+      <p:ext uri="{BB962C8B-B14F-4D97-AF65-F5344CB8AC3E}">
+        <p14:creationId xmlns:p14="http://schemas.microsoft.com/office/powerpoint/2010/main" val="2269929175"/>
+      </p:ext>
+    </p:extLst>
+  </p:cSld>
+  <p:clrMapOvr>
+    <a:masterClrMapping/>
+  </p:clrMapOvr>
+</p:sld>
+</file>
+
 <file path=ppt/slides/slide2.xml><?xml version="1.0" encoding="utf-8"?>
 <p:sld xmlns:a="http://schemas.openxmlformats.org/drawingml/2006/main" xmlns:r="http://schemas.openxmlformats.org/officeDocument/2006/relationships" xmlns:p="http://schemas.openxmlformats.org/presentationml/2006/main">
   <p:cSld>

--- a/Javító-Projekt.pptx
+++ b/Javító-Projekt.pptx
@@ -15,6 +15,7 @@
     <p:sldId id="263" r:id="rId9"/>
     <p:sldId id="264" r:id="rId10"/>
     <p:sldId id="265" r:id="rId11"/>
+    <p:sldId id="266" r:id="rId12"/>
   </p:sldIdLst>
   <p:sldSz cx="12192000" cy="6858000"/>
   <p:notesSz cx="6858000" cy="9144000"/>
@@ -3830,6 +3831,71 @@
 </p:sld>
 </file>
 
+<file path=ppt/slides/slide11.xml><?xml version="1.0" encoding="utf-8"?>
+<p:sld xmlns:a="http://schemas.openxmlformats.org/drawingml/2006/main" xmlns:r="http://schemas.openxmlformats.org/officeDocument/2006/relationships" xmlns:p="http://schemas.openxmlformats.org/presentationml/2006/main">
+  <p:cSld>
+    <p:spTree>
+      <p:nvGrpSpPr>
+        <p:cNvPr id="1" name=""/>
+        <p:cNvGrpSpPr/>
+        <p:nvPr/>
+      </p:nvGrpSpPr>
+      <p:grpSpPr>
+        <a:xfrm>
+          <a:off x="0" y="0"/>
+          <a:ext cx="0" cy="0"/>
+          <a:chOff x="0" y="0"/>
+          <a:chExt cx="0" cy="0"/>
+        </a:xfrm>
+      </p:grpSpPr>
+      <p:pic>
+        <p:nvPicPr>
+          <p:cNvPr id="5" name="Tartalom helye 4">
+            <a:extLst>
+              <a:ext uri="{FF2B5EF4-FFF2-40B4-BE49-F238E27FC236}">
+                <a16:creationId xmlns:a16="http://schemas.microsoft.com/office/drawing/2014/main" id="{65836FE7-9059-423C-97E6-50E30387A2EA}"/>
+              </a:ext>
+            </a:extLst>
+          </p:cNvPr>
+          <p:cNvPicPr>
+            <a:picLocks noGrp="1" noChangeAspect="1"/>
+          </p:cNvPicPr>
+          <p:nvPr>
+            <p:ph idx="1"/>
+          </p:nvPr>
+        </p:nvPicPr>
+        <p:blipFill>
+          <a:blip r:embed="rId2">
+            <a:extLst>
+              <a:ext uri="{28A0092B-C50C-407E-A947-70E740481C1C}">
+                <a14:useLocalDpi xmlns:a14="http://schemas.microsoft.com/office/drawing/2010/main" val="0"/>
+              </a:ext>
+            </a:extLst>
+          </a:blip>
+          <a:stretch>
+            <a:fillRect/>
+          </a:stretch>
+        </p:blipFill>
+        <p:spPr>
+          <a:xfrm>
+            <a:off x="2802769" y="2012488"/>
+            <a:ext cx="6586462" cy="3944981"/>
+          </a:xfrm>
+        </p:spPr>
+      </p:pic>
+    </p:spTree>
+    <p:extLst>
+      <p:ext uri="{BB962C8B-B14F-4D97-AF65-F5344CB8AC3E}">
+        <p14:creationId xmlns:p14="http://schemas.microsoft.com/office/powerpoint/2010/main" val="2560509866"/>
+      </p:ext>
+    </p:extLst>
+  </p:cSld>
+  <p:clrMapOvr>
+    <a:masterClrMapping/>
+  </p:clrMapOvr>
+</p:sld>
+</file>
+
 <file path=ppt/slides/slide2.xml><?xml version="1.0" encoding="utf-8"?>
 <p:sld xmlns:a="http://schemas.openxmlformats.org/drawingml/2006/main" xmlns:r="http://schemas.openxmlformats.org/officeDocument/2006/relationships" xmlns:p="http://schemas.openxmlformats.org/presentationml/2006/main">
   <p:cSld>

--- a/Javító-Projekt.pptx
+++ b/Javító-Projekt.pptx
@@ -2,7 +2,7 @@
 <file path=ppt/presentation.xml><?xml version="1.0" encoding="utf-8"?>
 <p:presentation xmlns:a="http://schemas.openxmlformats.org/drawingml/2006/main" xmlns:r="http://schemas.openxmlformats.org/officeDocument/2006/relationships" xmlns:p="http://schemas.openxmlformats.org/presentationml/2006/main" saveSubsetFonts="1">
   <p:sldMasterIdLst>
-    <p:sldMasterId id="2147483701" r:id="rId1"/>
+    <p:sldMasterId id="2147484289" r:id="rId1"/>
   </p:sldMasterIdLst>
   <p:sldIdLst>
     <p:sldId id="256" r:id="rId2"/>
@@ -151,17 +151,15 @@
         </p:nvSpPr>
         <p:spPr>
           <a:xfrm>
-            <a:off x="2417779" y="802298"/>
-            <a:ext cx="8637073" cy="2541431"/>
-          </a:xfrm>
-        </p:spPr>
-        <p:txBody>
-          <a:bodyPr bIns="0" anchor="b">
-            <a:normAutofit/>
-          </a:bodyPr>
+            <a:off x="1154955" y="1447800"/>
+            <a:ext cx="8825658" cy="3329581"/>
+          </a:xfrm>
+        </p:spPr>
+        <p:txBody>
+          <a:bodyPr anchor="b"/>
           <a:lstStyle>
-            <a:lvl1pPr algn="l">
-              <a:defRPr sz="6600"/>
+            <a:lvl1pPr>
+              <a:defRPr sz="7200"/>
             </a:lvl1pPr>
           </a:lstStyle>
           <a:p>
@@ -185,54 +183,103 @@
         </p:nvSpPr>
         <p:spPr>
           <a:xfrm>
-            <a:off x="2417780" y="3531204"/>
-            <a:ext cx="8637072" cy="977621"/>
-          </a:xfrm>
-        </p:spPr>
-        <p:txBody>
-          <a:bodyPr tIns="91440" bIns="91440">
-            <a:normAutofit/>
-          </a:bodyPr>
+            <a:off x="1154955" y="4777380"/>
+            <a:ext cx="8825658" cy="861420"/>
+          </a:xfrm>
+        </p:spPr>
+        <p:txBody>
+          <a:bodyPr anchor="t"/>
           <a:lstStyle>
             <a:lvl1pPr marL="0" indent="0" algn="l">
               <a:buNone/>
-              <a:defRPr sz="1800" b="0" cap="all" baseline="0">
+              <a:defRPr cap="all">
                 <a:solidFill>
-                  <a:schemeClr val="tx1"/>
+                  <a:schemeClr val="bg2">
+                    <a:lumMod val="40000"/>
+                    <a:lumOff val="60000"/>
+                  </a:schemeClr>
                 </a:solidFill>
               </a:defRPr>
             </a:lvl1pPr>
             <a:lvl2pPr marL="457200" indent="0" algn="ctr">
               <a:buNone/>
-              <a:defRPr sz="1800"/>
+              <a:defRPr>
+                <a:solidFill>
+                  <a:schemeClr val="tx1">
+                    <a:tint val="75000"/>
+                  </a:schemeClr>
+                </a:solidFill>
+              </a:defRPr>
             </a:lvl2pPr>
             <a:lvl3pPr marL="914400" indent="0" algn="ctr">
               <a:buNone/>
-              <a:defRPr sz="1800"/>
+              <a:defRPr>
+                <a:solidFill>
+                  <a:schemeClr val="tx1">
+                    <a:tint val="75000"/>
+                  </a:schemeClr>
+                </a:solidFill>
+              </a:defRPr>
             </a:lvl3pPr>
             <a:lvl4pPr marL="1371600" indent="0" algn="ctr">
               <a:buNone/>
-              <a:defRPr sz="1600"/>
+              <a:defRPr>
+                <a:solidFill>
+                  <a:schemeClr val="tx1">
+                    <a:tint val="75000"/>
+                  </a:schemeClr>
+                </a:solidFill>
+              </a:defRPr>
             </a:lvl4pPr>
             <a:lvl5pPr marL="1828800" indent="0" algn="ctr">
               <a:buNone/>
-              <a:defRPr sz="1600"/>
+              <a:defRPr>
+                <a:solidFill>
+                  <a:schemeClr val="tx1">
+                    <a:tint val="75000"/>
+                  </a:schemeClr>
+                </a:solidFill>
+              </a:defRPr>
             </a:lvl5pPr>
             <a:lvl6pPr marL="2286000" indent="0" algn="ctr">
               <a:buNone/>
-              <a:defRPr sz="1600"/>
+              <a:defRPr>
+                <a:solidFill>
+                  <a:schemeClr val="tx1">
+                    <a:tint val="75000"/>
+                  </a:schemeClr>
+                </a:solidFill>
+              </a:defRPr>
             </a:lvl6pPr>
             <a:lvl7pPr marL="2743200" indent="0" algn="ctr">
               <a:buNone/>
-              <a:defRPr sz="1600"/>
+              <a:defRPr>
+                <a:solidFill>
+                  <a:schemeClr val="tx1">
+                    <a:tint val="75000"/>
+                  </a:schemeClr>
+                </a:solidFill>
+              </a:defRPr>
             </a:lvl7pPr>
             <a:lvl8pPr marL="3200400" indent="0" algn="ctr">
               <a:buNone/>
-              <a:defRPr sz="1600"/>
+              <a:defRPr>
+                <a:solidFill>
+                  <a:schemeClr val="tx1">
+                    <a:tint val="75000"/>
+                  </a:schemeClr>
+                </a:solidFill>
+              </a:defRPr>
             </a:lvl8pPr>
             <a:lvl9pPr marL="3657600" indent="0" algn="ctr">
               <a:buNone/>
-              <a:defRPr sz="1600"/>
+              <a:defRPr>
+                <a:solidFill>
+                  <a:schemeClr val="tx1">
+                    <a:tint val="75000"/>
+                  </a:schemeClr>
+                </a:solidFill>
+              </a:defRPr>
             </a:lvl9pPr>
           </a:lstStyle>
           <a:p>
@@ -277,12 +324,7 @@
             <p:ph type="ftr" sz="quarter" idx="11"/>
           </p:nvPr>
         </p:nvSpPr>
-        <p:spPr>
-          <a:xfrm>
-            <a:off x="2416500" y="329307"/>
-            <a:ext cx="4973915" cy="309201"/>
-          </a:xfrm>
-        </p:spPr>
+        <p:spPr/>
         <p:txBody>
           <a:bodyPr/>
           <a:lstStyle/>
@@ -301,12 +343,7 @@
             <p:ph type="sldNum" sz="quarter" idx="12"/>
           </p:nvPr>
         </p:nvSpPr>
-        <p:spPr>
-          <a:xfrm>
-            <a:off x="1437664" y="798973"/>
-            <a:ext cx="811019" cy="503578"/>
-          </a:xfrm>
-        </p:spPr>
+        <p:spPr/>
         <p:txBody>
           <a:bodyPr/>
           <a:lstStyle/>
@@ -319,41 +356,10 @@
           </a:p>
         </p:txBody>
       </p:sp>
-      <p:cxnSp>
-        <p:nvCxnSpPr>
-          <p:cNvPr id="15" name="Straight Connector 14"/>
-          <p:cNvCxnSpPr/>
-          <p:nvPr/>
-        </p:nvCxnSpPr>
-        <p:spPr>
-          <a:xfrm>
-            <a:off x="2417780" y="3528542"/>
-            <a:ext cx="8637072" cy="0"/>
-          </a:xfrm>
-          <a:prstGeom prst="line">
-            <a:avLst/>
-          </a:prstGeom>
-          <a:ln w="31750"/>
-        </p:spPr>
-        <p:style>
-          <a:lnRef idx="3">
-            <a:schemeClr val="accent1"/>
-          </a:lnRef>
-          <a:fillRef idx="0">
-            <a:schemeClr val="accent1"/>
-          </a:fillRef>
-          <a:effectRef idx="2">
-            <a:schemeClr val="accent1"/>
-          </a:effectRef>
-          <a:fontRef idx="minor">
-            <a:schemeClr val="tx1"/>
-          </a:fontRef>
-        </p:style>
-      </p:cxnSp>
     </p:spTree>
     <p:extLst>
       <p:ext uri="{BB962C8B-B14F-4D97-AF65-F5344CB8AC3E}">
-        <p14:creationId xmlns:p14="http://schemas.microsoft.com/office/powerpoint/2010/main" val="3970589476"/>
+        <p14:creationId xmlns:p14="http://schemas.microsoft.com/office/powerpoint/2010/main" val="2799333402"/>
       </p:ext>
     </p:extLst>
   </p:cSld>
@@ -364,6 +370,2572 @@
 </file>
 
 <file path=ppt/slideLayouts/slideLayout10.xml><?xml version="1.0" encoding="utf-8"?>
+<p:sldLayout xmlns:a="http://schemas.openxmlformats.org/drawingml/2006/main" xmlns:r="http://schemas.openxmlformats.org/officeDocument/2006/relationships" xmlns:p="http://schemas.openxmlformats.org/presentationml/2006/main" preserve="1">
+  <p:cSld name="Panorámakép képaláírással">
+    <p:spTree>
+      <p:nvGrpSpPr>
+        <p:cNvPr id="1" name=""/>
+        <p:cNvGrpSpPr/>
+        <p:nvPr/>
+      </p:nvGrpSpPr>
+      <p:grpSpPr>
+        <a:xfrm>
+          <a:off x="0" y="0"/>
+          <a:ext cx="0" cy="0"/>
+          <a:chOff x="0" y="0"/>
+          <a:chExt cx="0" cy="0"/>
+        </a:xfrm>
+      </p:grpSpPr>
+      <p:sp>
+        <p:nvSpPr>
+          <p:cNvPr id="2" name="Title 1"/>
+          <p:cNvSpPr>
+            <a:spLocks noGrp="1"/>
+          </p:cNvSpPr>
+          <p:nvPr>
+            <p:ph type="title"/>
+          </p:nvPr>
+        </p:nvSpPr>
+        <p:spPr>
+          <a:xfrm>
+            <a:off x="1154956" y="4800587"/>
+            <a:ext cx="8825657" cy="566738"/>
+          </a:xfrm>
+        </p:spPr>
+        <p:txBody>
+          <a:bodyPr anchor="b">
+            <a:normAutofit/>
+          </a:bodyPr>
+          <a:lstStyle>
+            <a:lvl1pPr algn="l">
+              <a:defRPr sz="2400" b="0"/>
+            </a:lvl1pPr>
+          </a:lstStyle>
+          <a:p>
+            <a:r>
+              <a:rPr lang="hu-HU"/>
+              <a:t>Mintacím szerkesztése</a:t>
+            </a:r>
+            <a:endParaRPr lang="en-US" dirty="0"/>
+          </a:p>
+        </p:txBody>
+      </p:sp>
+      <p:sp>
+        <p:nvSpPr>
+          <p:cNvPr id="3" name="Picture Placeholder 2"/>
+          <p:cNvSpPr>
+            <a:spLocks noGrp="1" noChangeAspect="1"/>
+          </p:cNvSpPr>
+          <p:nvPr>
+            <p:ph type="pic" idx="1"/>
+          </p:nvPr>
+        </p:nvSpPr>
+        <p:spPr>
+          <a:xfrm>
+            <a:off x="1154955" y="685800"/>
+            <a:ext cx="8825658" cy="3640666"/>
+          </a:xfrm>
+          <a:prstGeom prst="roundRect">
+            <a:avLst>
+              <a:gd name="adj" fmla="val 1858"/>
+            </a:avLst>
+          </a:prstGeom>
+          <a:effectLst>
+            <a:outerShdw blurRad="50800" dist="50800" dir="5400000" algn="tl" rotWithShape="0">
+              <a:srgbClr val="000000">
+                <a:alpha val="43000"/>
+              </a:srgbClr>
+            </a:outerShdw>
+          </a:effectLst>
+        </p:spPr>
+        <p:txBody>
+          <a:bodyPr anchor="t">
+            <a:normAutofit/>
+          </a:bodyPr>
+          <a:lstStyle>
+            <a:lvl1pPr marL="0" indent="0" algn="ctr">
+              <a:buNone/>
+              <a:defRPr sz="1600"/>
+            </a:lvl1pPr>
+            <a:lvl2pPr marL="457200" indent="0">
+              <a:buNone/>
+              <a:defRPr sz="1600"/>
+            </a:lvl2pPr>
+            <a:lvl3pPr marL="914400" indent="0">
+              <a:buNone/>
+              <a:defRPr sz="1600"/>
+            </a:lvl3pPr>
+            <a:lvl4pPr marL="1371600" indent="0">
+              <a:buNone/>
+              <a:defRPr sz="1600"/>
+            </a:lvl4pPr>
+            <a:lvl5pPr marL="1828800" indent="0">
+              <a:buNone/>
+              <a:defRPr sz="1600"/>
+            </a:lvl5pPr>
+            <a:lvl6pPr marL="2286000" indent="0">
+              <a:buNone/>
+              <a:defRPr sz="1600"/>
+            </a:lvl6pPr>
+            <a:lvl7pPr marL="2743200" indent="0">
+              <a:buNone/>
+              <a:defRPr sz="1600"/>
+            </a:lvl7pPr>
+            <a:lvl8pPr marL="3200400" indent="0">
+              <a:buNone/>
+              <a:defRPr sz="1600"/>
+            </a:lvl8pPr>
+            <a:lvl9pPr marL="3657600" indent="0">
+              <a:buNone/>
+              <a:defRPr sz="1600"/>
+            </a:lvl9pPr>
+          </a:lstStyle>
+          <a:p>
+            <a:r>
+              <a:rPr lang="hu-HU"/>
+              <a:t>Kép beszúrásához kattintson az ikonra</a:t>
+            </a:r>
+            <a:endParaRPr lang="en-US" dirty="0"/>
+          </a:p>
+        </p:txBody>
+      </p:sp>
+      <p:sp>
+        <p:nvSpPr>
+          <p:cNvPr id="4" name="Text Placeholder 3"/>
+          <p:cNvSpPr>
+            <a:spLocks noGrp="1"/>
+          </p:cNvSpPr>
+          <p:nvPr>
+            <p:ph type="body" sz="half" idx="2"/>
+          </p:nvPr>
+        </p:nvSpPr>
+        <p:spPr>
+          <a:xfrm>
+            <a:off x="1154956" y="5367325"/>
+            <a:ext cx="8825656" cy="493712"/>
+          </a:xfrm>
+        </p:spPr>
+        <p:txBody>
+          <a:bodyPr>
+            <a:normAutofit/>
+          </a:bodyPr>
+          <a:lstStyle>
+            <a:lvl1pPr marL="0" indent="0">
+              <a:buNone/>
+              <a:defRPr sz="1200"/>
+            </a:lvl1pPr>
+            <a:lvl2pPr marL="457200" indent="0">
+              <a:buNone/>
+              <a:defRPr sz="1200"/>
+            </a:lvl2pPr>
+            <a:lvl3pPr marL="914400" indent="0">
+              <a:buNone/>
+              <a:defRPr sz="1000"/>
+            </a:lvl3pPr>
+            <a:lvl4pPr marL="1371600" indent="0">
+              <a:buNone/>
+              <a:defRPr sz="900"/>
+            </a:lvl4pPr>
+            <a:lvl5pPr marL="1828800" indent="0">
+              <a:buNone/>
+              <a:defRPr sz="900"/>
+            </a:lvl5pPr>
+            <a:lvl6pPr marL="2286000" indent="0">
+              <a:buNone/>
+              <a:defRPr sz="900"/>
+            </a:lvl6pPr>
+            <a:lvl7pPr marL="2743200" indent="0">
+              <a:buNone/>
+              <a:defRPr sz="900"/>
+            </a:lvl7pPr>
+            <a:lvl8pPr marL="3200400" indent="0">
+              <a:buNone/>
+              <a:defRPr sz="900"/>
+            </a:lvl8pPr>
+            <a:lvl9pPr marL="3657600" indent="0">
+              <a:buNone/>
+              <a:defRPr sz="900"/>
+            </a:lvl9pPr>
+          </a:lstStyle>
+          <a:p>
+            <a:pPr lvl="0"/>
+            <a:r>
+              <a:rPr lang="hu-HU"/>
+              <a:t>Mintaszöveg szerkesztése</a:t>
+            </a:r>
+          </a:p>
+        </p:txBody>
+      </p:sp>
+      <p:sp>
+        <p:nvSpPr>
+          <p:cNvPr id="5" name="Date Placeholder 4"/>
+          <p:cNvSpPr>
+            <a:spLocks noGrp="1"/>
+          </p:cNvSpPr>
+          <p:nvPr>
+            <p:ph type="dt" sz="half" idx="10"/>
+          </p:nvPr>
+        </p:nvSpPr>
+        <p:spPr/>
+        <p:txBody>
+          <a:bodyPr/>
+          <a:lstStyle/>
+          <a:p>
+            <a:fld id="{5408A1D4-C01D-4ED0-836F-B19E760B3E74}" type="datetimeFigureOut">
+              <a:rPr lang="hu-HU" smtClean="0"/>
+              <a:t>2024.01.14.</a:t>
+            </a:fld>
+            <a:endParaRPr lang="hu-HU"/>
+          </a:p>
+        </p:txBody>
+      </p:sp>
+      <p:sp>
+        <p:nvSpPr>
+          <p:cNvPr id="6" name="Footer Placeholder 5"/>
+          <p:cNvSpPr>
+            <a:spLocks noGrp="1"/>
+          </p:cNvSpPr>
+          <p:nvPr>
+            <p:ph type="ftr" sz="quarter" idx="11"/>
+          </p:nvPr>
+        </p:nvSpPr>
+        <p:spPr/>
+        <p:txBody>
+          <a:bodyPr/>
+          <a:lstStyle/>
+          <a:p>
+            <a:endParaRPr lang="hu-HU"/>
+          </a:p>
+        </p:txBody>
+      </p:sp>
+      <p:sp>
+        <p:nvSpPr>
+          <p:cNvPr id="7" name="Slide Number Placeholder 6"/>
+          <p:cNvSpPr>
+            <a:spLocks noGrp="1"/>
+          </p:cNvSpPr>
+          <p:nvPr>
+            <p:ph type="sldNum" sz="quarter" idx="12"/>
+          </p:nvPr>
+        </p:nvSpPr>
+        <p:spPr/>
+        <p:txBody>
+          <a:bodyPr/>
+          <a:lstStyle/>
+          <a:p>
+            <a:fld id="{41A984D0-2003-4498-8E2F-EB5914FF63C7}" type="slidenum">
+              <a:rPr lang="hu-HU" smtClean="0"/>
+              <a:t>‹#›</a:t>
+            </a:fld>
+            <a:endParaRPr lang="hu-HU"/>
+          </a:p>
+        </p:txBody>
+      </p:sp>
+    </p:spTree>
+    <p:extLst>
+      <p:ext uri="{BB962C8B-B14F-4D97-AF65-F5344CB8AC3E}">
+        <p14:creationId xmlns:p14="http://schemas.microsoft.com/office/powerpoint/2010/main" val="3958717908"/>
+      </p:ext>
+    </p:extLst>
+  </p:cSld>
+  <p:clrMapOvr>
+    <a:masterClrMapping/>
+  </p:clrMapOvr>
+</p:sldLayout>
+</file>
+
+<file path=ppt/slideLayouts/slideLayout11.xml><?xml version="1.0" encoding="utf-8"?>
+<p:sldLayout xmlns:a="http://schemas.openxmlformats.org/drawingml/2006/main" xmlns:r="http://schemas.openxmlformats.org/officeDocument/2006/relationships" xmlns:p="http://schemas.openxmlformats.org/presentationml/2006/main" preserve="1">
+  <p:cSld name="Cím és képaláírás">
+    <p:spTree>
+      <p:nvGrpSpPr>
+        <p:cNvPr id="1" name=""/>
+        <p:cNvGrpSpPr/>
+        <p:nvPr/>
+      </p:nvGrpSpPr>
+      <p:grpSpPr>
+        <a:xfrm>
+          <a:off x="0" y="0"/>
+          <a:ext cx="0" cy="0"/>
+          <a:chOff x="0" y="0"/>
+          <a:chExt cx="0" cy="0"/>
+        </a:xfrm>
+      </p:grpSpPr>
+      <p:sp>
+        <p:nvSpPr>
+          <p:cNvPr id="2" name="Title 1"/>
+          <p:cNvSpPr>
+            <a:spLocks noGrp="1"/>
+          </p:cNvSpPr>
+          <p:nvPr>
+            <p:ph type="title"/>
+          </p:nvPr>
+        </p:nvSpPr>
+        <p:spPr>
+          <a:xfrm>
+            <a:off x="1154954" y="1447800"/>
+            <a:ext cx="8825659" cy="1981200"/>
+          </a:xfrm>
+        </p:spPr>
+        <p:txBody>
+          <a:bodyPr/>
+          <a:lstStyle>
+            <a:lvl1pPr>
+              <a:defRPr sz="4800"/>
+            </a:lvl1pPr>
+          </a:lstStyle>
+          <a:p>
+            <a:r>
+              <a:rPr lang="hu-HU"/>
+              <a:t>Mintacím szerkesztése</a:t>
+            </a:r>
+            <a:endParaRPr lang="en-US" dirty="0"/>
+          </a:p>
+        </p:txBody>
+      </p:sp>
+      <p:sp>
+        <p:nvSpPr>
+          <p:cNvPr id="8" name="Text Placeholder 3"/>
+          <p:cNvSpPr>
+            <a:spLocks noGrp="1"/>
+          </p:cNvSpPr>
+          <p:nvPr>
+            <p:ph type="body" sz="half" idx="2"/>
+          </p:nvPr>
+        </p:nvSpPr>
+        <p:spPr>
+          <a:xfrm>
+            <a:off x="1154954" y="3657600"/>
+            <a:ext cx="8825659" cy="2362200"/>
+          </a:xfrm>
+        </p:spPr>
+        <p:txBody>
+          <a:bodyPr anchor="ctr">
+            <a:normAutofit/>
+          </a:bodyPr>
+          <a:lstStyle>
+            <a:lvl1pPr marL="0" indent="0">
+              <a:buNone/>
+              <a:defRPr sz="1800"/>
+            </a:lvl1pPr>
+            <a:lvl2pPr marL="457200" indent="0">
+              <a:buNone/>
+              <a:defRPr sz="1200"/>
+            </a:lvl2pPr>
+            <a:lvl3pPr marL="914400" indent="0">
+              <a:buNone/>
+              <a:defRPr sz="1000"/>
+            </a:lvl3pPr>
+            <a:lvl4pPr marL="1371600" indent="0">
+              <a:buNone/>
+              <a:defRPr sz="900"/>
+            </a:lvl4pPr>
+            <a:lvl5pPr marL="1828800" indent="0">
+              <a:buNone/>
+              <a:defRPr sz="900"/>
+            </a:lvl5pPr>
+            <a:lvl6pPr marL="2286000" indent="0">
+              <a:buNone/>
+              <a:defRPr sz="900"/>
+            </a:lvl6pPr>
+            <a:lvl7pPr marL="2743200" indent="0">
+              <a:buNone/>
+              <a:defRPr sz="900"/>
+            </a:lvl7pPr>
+            <a:lvl8pPr marL="3200400" indent="0">
+              <a:buNone/>
+              <a:defRPr sz="900"/>
+            </a:lvl8pPr>
+            <a:lvl9pPr marL="3657600" indent="0">
+              <a:buNone/>
+              <a:defRPr sz="900"/>
+            </a:lvl9pPr>
+          </a:lstStyle>
+          <a:p>
+            <a:pPr lvl="0"/>
+            <a:r>
+              <a:rPr lang="hu-HU"/>
+              <a:t>Mintaszöveg szerkesztése</a:t>
+            </a:r>
+          </a:p>
+        </p:txBody>
+      </p:sp>
+      <p:sp>
+        <p:nvSpPr>
+          <p:cNvPr id="4" name="Date Placeholder 3"/>
+          <p:cNvSpPr>
+            <a:spLocks noGrp="1"/>
+          </p:cNvSpPr>
+          <p:nvPr>
+            <p:ph type="dt" sz="half" idx="10"/>
+          </p:nvPr>
+        </p:nvSpPr>
+        <p:spPr/>
+        <p:txBody>
+          <a:bodyPr/>
+          <a:lstStyle/>
+          <a:p>
+            <a:fld id="{5408A1D4-C01D-4ED0-836F-B19E760B3E74}" type="datetimeFigureOut">
+              <a:rPr lang="hu-HU" smtClean="0"/>
+              <a:t>2024.01.14.</a:t>
+            </a:fld>
+            <a:endParaRPr lang="hu-HU"/>
+          </a:p>
+        </p:txBody>
+      </p:sp>
+      <p:sp>
+        <p:nvSpPr>
+          <p:cNvPr id="5" name="Footer Placeholder 4"/>
+          <p:cNvSpPr>
+            <a:spLocks noGrp="1"/>
+          </p:cNvSpPr>
+          <p:nvPr>
+            <p:ph type="ftr" sz="quarter" idx="11"/>
+          </p:nvPr>
+        </p:nvSpPr>
+        <p:spPr/>
+        <p:txBody>
+          <a:bodyPr/>
+          <a:lstStyle/>
+          <a:p>
+            <a:endParaRPr lang="hu-HU"/>
+          </a:p>
+        </p:txBody>
+      </p:sp>
+      <p:sp>
+        <p:nvSpPr>
+          <p:cNvPr id="6" name="Slide Number Placeholder 5"/>
+          <p:cNvSpPr>
+            <a:spLocks noGrp="1"/>
+          </p:cNvSpPr>
+          <p:nvPr>
+            <p:ph type="sldNum" sz="quarter" idx="12"/>
+          </p:nvPr>
+        </p:nvSpPr>
+        <p:spPr/>
+        <p:txBody>
+          <a:bodyPr/>
+          <a:lstStyle/>
+          <a:p>
+            <a:fld id="{41A984D0-2003-4498-8E2F-EB5914FF63C7}" type="slidenum">
+              <a:rPr lang="hu-HU" smtClean="0"/>
+              <a:t>‹#›</a:t>
+            </a:fld>
+            <a:endParaRPr lang="hu-HU"/>
+          </a:p>
+        </p:txBody>
+      </p:sp>
+    </p:spTree>
+    <p:extLst>
+      <p:ext uri="{BB962C8B-B14F-4D97-AF65-F5344CB8AC3E}">
+        <p14:creationId xmlns:p14="http://schemas.microsoft.com/office/powerpoint/2010/main" val="1875550980"/>
+      </p:ext>
+    </p:extLst>
+  </p:cSld>
+  <p:clrMapOvr>
+    <a:masterClrMapping/>
+  </p:clrMapOvr>
+</p:sldLayout>
+</file>
+
+<file path=ppt/slideLayouts/slideLayout12.xml><?xml version="1.0" encoding="utf-8"?>
+<p:sldLayout xmlns:a="http://schemas.openxmlformats.org/drawingml/2006/main" xmlns:r="http://schemas.openxmlformats.org/officeDocument/2006/relationships" xmlns:p="http://schemas.openxmlformats.org/presentationml/2006/main" preserve="1">
+  <p:cSld name="Idézet képaláírással">
+    <p:spTree>
+      <p:nvGrpSpPr>
+        <p:cNvPr id="1" name=""/>
+        <p:cNvGrpSpPr/>
+        <p:nvPr/>
+      </p:nvGrpSpPr>
+      <p:grpSpPr>
+        <a:xfrm>
+          <a:off x="0" y="0"/>
+          <a:ext cx="0" cy="0"/>
+          <a:chOff x="0" y="0"/>
+          <a:chExt cx="0" cy="0"/>
+        </a:xfrm>
+      </p:grpSpPr>
+      <p:sp>
+        <p:nvSpPr>
+          <p:cNvPr id="2" name="Title 1"/>
+          <p:cNvSpPr>
+            <a:spLocks noGrp="1"/>
+          </p:cNvSpPr>
+          <p:nvPr>
+            <p:ph type="title"/>
+          </p:nvPr>
+        </p:nvSpPr>
+        <p:spPr>
+          <a:xfrm>
+            <a:off x="1574801" y="1447800"/>
+            <a:ext cx="7999315" cy="2323374"/>
+          </a:xfrm>
+        </p:spPr>
+        <p:txBody>
+          <a:bodyPr/>
+          <a:lstStyle>
+            <a:lvl1pPr>
+              <a:defRPr sz="4800"/>
+            </a:lvl1pPr>
+          </a:lstStyle>
+          <a:p>
+            <a:r>
+              <a:rPr lang="hu-HU"/>
+              <a:t>Mintacím szerkesztése</a:t>
+            </a:r>
+            <a:endParaRPr lang="en-US" dirty="0"/>
+          </a:p>
+        </p:txBody>
+      </p:sp>
+      <p:sp>
+        <p:nvSpPr>
+          <p:cNvPr id="11" name="Text Placeholder 3"/>
+          <p:cNvSpPr>
+            <a:spLocks noGrp="1"/>
+          </p:cNvSpPr>
+          <p:nvPr>
+            <p:ph type="body" sz="half" idx="14"/>
+          </p:nvPr>
+        </p:nvSpPr>
+        <p:spPr>
+          <a:xfrm>
+            <a:off x="1930400" y="3771174"/>
+            <a:ext cx="7279649" cy="342174"/>
+          </a:xfrm>
+        </p:spPr>
+        <p:txBody>
+          <a:bodyPr vert="horz" lIns="91440" tIns="45720" rIns="91440" bIns="45720" rtlCol="0" anchor="t">
+            <a:normAutofit/>
+          </a:bodyPr>
+          <a:lstStyle>
+            <a:lvl1pPr marL="0" indent="0">
+              <a:buNone/>
+              <a:defRPr lang="en-US" sz="1400" b="0" i="0" kern="1200" cap="small" dirty="0">
+                <a:solidFill>
+                  <a:schemeClr val="bg2">
+                    <a:lumMod val="40000"/>
+                    <a:lumOff val="60000"/>
+                  </a:schemeClr>
+                </a:solidFill>
+                <a:latin typeface="+mj-lt"/>
+                <a:ea typeface="+mj-ea"/>
+                <a:cs typeface="+mj-cs"/>
+              </a:defRPr>
+            </a:lvl1pPr>
+            <a:lvl2pPr marL="457200" indent="0">
+              <a:buNone/>
+              <a:defRPr sz="1200"/>
+            </a:lvl2pPr>
+            <a:lvl3pPr marL="914400" indent="0">
+              <a:buNone/>
+              <a:defRPr sz="1000"/>
+            </a:lvl3pPr>
+            <a:lvl4pPr marL="1371600" indent="0">
+              <a:buNone/>
+              <a:defRPr sz="900"/>
+            </a:lvl4pPr>
+            <a:lvl5pPr marL="1828800" indent="0">
+              <a:buNone/>
+              <a:defRPr sz="900"/>
+            </a:lvl5pPr>
+            <a:lvl6pPr marL="2286000" indent="0">
+              <a:buNone/>
+              <a:defRPr sz="900"/>
+            </a:lvl6pPr>
+            <a:lvl7pPr marL="2743200" indent="0">
+              <a:buNone/>
+              <a:defRPr sz="900"/>
+            </a:lvl7pPr>
+            <a:lvl8pPr marL="3200400" indent="0">
+              <a:buNone/>
+              <a:defRPr sz="900"/>
+            </a:lvl8pPr>
+            <a:lvl9pPr marL="3657600" indent="0">
+              <a:buNone/>
+              <a:defRPr sz="900"/>
+            </a:lvl9pPr>
+          </a:lstStyle>
+          <a:p>
+            <a:pPr marL="0" lvl="0" indent="0">
+              <a:buNone/>
+            </a:pPr>
+            <a:r>
+              <a:rPr lang="hu-HU"/>
+              <a:t>Mintaszöveg szerkesztése</a:t>
+            </a:r>
+          </a:p>
+        </p:txBody>
+      </p:sp>
+      <p:sp>
+        <p:nvSpPr>
+          <p:cNvPr id="10" name="Text Placeholder 3"/>
+          <p:cNvSpPr>
+            <a:spLocks noGrp="1"/>
+          </p:cNvSpPr>
+          <p:nvPr>
+            <p:ph type="body" sz="half" idx="2"/>
+          </p:nvPr>
+        </p:nvSpPr>
+        <p:spPr>
+          <a:xfrm>
+            <a:off x="1154954" y="4350657"/>
+            <a:ext cx="8825659" cy="1676400"/>
+          </a:xfrm>
+        </p:spPr>
+        <p:txBody>
+          <a:bodyPr anchor="ctr">
+            <a:normAutofit/>
+          </a:bodyPr>
+          <a:lstStyle>
+            <a:lvl1pPr marL="0" indent="0">
+              <a:buNone/>
+              <a:defRPr sz="1800"/>
+            </a:lvl1pPr>
+            <a:lvl2pPr marL="457200" indent="0">
+              <a:buNone/>
+              <a:defRPr sz="1200"/>
+            </a:lvl2pPr>
+            <a:lvl3pPr marL="914400" indent="0">
+              <a:buNone/>
+              <a:defRPr sz="1000"/>
+            </a:lvl3pPr>
+            <a:lvl4pPr marL="1371600" indent="0">
+              <a:buNone/>
+              <a:defRPr sz="900"/>
+            </a:lvl4pPr>
+            <a:lvl5pPr marL="1828800" indent="0">
+              <a:buNone/>
+              <a:defRPr sz="900"/>
+            </a:lvl5pPr>
+            <a:lvl6pPr marL="2286000" indent="0">
+              <a:buNone/>
+              <a:defRPr sz="900"/>
+            </a:lvl6pPr>
+            <a:lvl7pPr marL="2743200" indent="0">
+              <a:buNone/>
+              <a:defRPr sz="900"/>
+            </a:lvl7pPr>
+            <a:lvl8pPr marL="3200400" indent="0">
+              <a:buNone/>
+              <a:defRPr sz="900"/>
+            </a:lvl8pPr>
+            <a:lvl9pPr marL="3657600" indent="0">
+              <a:buNone/>
+              <a:defRPr sz="900"/>
+            </a:lvl9pPr>
+          </a:lstStyle>
+          <a:p>
+            <a:pPr lvl="0"/>
+            <a:r>
+              <a:rPr lang="hu-HU"/>
+              <a:t>Mintaszöveg szerkesztése</a:t>
+            </a:r>
+          </a:p>
+        </p:txBody>
+      </p:sp>
+      <p:sp>
+        <p:nvSpPr>
+          <p:cNvPr id="4" name="Date Placeholder 3"/>
+          <p:cNvSpPr>
+            <a:spLocks noGrp="1"/>
+          </p:cNvSpPr>
+          <p:nvPr>
+            <p:ph type="dt" sz="half" idx="10"/>
+          </p:nvPr>
+        </p:nvSpPr>
+        <p:spPr/>
+        <p:txBody>
+          <a:bodyPr/>
+          <a:lstStyle/>
+          <a:p>
+            <a:fld id="{5408A1D4-C01D-4ED0-836F-B19E760B3E74}" type="datetimeFigureOut">
+              <a:rPr lang="hu-HU" smtClean="0"/>
+              <a:t>2024.01.14.</a:t>
+            </a:fld>
+            <a:endParaRPr lang="hu-HU"/>
+          </a:p>
+        </p:txBody>
+      </p:sp>
+      <p:sp>
+        <p:nvSpPr>
+          <p:cNvPr id="5" name="Footer Placeholder 4"/>
+          <p:cNvSpPr>
+            <a:spLocks noGrp="1"/>
+          </p:cNvSpPr>
+          <p:nvPr>
+            <p:ph type="ftr" sz="quarter" idx="11"/>
+          </p:nvPr>
+        </p:nvSpPr>
+        <p:spPr/>
+        <p:txBody>
+          <a:bodyPr/>
+          <a:lstStyle/>
+          <a:p>
+            <a:endParaRPr lang="hu-HU"/>
+          </a:p>
+        </p:txBody>
+      </p:sp>
+      <p:sp>
+        <p:nvSpPr>
+          <p:cNvPr id="6" name="Slide Number Placeholder 5"/>
+          <p:cNvSpPr>
+            <a:spLocks noGrp="1"/>
+          </p:cNvSpPr>
+          <p:nvPr>
+            <p:ph type="sldNum" sz="quarter" idx="12"/>
+          </p:nvPr>
+        </p:nvSpPr>
+        <p:spPr/>
+        <p:txBody>
+          <a:bodyPr/>
+          <a:lstStyle/>
+          <a:p>
+            <a:fld id="{41A984D0-2003-4498-8E2F-EB5914FF63C7}" type="slidenum">
+              <a:rPr lang="hu-HU" smtClean="0"/>
+              <a:t>‹#›</a:t>
+            </a:fld>
+            <a:endParaRPr lang="hu-HU"/>
+          </a:p>
+        </p:txBody>
+      </p:sp>
+      <p:sp>
+        <p:nvSpPr>
+          <p:cNvPr id="12" name="TextBox 11"/>
+          <p:cNvSpPr txBox="1"/>
+          <p:nvPr/>
+        </p:nvSpPr>
+        <p:spPr>
+          <a:xfrm>
+            <a:off x="898295" y="971253"/>
+            <a:ext cx="801912" cy="1969770"/>
+          </a:xfrm>
+          <a:prstGeom prst="rect">
+            <a:avLst/>
+          </a:prstGeom>
+          <a:noFill/>
+        </p:spPr>
+        <p:txBody>
+          <a:bodyPr wrap="square" rtlCol="0">
+            <a:spAutoFit/>
+          </a:bodyPr>
+          <a:lstStyle>
+            <a:defPPr>
+              <a:defRPr lang="en-US"/>
+            </a:defPPr>
+            <a:lvl1pPr algn="r">
+              <a:defRPr sz="12200" b="0" i="0">
+                <a:solidFill>
+                  <a:schemeClr val="bg2">
+                    <a:lumMod val="40000"/>
+                    <a:lumOff val="60000"/>
+                  </a:schemeClr>
+                </a:solidFill>
+                <a:latin typeface="Arial"/>
+                <a:ea typeface="+mj-ea"/>
+                <a:cs typeface="+mj-cs"/>
+              </a:defRPr>
+            </a:lvl1pPr>
+          </a:lstStyle>
+          <a:p>
+            <a:pPr lvl="0"/>
+            <a:r>
+              <a:rPr lang="en-US" dirty="0"/>
+              <a:t>“</a:t>
+            </a:r>
+          </a:p>
+        </p:txBody>
+      </p:sp>
+      <p:sp>
+        <p:nvSpPr>
+          <p:cNvPr id="15" name="TextBox 14"/>
+          <p:cNvSpPr txBox="1"/>
+          <p:nvPr/>
+        </p:nvSpPr>
+        <p:spPr>
+          <a:xfrm>
+            <a:off x="9330490" y="2613787"/>
+            <a:ext cx="801912" cy="1969770"/>
+          </a:xfrm>
+          <a:prstGeom prst="rect">
+            <a:avLst/>
+          </a:prstGeom>
+          <a:noFill/>
+        </p:spPr>
+        <p:txBody>
+          <a:bodyPr wrap="square" rtlCol="0">
+            <a:spAutoFit/>
+          </a:bodyPr>
+          <a:lstStyle>
+            <a:defPPr>
+              <a:defRPr lang="en-US"/>
+            </a:defPPr>
+            <a:lvl1pPr algn="r">
+              <a:defRPr sz="12200" b="0" i="0">
+                <a:solidFill>
+                  <a:schemeClr val="bg2">
+                    <a:lumMod val="40000"/>
+                    <a:lumOff val="60000"/>
+                  </a:schemeClr>
+                </a:solidFill>
+                <a:latin typeface="Arial"/>
+                <a:ea typeface="+mj-ea"/>
+                <a:cs typeface="+mj-cs"/>
+              </a:defRPr>
+            </a:lvl1pPr>
+          </a:lstStyle>
+          <a:p>
+            <a:pPr lvl="0"/>
+            <a:r>
+              <a:rPr lang="en-US" dirty="0"/>
+              <a:t>”</a:t>
+            </a:r>
+          </a:p>
+        </p:txBody>
+      </p:sp>
+    </p:spTree>
+    <p:extLst>
+      <p:ext uri="{BB962C8B-B14F-4D97-AF65-F5344CB8AC3E}">
+        <p14:creationId xmlns:p14="http://schemas.microsoft.com/office/powerpoint/2010/main" val="1436376240"/>
+      </p:ext>
+    </p:extLst>
+  </p:cSld>
+  <p:clrMapOvr>
+    <a:masterClrMapping/>
+  </p:clrMapOvr>
+</p:sldLayout>
+</file>
+
+<file path=ppt/slideLayouts/slideLayout13.xml><?xml version="1.0" encoding="utf-8"?>
+<p:sldLayout xmlns:a="http://schemas.openxmlformats.org/drawingml/2006/main" xmlns:r="http://schemas.openxmlformats.org/officeDocument/2006/relationships" xmlns:p="http://schemas.openxmlformats.org/presentationml/2006/main" preserve="1">
+  <p:cSld name="Névkártya">
+    <p:spTree>
+      <p:nvGrpSpPr>
+        <p:cNvPr id="1" name=""/>
+        <p:cNvGrpSpPr/>
+        <p:nvPr/>
+      </p:nvGrpSpPr>
+      <p:grpSpPr>
+        <a:xfrm>
+          <a:off x="0" y="0"/>
+          <a:ext cx="0" cy="0"/>
+          <a:chOff x="0" y="0"/>
+          <a:chExt cx="0" cy="0"/>
+        </a:xfrm>
+      </p:grpSpPr>
+      <p:sp>
+        <p:nvSpPr>
+          <p:cNvPr id="2" name="Title 1"/>
+          <p:cNvSpPr>
+            <a:spLocks noGrp="1"/>
+          </p:cNvSpPr>
+          <p:nvPr>
+            <p:ph type="title"/>
+          </p:nvPr>
+        </p:nvSpPr>
+        <p:spPr>
+          <a:xfrm>
+            <a:off x="1154954" y="3124201"/>
+            <a:ext cx="8825660" cy="1653180"/>
+          </a:xfrm>
+        </p:spPr>
+        <p:txBody>
+          <a:bodyPr anchor="b"/>
+          <a:lstStyle>
+            <a:lvl1pPr algn="l">
+              <a:defRPr sz="4000" b="0" cap="none"/>
+            </a:lvl1pPr>
+          </a:lstStyle>
+          <a:p>
+            <a:r>
+              <a:rPr lang="hu-HU"/>
+              <a:t>Mintacím szerkesztése</a:t>
+            </a:r>
+            <a:endParaRPr lang="en-US" dirty="0"/>
+          </a:p>
+        </p:txBody>
+      </p:sp>
+      <p:sp>
+        <p:nvSpPr>
+          <p:cNvPr id="3" name="Text Placeholder 2"/>
+          <p:cNvSpPr>
+            <a:spLocks noGrp="1"/>
+          </p:cNvSpPr>
+          <p:nvPr>
+            <p:ph type="body" idx="1"/>
+          </p:nvPr>
+        </p:nvSpPr>
+        <p:spPr>
+          <a:xfrm>
+            <a:off x="1154954" y="4777381"/>
+            <a:ext cx="8825659" cy="860400"/>
+          </a:xfrm>
+        </p:spPr>
+        <p:txBody>
+          <a:bodyPr anchor="t"/>
+          <a:lstStyle>
+            <a:lvl1pPr marL="0" indent="0" algn="l">
+              <a:buNone/>
+              <a:defRPr sz="2000" cap="none">
+                <a:solidFill>
+                  <a:schemeClr val="bg2">
+                    <a:lumMod val="40000"/>
+                    <a:lumOff val="60000"/>
+                  </a:schemeClr>
+                </a:solidFill>
+              </a:defRPr>
+            </a:lvl1pPr>
+            <a:lvl2pPr marL="457200" indent="0">
+              <a:buNone/>
+              <a:defRPr sz="1800">
+                <a:solidFill>
+                  <a:schemeClr val="tx1">
+                    <a:tint val="75000"/>
+                  </a:schemeClr>
+                </a:solidFill>
+              </a:defRPr>
+            </a:lvl2pPr>
+            <a:lvl3pPr marL="914400" indent="0">
+              <a:buNone/>
+              <a:defRPr sz="1600">
+                <a:solidFill>
+                  <a:schemeClr val="tx1">
+                    <a:tint val="75000"/>
+                  </a:schemeClr>
+                </a:solidFill>
+              </a:defRPr>
+            </a:lvl3pPr>
+            <a:lvl4pPr marL="1371600" indent="0">
+              <a:buNone/>
+              <a:defRPr sz="1400">
+                <a:solidFill>
+                  <a:schemeClr val="tx1">
+                    <a:tint val="75000"/>
+                  </a:schemeClr>
+                </a:solidFill>
+              </a:defRPr>
+            </a:lvl4pPr>
+            <a:lvl5pPr marL="1828800" indent="0">
+              <a:buNone/>
+              <a:defRPr sz="1400">
+                <a:solidFill>
+                  <a:schemeClr val="tx1">
+                    <a:tint val="75000"/>
+                  </a:schemeClr>
+                </a:solidFill>
+              </a:defRPr>
+            </a:lvl5pPr>
+            <a:lvl6pPr marL="2286000" indent="0">
+              <a:buNone/>
+              <a:defRPr sz="1400">
+                <a:solidFill>
+                  <a:schemeClr val="tx1">
+                    <a:tint val="75000"/>
+                  </a:schemeClr>
+                </a:solidFill>
+              </a:defRPr>
+            </a:lvl6pPr>
+            <a:lvl7pPr marL="2743200" indent="0">
+              <a:buNone/>
+              <a:defRPr sz="1400">
+                <a:solidFill>
+                  <a:schemeClr val="tx1">
+                    <a:tint val="75000"/>
+                  </a:schemeClr>
+                </a:solidFill>
+              </a:defRPr>
+            </a:lvl7pPr>
+            <a:lvl8pPr marL="3200400" indent="0">
+              <a:buNone/>
+              <a:defRPr sz="1400">
+                <a:solidFill>
+                  <a:schemeClr val="tx1">
+                    <a:tint val="75000"/>
+                  </a:schemeClr>
+                </a:solidFill>
+              </a:defRPr>
+            </a:lvl8pPr>
+            <a:lvl9pPr marL="3657600" indent="0">
+              <a:buNone/>
+              <a:defRPr sz="1400">
+                <a:solidFill>
+                  <a:schemeClr val="tx1">
+                    <a:tint val="75000"/>
+                  </a:schemeClr>
+                </a:solidFill>
+              </a:defRPr>
+            </a:lvl9pPr>
+          </a:lstStyle>
+          <a:p>
+            <a:pPr lvl="0"/>
+            <a:r>
+              <a:rPr lang="hu-HU"/>
+              <a:t>Mintaszöveg szerkesztése</a:t>
+            </a:r>
+          </a:p>
+        </p:txBody>
+      </p:sp>
+      <p:sp>
+        <p:nvSpPr>
+          <p:cNvPr id="4" name="Date Placeholder 3"/>
+          <p:cNvSpPr>
+            <a:spLocks noGrp="1"/>
+          </p:cNvSpPr>
+          <p:nvPr>
+            <p:ph type="dt" sz="half" idx="10"/>
+          </p:nvPr>
+        </p:nvSpPr>
+        <p:spPr/>
+        <p:txBody>
+          <a:bodyPr/>
+          <a:lstStyle/>
+          <a:p>
+            <a:fld id="{5408A1D4-C01D-4ED0-836F-B19E760B3E74}" type="datetimeFigureOut">
+              <a:rPr lang="hu-HU" smtClean="0"/>
+              <a:t>2024.01.14.</a:t>
+            </a:fld>
+            <a:endParaRPr lang="hu-HU"/>
+          </a:p>
+        </p:txBody>
+      </p:sp>
+      <p:sp>
+        <p:nvSpPr>
+          <p:cNvPr id="5" name="Footer Placeholder 4"/>
+          <p:cNvSpPr>
+            <a:spLocks noGrp="1"/>
+          </p:cNvSpPr>
+          <p:nvPr>
+            <p:ph type="ftr" sz="quarter" idx="11"/>
+          </p:nvPr>
+        </p:nvSpPr>
+        <p:spPr/>
+        <p:txBody>
+          <a:bodyPr/>
+          <a:lstStyle/>
+          <a:p>
+            <a:endParaRPr lang="hu-HU"/>
+          </a:p>
+        </p:txBody>
+      </p:sp>
+      <p:sp>
+        <p:nvSpPr>
+          <p:cNvPr id="6" name="Slide Number Placeholder 5"/>
+          <p:cNvSpPr>
+            <a:spLocks noGrp="1"/>
+          </p:cNvSpPr>
+          <p:nvPr>
+            <p:ph type="sldNum" sz="quarter" idx="12"/>
+          </p:nvPr>
+        </p:nvSpPr>
+        <p:spPr/>
+        <p:txBody>
+          <a:bodyPr/>
+          <a:lstStyle/>
+          <a:p>
+            <a:fld id="{41A984D0-2003-4498-8E2F-EB5914FF63C7}" type="slidenum">
+              <a:rPr lang="hu-HU" smtClean="0"/>
+              <a:t>‹#›</a:t>
+            </a:fld>
+            <a:endParaRPr lang="hu-HU"/>
+          </a:p>
+        </p:txBody>
+      </p:sp>
+    </p:spTree>
+    <p:extLst>
+      <p:ext uri="{BB962C8B-B14F-4D97-AF65-F5344CB8AC3E}">
+        <p14:creationId xmlns:p14="http://schemas.microsoft.com/office/powerpoint/2010/main" val="1070506554"/>
+      </p:ext>
+    </p:extLst>
+  </p:cSld>
+  <p:clrMapOvr>
+    <a:masterClrMapping/>
+  </p:clrMapOvr>
+</p:sldLayout>
+</file>
+
+<file path=ppt/slideLayouts/slideLayout14.xml><?xml version="1.0" encoding="utf-8"?>
+<p:sldLayout xmlns:a="http://schemas.openxmlformats.org/drawingml/2006/main" xmlns:r="http://schemas.openxmlformats.org/officeDocument/2006/relationships" xmlns:p="http://schemas.openxmlformats.org/presentationml/2006/main" preserve="1">
+  <p:cSld name="3 hasáb">
+    <p:spTree>
+      <p:nvGrpSpPr>
+        <p:cNvPr id="1" name=""/>
+        <p:cNvGrpSpPr/>
+        <p:nvPr/>
+      </p:nvGrpSpPr>
+      <p:grpSpPr>
+        <a:xfrm>
+          <a:off x="0" y="0"/>
+          <a:ext cx="0" cy="0"/>
+          <a:chOff x="0" y="0"/>
+          <a:chExt cx="0" cy="0"/>
+        </a:xfrm>
+      </p:grpSpPr>
+      <p:sp>
+        <p:nvSpPr>
+          <p:cNvPr id="2" name="Title 1"/>
+          <p:cNvSpPr>
+            <a:spLocks noGrp="1"/>
+          </p:cNvSpPr>
+          <p:nvPr>
+            <p:ph type="title"/>
+          </p:nvPr>
+        </p:nvSpPr>
+        <p:spPr/>
+        <p:txBody>
+          <a:bodyPr/>
+          <a:lstStyle>
+            <a:lvl1pPr>
+              <a:defRPr sz="4200"/>
+            </a:lvl1pPr>
+          </a:lstStyle>
+          <a:p>
+            <a:r>
+              <a:rPr lang="hu-HU"/>
+              <a:t>Mintacím szerkesztése</a:t>
+            </a:r>
+            <a:endParaRPr lang="en-US" dirty="0"/>
+          </a:p>
+        </p:txBody>
+      </p:sp>
+      <p:sp>
+        <p:nvSpPr>
+          <p:cNvPr id="3" name="Text Placeholder 2"/>
+          <p:cNvSpPr>
+            <a:spLocks noGrp="1"/>
+          </p:cNvSpPr>
+          <p:nvPr>
+            <p:ph type="body" idx="1"/>
+          </p:nvPr>
+        </p:nvSpPr>
+        <p:spPr>
+          <a:xfrm>
+            <a:off x="632947" y="1981200"/>
+            <a:ext cx="2946866" cy="576262"/>
+          </a:xfrm>
+        </p:spPr>
+        <p:txBody>
+          <a:bodyPr anchor="b">
+            <a:noAutofit/>
+          </a:bodyPr>
+          <a:lstStyle>
+            <a:lvl1pPr marL="0" indent="0">
+              <a:buNone/>
+              <a:defRPr sz="2400" b="0">
+                <a:solidFill>
+                  <a:schemeClr val="bg2">
+                    <a:lumMod val="40000"/>
+                    <a:lumOff val="60000"/>
+                  </a:schemeClr>
+                </a:solidFill>
+              </a:defRPr>
+            </a:lvl1pPr>
+            <a:lvl2pPr marL="457200" indent="0">
+              <a:buNone/>
+              <a:defRPr sz="2000" b="1"/>
+            </a:lvl2pPr>
+            <a:lvl3pPr marL="914400" indent="0">
+              <a:buNone/>
+              <a:defRPr sz="1800" b="1"/>
+            </a:lvl3pPr>
+            <a:lvl4pPr marL="1371600" indent="0">
+              <a:buNone/>
+              <a:defRPr sz="1600" b="1"/>
+            </a:lvl4pPr>
+            <a:lvl5pPr marL="1828800" indent="0">
+              <a:buNone/>
+              <a:defRPr sz="1600" b="1"/>
+            </a:lvl5pPr>
+            <a:lvl6pPr marL="2286000" indent="0">
+              <a:buNone/>
+              <a:defRPr sz="1600" b="1"/>
+            </a:lvl6pPr>
+            <a:lvl7pPr marL="2743200" indent="0">
+              <a:buNone/>
+              <a:defRPr sz="1600" b="1"/>
+            </a:lvl7pPr>
+            <a:lvl8pPr marL="3200400" indent="0">
+              <a:buNone/>
+              <a:defRPr sz="1600" b="1"/>
+            </a:lvl8pPr>
+            <a:lvl9pPr marL="3657600" indent="0">
+              <a:buNone/>
+              <a:defRPr sz="1600" b="1"/>
+            </a:lvl9pPr>
+          </a:lstStyle>
+          <a:p>
+            <a:pPr lvl="0"/>
+            <a:r>
+              <a:rPr lang="hu-HU"/>
+              <a:t>Mintaszöveg szerkesztése</a:t>
+            </a:r>
+          </a:p>
+        </p:txBody>
+      </p:sp>
+      <p:sp>
+        <p:nvSpPr>
+          <p:cNvPr id="16" name="Text Placeholder 3"/>
+          <p:cNvSpPr>
+            <a:spLocks noGrp="1"/>
+          </p:cNvSpPr>
+          <p:nvPr>
+            <p:ph type="body" sz="half" idx="15"/>
+          </p:nvPr>
+        </p:nvSpPr>
+        <p:spPr>
+          <a:xfrm>
+            <a:off x="652463" y="2667000"/>
+            <a:ext cx="2927350" cy="3589338"/>
+          </a:xfrm>
+        </p:spPr>
+        <p:txBody>
+          <a:bodyPr anchor="t">
+            <a:normAutofit/>
+          </a:bodyPr>
+          <a:lstStyle>
+            <a:lvl1pPr marL="0" indent="0">
+              <a:buNone/>
+              <a:defRPr sz="1400"/>
+            </a:lvl1pPr>
+            <a:lvl2pPr marL="457200" indent="0">
+              <a:buNone/>
+              <a:defRPr sz="1200"/>
+            </a:lvl2pPr>
+            <a:lvl3pPr marL="914400" indent="0">
+              <a:buNone/>
+              <a:defRPr sz="1000"/>
+            </a:lvl3pPr>
+            <a:lvl4pPr marL="1371600" indent="0">
+              <a:buNone/>
+              <a:defRPr sz="900"/>
+            </a:lvl4pPr>
+            <a:lvl5pPr marL="1828800" indent="0">
+              <a:buNone/>
+              <a:defRPr sz="900"/>
+            </a:lvl5pPr>
+            <a:lvl6pPr marL="2286000" indent="0">
+              <a:buNone/>
+              <a:defRPr sz="900"/>
+            </a:lvl6pPr>
+            <a:lvl7pPr marL="2743200" indent="0">
+              <a:buNone/>
+              <a:defRPr sz="900"/>
+            </a:lvl7pPr>
+            <a:lvl8pPr marL="3200400" indent="0">
+              <a:buNone/>
+              <a:defRPr sz="900"/>
+            </a:lvl8pPr>
+            <a:lvl9pPr marL="3657600" indent="0">
+              <a:buNone/>
+              <a:defRPr sz="900"/>
+            </a:lvl9pPr>
+          </a:lstStyle>
+          <a:p>
+            <a:pPr lvl="0"/>
+            <a:r>
+              <a:rPr lang="hu-HU"/>
+              <a:t>Mintaszöveg szerkesztése</a:t>
+            </a:r>
+          </a:p>
+        </p:txBody>
+      </p:sp>
+      <p:sp>
+        <p:nvSpPr>
+          <p:cNvPr id="5" name="Text Placeholder 4"/>
+          <p:cNvSpPr>
+            <a:spLocks noGrp="1"/>
+          </p:cNvSpPr>
+          <p:nvPr>
+            <p:ph type="body" sz="quarter" idx="3"/>
+          </p:nvPr>
+        </p:nvSpPr>
+        <p:spPr>
+          <a:xfrm>
+            <a:off x="3883659" y="1981200"/>
+            <a:ext cx="2936241" cy="576262"/>
+          </a:xfrm>
+        </p:spPr>
+        <p:txBody>
+          <a:bodyPr anchor="b">
+            <a:noAutofit/>
+          </a:bodyPr>
+          <a:lstStyle>
+            <a:lvl1pPr marL="0" indent="0">
+              <a:buNone/>
+              <a:defRPr sz="2400" b="0">
+                <a:solidFill>
+                  <a:schemeClr val="bg2">
+                    <a:lumMod val="40000"/>
+                    <a:lumOff val="60000"/>
+                  </a:schemeClr>
+                </a:solidFill>
+              </a:defRPr>
+            </a:lvl1pPr>
+            <a:lvl2pPr marL="457200" indent="0">
+              <a:buNone/>
+              <a:defRPr sz="2000" b="1"/>
+            </a:lvl2pPr>
+            <a:lvl3pPr marL="914400" indent="0">
+              <a:buNone/>
+              <a:defRPr sz="1800" b="1"/>
+            </a:lvl3pPr>
+            <a:lvl4pPr marL="1371600" indent="0">
+              <a:buNone/>
+              <a:defRPr sz="1600" b="1"/>
+            </a:lvl4pPr>
+            <a:lvl5pPr marL="1828800" indent="0">
+              <a:buNone/>
+              <a:defRPr sz="1600" b="1"/>
+            </a:lvl5pPr>
+            <a:lvl6pPr marL="2286000" indent="0">
+              <a:buNone/>
+              <a:defRPr sz="1600" b="1"/>
+            </a:lvl6pPr>
+            <a:lvl7pPr marL="2743200" indent="0">
+              <a:buNone/>
+              <a:defRPr sz="1600" b="1"/>
+            </a:lvl7pPr>
+            <a:lvl8pPr marL="3200400" indent="0">
+              <a:buNone/>
+              <a:defRPr sz="1600" b="1"/>
+            </a:lvl8pPr>
+            <a:lvl9pPr marL="3657600" indent="0">
+              <a:buNone/>
+              <a:defRPr sz="1600" b="1"/>
+            </a:lvl9pPr>
+          </a:lstStyle>
+          <a:p>
+            <a:pPr lvl="0"/>
+            <a:r>
+              <a:rPr lang="hu-HU"/>
+              <a:t>Mintaszöveg szerkesztése</a:t>
+            </a:r>
+          </a:p>
+        </p:txBody>
+      </p:sp>
+      <p:sp>
+        <p:nvSpPr>
+          <p:cNvPr id="19" name="Text Placeholder 3"/>
+          <p:cNvSpPr>
+            <a:spLocks noGrp="1"/>
+          </p:cNvSpPr>
+          <p:nvPr>
+            <p:ph type="body" sz="half" idx="16"/>
+          </p:nvPr>
+        </p:nvSpPr>
+        <p:spPr>
+          <a:xfrm>
+            <a:off x="3873106" y="2667000"/>
+            <a:ext cx="2946794" cy="3589338"/>
+          </a:xfrm>
+        </p:spPr>
+        <p:txBody>
+          <a:bodyPr anchor="t">
+            <a:normAutofit/>
+          </a:bodyPr>
+          <a:lstStyle>
+            <a:lvl1pPr marL="0" indent="0">
+              <a:buNone/>
+              <a:defRPr sz="1400"/>
+            </a:lvl1pPr>
+            <a:lvl2pPr marL="457200" indent="0">
+              <a:buNone/>
+              <a:defRPr sz="1200"/>
+            </a:lvl2pPr>
+            <a:lvl3pPr marL="914400" indent="0">
+              <a:buNone/>
+              <a:defRPr sz="1000"/>
+            </a:lvl3pPr>
+            <a:lvl4pPr marL="1371600" indent="0">
+              <a:buNone/>
+              <a:defRPr sz="900"/>
+            </a:lvl4pPr>
+            <a:lvl5pPr marL="1828800" indent="0">
+              <a:buNone/>
+              <a:defRPr sz="900"/>
+            </a:lvl5pPr>
+            <a:lvl6pPr marL="2286000" indent="0">
+              <a:buNone/>
+              <a:defRPr sz="900"/>
+            </a:lvl6pPr>
+            <a:lvl7pPr marL="2743200" indent="0">
+              <a:buNone/>
+              <a:defRPr sz="900"/>
+            </a:lvl7pPr>
+            <a:lvl8pPr marL="3200400" indent="0">
+              <a:buNone/>
+              <a:defRPr sz="900"/>
+            </a:lvl8pPr>
+            <a:lvl9pPr marL="3657600" indent="0">
+              <a:buNone/>
+              <a:defRPr sz="900"/>
+            </a:lvl9pPr>
+          </a:lstStyle>
+          <a:p>
+            <a:pPr lvl="0"/>
+            <a:r>
+              <a:rPr lang="hu-HU"/>
+              <a:t>Mintaszöveg szerkesztése</a:t>
+            </a:r>
+          </a:p>
+        </p:txBody>
+      </p:sp>
+      <p:sp>
+        <p:nvSpPr>
+          <p:cNvPr id="14" name="Text Placeholder 4"/>
+          <p:cNvSpPr>
+            <a:spLocks noGrp="1"/>
+          </p:cNvSpPr>
+          <p:nvPr>
+            <p:ph type="body" sz="quarter" idx="13"/>
+          </p:nvPr>
+        </p:nvSpPr>
+        <p:spPr>
+          <a:xfrm>
+            <a:off x="7124700" y="1981200"/>
+            <a:ext cx="2932113" cy="576262"/>
+          </a:xfrm>
+        </p:spPr>
+        <p:txBody>
+          <a:bodyPr anchor="b">
+            <a:noAutofit/>
+          </a:bodyPr>
+          <a:lstStyle>
+            <a:lvl1pPr marL="0" indent="0">
+              <a:buNone/>
+              <a:defRPr sz="2400" b="0">
+                <a:solidFill>
+                  <a:schemeClr val="bg2">
+                    <a:lumMod val="40000"/>
+                    <a:lumOff val="60000"/>
+                  </a:schemeClr>
+                </a:solidFill>
+              </a:defRPr>
+            </a:lvl1pPr>
+            <a:lvl2pPr marL="457200" indent="0">
+              <a:buNone/>
+              <a:defRPr sz="2000" b="1"/>
+            </a:lvl2pPr>
+            <a:lvl3pPr marL="914400" indent="0">
+              <a:buNone/>
+              <a:defRPr sz="1800" b="1"/>
+            </a:lvl3pPr>
+            <a:lvl4pPr marL="1371600" indent="0">
+              <a:buNone/>
+              <a:defRPr sz="1600" b="1"/>
+            </a:lvl4pPr>
+            <a:lvl5pPr marL="1828800" indent="0">
+              <a:buNone/>
+              <a:defRPr sz="1600" b="1"/>
+            </a:lvl5pPr>
+            <a:lvl6pPr marL="2286000" indent="0">
+              <a:buNone/>
+              <a:defRPr sz="1600" b="1"/>
+            </a:lvl6pPr>
+            <a:lvl7pPr marL="2743200" indent="0">
+              <a:buNone/>
+              <a:defRPr sz="1600" b="1"/>
+            </a:lvl7pPr>
+            <a:lvl8pPr marL="3200400" indent="0">
+              <a:buNone/>
+              <a:defRPr sz="1600" b="1"/>
+            </a:lvl8pPr>
+            <a:lvl9pPr marL="3657600" indent="0">
+              <a:buNone/>
+              <a:defRPr sz="1600" b="1"/>
+            </a:lvl9pPr>
+          </a:lstStyle>
+          <a:p>
+            <a:pPr lvl="0"/>
+            <a:r>
+              <a:rPr lang="hu-HU"/>
+              <a:t>Mintaszöveg szerkesztése</a:t>
+            </a:r>
+          </a:p>
+        </p:txBody>
+      </p:sp>
+      <p:sp>
+        <p:nvSpPr>
+          <p:cNvPr id="20" name="Text Placeholder 3"/>
+          <p:cNvSpPr>
+            <a:spLocks noGrp="1"/>
+          </p:cNvSpPr>
+          <p:nvPr>
+            <p:ph type="body" sz="half" idx="17"/>
+          </p:nvPr>
+        </p:nvSpPr>
+        <p:spPr>
+          <a:xfrm>
+            <a:off x="7124700" y="2667000"/>
+            <a:ext cx="2932113" cy="3589338"/>
+          </a:xfrm>
+        </p:spPr>
+        <p:txBody>
+          <a:bodyPr anchor="t">
+            <a:normAutofit/>
+          </a:bodyPr>
+          <a:lstStyle>
+            <a:lvl1pPr marL="0" indent="0">
+              <a:buNone/>
+              <a:defRPr sz="1400"/>
+            </a:lvl1pPr>
+            <a:lvl2pPr marL="457200" indent="0">
+              <a:buNone/>
+              <a:defRPr sz="1200"/>
+            </a:lvl2pPr>
+            <a:lvl3pPr marL="914400" indent="0">
+              <a:buNone/>
+              <a:defRPr sz="1000"/>
+            </a:lvl3pPr>
+            <a:lvl4pPr marL="1371600" indent="0">
+              <a:buNone/>
+              <a:defRPr sz="900"/>
+            </a:lvl4pPr>
+            <a:lvl5pPr marL="1828800" indent="0">
+              <a:buNone/>
+              <a:defRPr sz="900"/>
+            </a:lvl5pPr>
+            <a:lvl6pPr marL="2286000" indent="0">
+              <a:buNone/>
+              <a:defRPr sz="900"/>
+            </a:lvl6pPr>
+            <a:lvl7pPr marL="2743200" indent="0">
+              <a:buNone/>
+              <a:defRPr sz="900"/>
+            </a:lvl7pPr>
+            <a:lvl8pPr marL="3200400" indent="0">
+              <a:buNone/>
+              <a:defRPr sz="900"/>
+            </a:lvl8pPr>
+            <a:lvl9pPr marL="3657600" indent="0">
+              <a:buNone/>
+              <a:defRPr sz="900"/>
+            </a:lvl9pPr>
+          </a:lstStyle>
+          <a:p>
+            <a:pPr lvl="0"/>
+            <a:r>
+              <a:rPr lang="hu-HU"/>
+              <a:t>Mintaszöveg szerkesztése</a:t>
+            </a:r>
+          </a:p>
+        </p:txBody>
+      </p:sp>
+      <p:cxnSp>
+        <p:nvCxnSpPr>
+          <p:cNvPr id="17" name="Straight Connector 16"/>
+          <p:cNvCxnSpPr/>
+          <p:nvPr/>
+        </p:nvCxnSpPr>
+        <p:spPr>
+          <a:xfrm>
+            <a:off x="3726142" y="2133600"/>
+            <a:ext cx="0" cy="3962400"/>
+          </a:xfrm>
+          <a:prstGeom prst="line">
+            <a:avLst/>
+          </a:prstGeom>
+          <a:ln w="12700" cmpd="sng">
+            <a:solidFill>
+              <a:schemeClr val="bg2">
+                <a:lumMod val="40000"/>
+                <a:lumOff val="60000"/>
+                <a:alpha val="40000"/>
+              </a:schemeClr>
+            </a:solidFill>
+          </a:ln>
+        </p:spPr>
+        <p:style>
+          <a:lnRef idx="2">
+            <a:schemeClr val="accent1"/>
+          </a:lnRef>
+          <a:fillRef idx="0">
+            <a:schemeClr val="accent1"/>
+          </a:fillRef>
+          <a:effectRef idx="1">
+            <a:schemeClr val="accent1"/>
+          </a:effectRef>
+          <a:fontRef idx="minor">
+            <a:schemeClr val="tx1"/>
+          </a:fontRef>
+        </p:style>
+      </p:cxnSp>
+      <p:cxnSp>
+        <p:nvCxnSpPr>
+          <p:cNvPr id="18" name="Straight Connector 17"/>
+          <p:cNvCxnSpPr/>
+          <p:nvPr/>
+        </p:nvCxnSpPr>
+        <p:spPr>
+          <a:xfrm>
+            <a:off x="6962227" y="2133600"/>
+            <a:ext cx="0" cy="3966882"/>
+          </a:xfrm>
+          <a:prstGeom prst="line">
+            <a:avLst/>
+          </a:prstGeom>
+          <a:ln w="12700" cmpd="sng">
+            <a:solidFill>
+              <a:schemeClr val="bg2">
+                <a:lumMod val="40000"/>
+                <a:lumOff val="60000"/>
+                <a:alpha val="40000"/>
+              </a:schemeClr>
+            </a:solidFill>
+          </a:ln>
+        </p:spPr>
+        <p:style>
+          <a:lnRef idx="2">
+            <a:schemeClr val="accent1"/>
+          </a:lnRef>
+          <a:fillRef idx="0">
+            <a:schemeClr val="accent1"/>
+          </a:fillRef>
+          <a:effectRef idx="1">
+            <a:schemeClr val="accent1"/>
+          </a:effectRef>
+          <a:fontRef idx="minor">
+            <a:schemeClr val="tx1"/>
+          </a:fontRef>
+        </p:style>
+      </p:cxnSp>
+      <p:sp>
+        <p:nvSpPr>
+          <p:cNvPr id="7" name="Date Placeholder 3"/>
+          <p:cNvSpPr>
+            <a:spLocks noGrp="1"/>
+          </p:cNvSpPr>
+          <p:nvPr>
+            <p:ph type="dt" sz="half" idx="10"/>
+          </p:nvPr>
+        </p:nvSpPr>
+        <p:spPr/>
+        <p:txBody>
+          <a:bodyPr/>
+          <a:lstStyle/>
+          <a:p>
+            <a:fld id="{5408A1D4-C01D-4ED0-836F-B19E760B3E74}" type="datetimeFigureOut">
+              <a:rPr lang="hu-HU" smtClean="0"/>
+              <a:t>2024.01.14.</a:t>
+            </a:fld>
+            <a:endParaRPr lang="hu-HU"/>
+          </a:p>
+        </p:txBody>
+      </p:sp>
+      <p:sp>
+        <p:nvSpPr>
+          <p:cNvPr id="4" name="Footer Placeholder 4"/>
+          <p:cNvSpPr>
+            <a:spLocks noGrp="1"/>
+          </p:cNvSpPr>
+          <p:nvPr>
+            <p:ph type="ftr" sz="quarter" idx="11"/>
+          </p:nvPr>
+        </p:nvSpPr>
+        <p:spPr/>
+        <p:txBody>
+          <a:bodyPr/>
+          <a:lstStyle/>
+          <a:p>
+            <a:endParaRPr lang="hu-HU"/>
+          </a:p>
+        </p:txBody>
+      </p:sp>
+      <p:sp>
+        <p:nvSpPr>
+          <p:cNvPr id="6" name="Slide Number Placeholder 5"/>
+          <p:cNvSpPr>
+            <a:spLocks noGrp="1"/>
+          </p:cNvSpPr>
+          <p:nvPr>
+            <p:ph type="sldNum" sz="quarter" idx="12"/>
+          </p:nvPr>
+        </p:nvSpPr>
+        <p:spPr/>
+        <p:txBody>
+          <a:bodyPr/>
+          <a:lstStyle/>
+          <a:p>
+            <a:fld id="{41A984D0-2003-4498-8E2F-EB5914FF63C7}" type="slidenum">
+              <a:rPr lang="hu-HU" smtClean="0"/>
+              <a:t>‹#›</a:t>
+            </a:fld>
+            <a:endParaRPr lang="hu-HU"/>
+          </a:p>
+        </p:txBody>
+      </p:sp>
+    </p:spTree>
+    <p:extLst>
+      <p:ext uri="{BB962C8B-B14F-4D97-AF65-F5344CB8AC3E}">
+        <p14:creationId xmlns:p14="http://schemas.microsoft.com/office/powerpoint/2010/main" val="3549194402"/>
+      </p:ext>
+    </p:extLst>
+  </p:cSld>
+  <p:clrMapOvr>
+    <a:masterClrMapping/>
+  </p:clrMapOvr>
+</p:sldLayout>
+</file>
+
+<file path=ppt/slideLayouts/slideLayout15.xml><?xml version="1.0" encoding="utf-8"?>
+<p:sldLayout xmlns:a="http://schemas.openxmlformats.org/drawingml/2006/main" xmlns:r="http://schemas.openxmlformats.org/officeDocument/2006/relationships" xmlns:p="http://schemas.openxmlformats.org/presentationml/2006/main" preserve="1">
+  <p:cSld name="3 képhasáb">
+    <p:spTree>
+      <p:nvGrpSpPr>
+        <p:cNvPr id="1" name=""/>
+        <p:cNvGrpSpPr/>
+        <p:nvPr/>
+      </p:nvGrpSpPr>
+      <p:grpSpPr>
+        <a:xfrm>
+          <a:off x="0" y="0"/>
+          <a:ext cx="0" cy="0"/>
+          <a:chOff x="0" y="0"/>
+          <a:chExt cx="0" cy="0"/>
+        </a:xfrm>
+      </p:grpSpPr>
+      <p:sp>
+        <p:nvSpPr>
+          <p:cNvPr id="2" name="Title 1"/>
+          <p:cNvSpPr>
+            <a:spLocks noGrp="1"/>
+          </p:cNvSpPr>
+          <p:nvPr>
+            <p:ph type="title"/>
+          </p:nvPr>
+        </p:nvSpPr>
+        <p:spPr/>
+        <p:txBody>
+          <a:bodyPr/>
+          <a:lstStyle>
+            <a:lvl1pPr>
+              <a:defRPr sz="4200"/>
+            </a:lvl1pPr>
+          </a:lstStyle>
+          <a:p>
+            <a:r>
+              <a:rPr lang="hu-HU"/>
+              <a:t>Mintacím szerkesztése</a:t>
+            </a:r>
+            <a:endParaRPr lang="en-US" dirty="0"/>
+          </a:p>
+        </p:txBody>
+      </p:sp>
+      <p:sp>
+        <p:nvSpPr>
+          <p:cNvPr id="3" name="Text Placeholder 2"/>
+          <p:cNvSpPr>
+            <a:spLocks noGrp="1"/>
+          </p:cNvSpPr>
+          <p:nvPr>
+            <p:ph type="body" idx="1"/>
+          </p:nvPr>
+        </p:nvSpPr>
+        <p:spPr>
+          <a:xfrm>
+            <a:off x="652463" y="4250949"/>
+            <a:ext cx="2940050" cy="576262"/>
+          </a:xfrm>
+        </p:spPr>
+        <p:txBody>
+          <a:bodyPr anchor="b">
+            <a:noAutofit/>
+          </a:bodyPr>
+          <a:lstStyle>
+            <a:lvl1pPr marL="0" indent="0">
+              <a:buNone/>
+              <a:defRPr sz="2400" b="0">
+                <a:solidFill>
+                  <a:schemeClr val="bg2">
+                    <a:lumMod val="40000"/>
+                    <a:lumOff val="60000"/>
+                  </a:schemeClr>
+                </a:solidFill>
+              </a:defRPr>
+            </a:lvl1pPr>
+            <a:lvl2pPr marL="457200" indent="0">
+              <a:buNone/>
+              <a:defRPr sz="2000" b="1"/>
+            </a:lvl2pPr>
+            <a:lvl3pPr marL="914400" indent="0">
+              <a:buNone/>
+              <a:defRPr sz="1800" b="1"/>
+            </a:lvl3pPr>
+            <a:lvl4pPr marL="1371600" indent="0">
+              <a:buNone/>
+              <a:defRPr sz="1600" b="1"/>
+            </a:lvl4pPr>
+            <a:lvl5pPr marL="1828800" indent="0">
+              <a:buNone/>
+              <a:defRPr sz="1600" b="1"/>
+            </a:lvl5pPr>
+            <a:lvl6pPr marL="2286000" indent="0">
+              <a:buNone/>
+              <a:defRPr sz="1600" b="1"/>
+            </a:lvl6pPr>
+            <a:lvl7pPr marL="2743200" indent="0">
+              <a:buNone/>
+              <a:defRPr sz="1600" b="1"/>
+            </a:lvl7pPr>
+            <a:lvl8pPr marL="3200400" indent="0">
+              <a:buNone/>
+              <a:defRPr sz="1600" b="1"/>
+            </a:lvl8pPr>
+            <a:lvl9pPr marL="3657600" indent="0">
+              <a:buNone/>
+              <a:defRPr sz="1600" b="1"/>
+            </a:lvl9pPr>
+          </a:lstStyle>
+          <a:p>
+            <a:pPr lvl="0"/>
+            <a:r>
+              <a:rPr lang="hu-HU"/>
+              <a:t>Mintaszöveg szerkesztése</a:t>
+            </a:r>
+          </a:p>
+        </p:txBody>
+      </p:sp>
+      <p:sp>
+        <p:nvSpPr>
+          <p:cNvPr id="29" name="Picture Placeholder 2"/>
+          <p:cNvSpPr>
+            <a:spLocks noGrp="1" noChangeAspect="1"/>
+          </p:cNvSpPr>
+          <p:nvPr>
+            <p:ph type="pic" idx="15"/>
+          </p:nvPr>
+        </p:nvSpPr>
+        <p:spPr>
+          <a:xfrm>
+            <a:off x="652463" y="2209800"/>
+            <a:ext cx="2940050" cy="1524000"/>
+          </a:xfrm>
+          <a:prstGeom prst="roundRect">
+            <a:avLst>
+              <a:gd name="adj" fmla="val 1858"/>
+            </a:avLst>
+          </a:prstGeom>
+          <a:effectLst>
+            <a:outerShdw blurRad="50800" dist="50800" dir="5400000" algn="tl" rotWithShape="0">
+              <a:srgbClr val="000000">
+                <a:alpha val="43000"/>
+              </a:srgbClr>
+            </a:outerShdw>
+          </a:effectLst>
+        </p:spPr>
+        <p:txBody>
+          <a:bodyPr anchor="t">
+            <a:normAutofit/>
+          </a:bodyPr>
+          <a:lstStyle>
+            <a:lvl1pPr marL="0" indent="0" algn="ctr">
+              <a:buNone/>
+              <a:defRPr sz="1600"/>
+            </a:lvl1pPr>
+            <a:lvl2pPr marL="457200" indent="0">
+              <a:buNone/>
+              <a:defRPr sz="1600"/>
+            </a:lvl2pPr>
+            <a:lvl3pPr marL="914400" indent="0">
+              <a:buNone/>
+              <a:defRPr sz="1600"/>
+            </a:lvl3pPr>
+            <a:lvl4pPr marL="1371600" indent="0">
+              <a:buNone/>
+              <a:defRPr sz="1600"/>
+            </a:lvl4pPr>
+            <a:lvl5pPr marL="1828800" indent="0">
+              <a:buNone/>
+              <a:defRPr sz="1600"/>
+            </a:lvl5pPr>
+            <a:lvl6pPr marL="2286000" indent="0">
+              <a:buNone/>
+              <a:defRPr sz="1600"/>
+            </a:lvl6pPr>
+            <a:lvl7pPr marL="2743200" indent="0">
+              <a:buNone/>
+              <a:defRPr sz="1600"/>
+            </a:lvl7pPr>
+            <a:lvl8pPr marL="3200400" indent="0">
+              <a:buNone/>
+              <a:defRPr sz="1600"/>
+            </a:lvl8pPr>
+            <a:lvl9pPr marL="3657600" indent="0">
+              <a:buNone/>
+              <a:defRPr sz="1600"/>
+            </a:lvl9pPr>
+          </a:lstStyle>
+          <a:p>
+            <a:r>
+              <a:rPr lang="hu-HU"/>
+              <a:t>Kép beszúrásához kattintson az ikonra</a:t>
+            </a:r>
+            <a:endParaRPr lang="en-US" dirty="0"/>
+          </a:p>
+        </p:txBody>
+      </p:sp>
+      <p:sp>
+        <p:nvSpPr>
+          <p:cNvPr id="22" name="Text Placeholder 3"/>
+          <p:cNvSpPr>
+            <a:spLocks noGrp="1"/>
+          </p:cNvSpPr>
+          <p:nvPr>
+            <p:ph type="body" sz="half" idx="18"/>
+          </p:nvPr>
+        </p:nvSpPr>
+        <p:spPr>
+          <a:xfrm>
+            <a:off x="652463" y="4827211"/>
+            <a:ext cx="2940050" cy="659189"/>
+          </a:xfrm>
+        </p:spPr>
+        <p:txBody>
+          <a:bodyPr anchor="t">
+            <a:normAutofit/>
+          </a:bodyPr>
+          <a:lstStyle>
+            <a:lvl1pPr marL="0" indent="0">
+              <a:buNone/>
+              <a:defRPr sz="1400"/>
+            </a:lvl1pPr>
+            <a:lvl2pPr marL="457200" indent="0">
+              <a:buNone/>
+              <a:defRPr sz="1200"/>
+            </a:lvl2pPr>
+            <a:lvl3pPr marL="914400" indent="0">
+              <a:buNone/>
+              <a:defRPr sz="1000"/>
+            </a:lvl3pPr>
+            <a:lvl4pPr marL="1371600" indent="0">
+              <a:buNone/>
+              <a:defRPr sz="900"/>
+            </a:lvl4pPr>
+            <a:lvl5pPr marL="1828800" indent="0">
+              <a:buNone/>
+              <a:defRPr sz="900"/>
+            </a:lvl5pPr>
+            <a:lvl6pPr marL="2286000" indent="0">
+              <a:buNone/>
+              <a:defRPr sz="900"/>
+            </a:lvl6pPr>
+            <a:lvl7pPr marL="2743200" indent="0">
+              <a:buNone/>
+              <a:defRPr sz="900"/>
+            </a:lvl7pPr>
+            <a:lvl8pPr marL="3200400" indent="0">
+              <a:buNone/>
+              <a:defRPr sz="900"/>
+            </a:lvl8pPr>
+            <a:lvl9pPr marL="3657600" indent="0">
+              <a:buNone/>
+              <a:defRPr sz="900"/>
+            </a:lvl9pPr>
+          </a:lstStyle>
+          <a:p>
+            <a:pPr lvl="0"/>
+            <a:r>
+              <a:rPr lang="hu-HU"/>
+              <a:t>Mintaszöveg szerkesztése</a:t>
+            </a:r>
+          </a:p>
+        </p:txBody>
+      </p:sp>
+      <p:sp>
+        <p:nvSpPr>
+          <p:cNvPr id="5" name="Text Placeholder 4"/>
+          <p:cNvSpPr>
+            <a:spLocks noGrp="1"/>
+          </p:cNvSpPr>
+          <p:nvPr>
+            <p:ph type="body" sz="quarter" idx="3"/>
+          </p:nvPr>
+        </p:nvSpPr>
+        <p:spPr>
+          <a:xfrm>
+            <a:off x="3889375" y="4250949"/>
+            <a:ext cx="2930525" cy="576262"/>
+          </a:xfrm>
+        </p:spPr>
+        <p:txBody>
+          <a:bodyPr anchor="b">
+            <a:noAutofit/>
+          </a:bodyPr>
+          <a:lstStyle>
+            <a:lvl1pPr marL="0" indent="0">
+              <a:buNone/>
+              <a:defRPr sz="2400" b="0">
+                <a:solidFill>
+                  <a:schemeClr val="bg2">
+                    <a:lumMod val="40000"/>
+                    <a:lumOff val="60000"/>
+                  </a:schemeClr>
+                </a:solidFill>
+              </a:defRPr>
+            </a:lvl1pPr>
+            <a:lvl2pPr marL="457200" indent="0">
+              <a:buNone/>
+              <a:defRPr sz="2000" b="1"/>
+            </a:lvl2pPr>
+            <a:lvl3pPr marL="914400" indent="0">
+              <a:buNone/>
+              <a:defRPr sz="1800" b="1"/>
+            </a:lvl3pPr>
+            <a:lvl4pPr marL="1371600" indent="0">
+              <a:buNone/>
+              <a:defRPr sz="1600" b="1"/>
+            </a:lvl4pPr>
+            <a:lvl5pPr marL="1828800" indent="0">
+              <a:buNone/>
+              <a:defRPr sz="1600" b="1"/>
+            </a:lvl5pPr>
+            <a:lvl6pPr marL="2286000" indent="0">
+              <a:buNone/>
+              <a:defRPr sz="1600" b="1"/>
+            </a:lvl6pPr>
+            <a:lvl7pPr marL="2743200" indent="0">
+              <a:buNone/>
+              <a:defRPr sz="1600" b="1"/>
+            </a:lvl7pPr>
+            <a:lvl8pPr marL="3200400" indent="0">
+              <a:buNone/>
+              <a:defRPr sz="1600" b="1"/>
+            </a:lvl8pPr>
+            <a:lvl9pPr marL="3657600" indent="0">
+              <a:buNone/>
+              <a:defRPr sz="1600" b="1"/>
+            </a:lvl9pPr>
+          </a:lstStyle>
+          <a:p>
+            <a:pPr lvl="0"/>
+            <a:r>
+              <a:rPr lang="hu-HU"/>
+              <a:t>Mintaszöveg szerkesztése</a:t>
+            </a:r>
+          </a:p>
+        </p:txBody>
+      </p:sp>
+      <p:sp>
+        <p:nvSpPr>
+          <p:cNvPr id="30" name="Picture Placeholder 2"/>
+          <p:cNvSpPr>
+            <a:spLocks noGrp="1" noChangeAspect="1"/>
+          </p:cNvSpPr>
+          <p:nvPr>
+            <p:ph type="pic" idx="21"/>
+          </p:nvPr>
+        </p:nvSpPr>
+        <p:spPr>
+          <a:xfrm>
+            <a:off x="3889374" y="2209800"/>
+            <a:ext cx="2930525" cy="1524000"/>
+          </a:xfrm>
+          <a:prstGeom prst="roundRect">
+            <a:avLst>
+              <a:gd name="adj" fmla="val 1858"/>
+            </a:avLst>
+          </a:prstGeom>
+          <a:effectLst>
+            <a:outerShdw blurRad="50800" dist="50800" dir="5400000" algn="tl" rotWithShape="0">
+              <a:srgbClr val="000000">
+                <a:alpha val="43000"/>
+              </a:srgbClr>
+            </a:outerShdw>
+          </a:effectLst>
+        </p:spPr>
+        <p:txBody>
+          <a:bodyPr anchor="t">
+            <a:normAutofit/>
+          </a:bodyPr>
+          <a:lstStyle>
+            <a:lvl1pPr marL="0" indent="0" algn="ctr">
+              <a:buNone/>
+              <a:defRPr sz="1600"/>
+            </a:lvl1pPr>
+            <a:lvl2pPr marL="457200" indent="0">
+              <a:buNone/>
+              <a:defRPr sz="1600"/>
+            </a:lvl2pPr>
+            <a:lvl3pPr marL="914400" indent="0">
+              <a:buNone/>
+              <a:defRPr sz="1600"/>
+            </a:lvl3pPr>
+            <a:lvl4pPr marL="1371600" indent="0">
+              <a:buNone/>
+              <a:defRPr sz="1600"/>
+            </a:lvl4pPr>
+            <a:lvl5pPr marL="1828800" indent="0">
+              <a:buNone/>
+              <a:defRPr sz="1600"/>
+            </a:lvl5pPr>
+            <a:lvl6pPr marL="2286000" indent="0">
+              <a:buNone/>
+              <a:defRPr sz="1600"/>
+            </a:lvl6pPr>
+            <a:lvl7pPr marL="2743200" indent="0">
+              <a:buNone/>
+              <a:defRPr sz="1600"/>
+            </a:lvl7pPr>
+            <a:lvl8pPr marL="3200400" indent="0">
+              <a:buNone/>
+              <a:defRPr sz="1600"/>
+            </a:lvl8pPr>
+            <a:lvl9pPr marL="3657600" indent="0">
+              <a:buNone/>
+              <a:defRPr sz="1600"/>
+            </a:lvl9pPr>
+          </a:lstStyle>
+          <a:p>
+            <a:r>
+              <a:rPr lang="hu-HU"/>
+              <a:t>Kép beszúrásához kattintson az ikonra</a:t>
+            </a:r>
+            <a:endParaRPr lang="en-US" dirty="0"/>
+          </a:p>
+        </p:txBody>
+      </p:sp>
+      <p:sp>
+        <p:nvSpPr>
+          <p:cNvPr id="23" name="Text Placeholder 3"/>
+          <p:cNvSpPr>
+            <a:spLocks noGrp="1"/>
+          </p:cNvSpPr>
+          <p:nvPr>
+            <p:ph type="body" sz="half" idx="19"/>
+          </p:nvPr>
+        </p:nvSpPr>
+        <p:spPr>
+          <a:xfrm>
+            <a:off x="3888022" y="4827210"/>
+            <a:ext cx="2934406" cy="659189"/>
+          </a:xfrm>
+        </p:spPr>
+        <p:txBody>
+          <a:bodyPr anchor="t">
+            <a:normAutofit/>
+          </a:bodyPr>
+          <a:lstStyle>
+            <a:lvl1pPr marL="0" indent="0">
+              <a:buNone/>
+              <a:defRPr sz="1400"/>
+            </a:lvl1pPr>
+            <a:lvl2pPr marL="457200" indent="0">
+              <a:buNone/>
+              <a:defRPr sz="1200"/>
+            </a:lvl2pPr>
+            <a:lvl3pPr marL="914400" indent="0">
+              <a:buNone/>
+              <a:defRPr sz="1000"/>
+            </a:lvl3pPr>
+            <a:lvl4pPr marL="1371600" indent="0">
+              <a:buNone/>
+              <a:defRPr sz="900"/>
+            </a:lvl4pPr>
+            <a:lvl5pPr marL="1828800" indent="0">
+              <a:buNone/>
+              <a:defRPr sz="900"/>
+            </a:lvl5pPr>
+            <a:lvl6pPr marL="2286000" indent="0">
+              <a:buNone/>
+              <a:defRPr sz="900"/>
+            </a:lvl6pPr>
+            <a:lvl7pPr marL="2743200" indent="0">
+              <a:buNone/>
+              <a:defRPr sz="900"/>
+            </a:lvl7pPr>
+            <a:lvl8pPr marL="3200400" indent="0">
+              <a:buNone/>
+              <a:defRPr sz="900"/>
+            </a:lvl8pPr>
+            <a:lvl9pPr marL="3657600" indent="0">
+              <a:buNone/>
+              <a:defRPr sz="900"/>
+            </a:lvl9pPr>
+          </a:lstStyle>
+          <a:p>
+            <a:pPr lvl="0"/>
+            <a:r>
+              <a:rPr lang="hu-HU"/>
+              <a:t>Mintaszöveg szerkesztése</a:t>
+            </a:r>
+          </a:p>
+        </p:txBody>
+      </p:sp>
+      <p:sp>
+        <p:nvSpPr>
+          <p:cNvPr id="14" name="Text Placeholder 4"/>
+          <p:cNvSpPr>
+            <a:spLocks noGrp="1"/>
+          </p:cNvSpPr>
+          <p:nvPr>
+            <p:ph type="body" sz="quarter" idx="13"/>
+          </p:nvPr>
+        </p:nvSpPr>
+        <p:spPr>
+          <a:xfrm>
+            <a:off x="7124700" y="4250949"/>
+            <a:ext cx="2932113" cy="576262"/>
+          </a:xfrm>
+        </p:spPr>
+        <p:txBody>
+          <a:bodyPr anchor="b">
+            <a:noAutofit/>
+          </a:bodyPr>
+          <a:lstStyle>
+            <a:lvl1pPr marL="0" indent="0">
+              <a:buNone/>
+              <a:defRPr sz="2400" b="0">
+                <a:solidFill>
+                  <a:schemeClr val="bg2">
+                    <a:lumMod val="40000"/>
+                    <a:lumOff val="60000"/>
+                  </a:schemeClr>
+                </a:solidFill>
+              </a:defRPr>
+            </a:lvl1pPr>
+            <a:lvl2pPr marL="457200" indent="0">
+              <a:buNone/>
+              <a:defRPr sz="2000" b="1"/>
+            </a:lvl2pPr>
+            <a:lvl3pPr marL="914400" indent="0">
+              <a:buNone/>
+              <a:defRPr sz="1800" b="1"/>
+            </a:lvl3pPr>
+            <a:lvl4pPr marL="1371600" indent="0">
+              <a:buNone/>
+              <a:defRPr sz="1600" b="1"/>
+            </a:lvl4pPr>
+            <a:lvl5pPr marL="1828800" indent="0">
+              <a:buNone/>
+              <a:defRPr sz="1600" b="1"/>
+            </a:lvl5pPr>
+            <a:lvl6pPr marL="2286000" indent="0">
+              <a:buNone/>
+              <a:defRPr sz="1600" b="1"/>
+            </a:lvl6pPr>
+            <a:lvl7pPr marL="2743200" indent="0">
+              <a:buNone/>
+              <a:defRPr sz="1600" b="1"/>
+            </a:lvl7pPr>
+            <a:lvl8pPr marL="3200400" indent="0">
+              <a:buNone/>
+              <a:defRPr sz="1600" b="1"/>
+            </a:lvl8pPr>
+            <a:lvl9pPr marL="3657600" indent="0">
+              <a:buNone/>
+              <a:defRPr sz="1600" b="1"/>
+            </a:lvl9pPr>
+          </a:lstStyle>
+          <a:p>
+            <a:pPr lvl="0"/>
+            <a:r>
+              <a:rPr lang="hu-HU"/>
+              <a:t>Mintaszöveg szerkesztése</a:t>
+            </a:r>
+          </a:p>
+        </p:txBody>
+      </p:sp>
+      <p:sp>
+        <p:nvSpPr>
+          <p:cNvPr id="31" name="Picture Placeholder 2"/>
+          <p:cNvSpPr>
+            <a:spLocks noGrp="1" noChangeAspect="1"/>
+          </p:cNvSpPr>
+          <p:nvPr>
+            <p:ph type="pic" idx="22"/>
+          </p:nvPr>
+        </p:nvSpPr>
+        <p:spPr>
+          <a:xfrm>
+            <a:off x="7124699" y="2209800"/>
+            <a:ext cx="2932113" cy="1524000"/>
+          </a:xfrm>
+          <a:prstGeom prst="roundRect">
+            <a:avLst>
+              <a:gd name="adj" fmla="val 1858"/>
+            </a:avLst>
+          </a:prstGeom>
+          <a:effectLst>
+            <a:outerShdw blurRad="50800" dist="50800" dir="5400000" algn="tl" rotWithShape="0">
+              <a:srgbClr val="000000">
+                <a:alpha val="43000"/>
+              </a:srgbClr>
+            </a:outerShdw>
+          </a:effectLst>
+        </p:spPr>
+        <p:txBody>
+          <a:bodyPr anchor="t">
+            <a:normAutofit/>
+          </a:bodyPr>
+          <a:lstStyle>
+            <a:lvl1pPr marL="0" indent="0" algn="ctr">
+              <a:buNone/>
+              <a:defRPr sz="1600"/>
+            </a:lvl1pPr>
+            <a:lvl2pPr marL="457200" indent="0">
+              <a:buNone/>
+              <a:defRPr sz="1600"/>
+            </a:lvl2pPr>
+            <a:lvl3pPr marL="914400" indent="0">
+              <a:buNone/>
+              <a:defRPr sz="1600"/>
+            </a:lvl3pPr>
+            <a:lvl4pPr marL="1371600" indent="0">
+              <a:buNone/>
+              <a:defRPr sz="1600"/>
+            </a:lvl4pPr>
+            <a:lvl5pPr marL="1828800" indent="0">
+              <a:buNone/>
+              <a:defRPr sz="1600"/>
+            </a:lvl5pPr>
+            <a:lvl6pPr marL="2286000" indent="0">
+              <a:buNone/>
+              <a:defRPr sz="1600"/>
+            </a:lvl6pPr>
+            <a:lvl7pPr marL="2743200" indent="0">
+              <a:buNone/>
+              <a:defRPr sz="1600"/>
+            </a:lvl7pPr>
+            <a:lvl8pPr marL="3200400" indent="0">
+              <a:buNone/>
+              <a:defRPr sz="1600"/>
+            </a:lvl8pPr>
+            <a:lvl9pPr marL="3657600" indent="0">
+              <a:buNone/>
+              <a:defRPr sz="1600"/>
+            </a:lvl9pPr>
+          </a:lstStyle>
+          <a:p>
+            <a:r>
+              <a:rPr lang="hu-HU"/>
+              <a:t>Kép beszúrásához kattintson az ikonra</a:t>
+            </a:r>
+            <a:endParaRPr lang="en-US" dirty="0"/>
+          </a:p>
+        </p:txBody>
+      </p:sp>
+      <p:sp>
+        <p:nvSpPr>
+          <p:cNvPr id="24" name="Text Placeholder 3"/>
+          <p:cNvSpPr>
+            <a:spLocks noGrp="1"/>
+          </p:cNvSpPr>
+          <p:nvPr>
+            <p:ph type="body" sz="half" idx="20"/>
+          </p:nvPr>
+        </p:nvSpPr>
+        <p:spPr>
+          <a:xfrm>
+            <a:off x="7124575" y="4827208"/>
+            <a:ext cx="2935997" cy="659189"/>
+          </a:xfrm>
+        </p:spPr>
+        <p:txBody>
+          <a:bodyPr anchor="t">
+            <a:normAutofit/>
+          </a:bodyPr>
+          <a:lstStyle>
+            <a:lvl1pPr marL="0" indent="0">
+              <a:buNone/>
+              <a:defRPr sz="1400"/>
+            </a:lvl1pPr>
+            <a:lvl2pPr marL="457200" indent="0">
+              <a:buNone/>
+              <a:defRPr sz="1200"/>
+            </a:lvl2pPr>
+            <a:lvl3pPr marL="914400" indent="0">
+              <a:buNone/>
+              <a:defRPr sz="1000"/>
+            </a:lvl3pPr>
+            <a:lvl4pPr marL="1371600" indent="0">
+              <a:buNone/>
+              <a:defRPr sz="900"/>
+            </a:lvl4pPr>
+            <a:lvl5pPr marL="1828800" indent="0">
+              <a:buNone/>
+              <a:defRPr sz="900"/>
+            </a:lvl5pPr>
+            <a:lvl6pPr marL="2286000" indent="0">
+              <a:buNone/>
+              <a:defRPr sz="900"/>
+            </a:lvl6pPr>
+            <a:lvl7pPr marL="2743200" indent="0">
+              <a:buNone/>
+              <a:defRPr sz="900"/>
+            </a:lvl7pPr>
+            <a:lvl8pPr marL="3200400" indent="0">
+              <a:buNone/>
+              <a:defRPr sz="900"/>
+            </a:lvl8pPr>
+            <a:lvl9pPr marL="3657600" indent="0">
+              <a:buNone/>
+              <a:defRPr sz="900"/>
+            </a:lvl9pPr>
+          </a:lstStyle>
+          <a:p>
+            <a:pPr lvl="0"/>
+            <a:r>
+              <a:rPr lang="hu-HU"/>
+              <a:t>Mintaszöveg szerkesztése</a:t>
+            </a:r>
+          </a:p>
+        </p:txBody>
+      </p:sp>
+      <p:cxnSp>
+        <p:nvCxnSpPr>
+          <p:cNvPr id="19" name="Straight Connector 18"/>
+          <p:cNvCxnSpPr/>
+          <p:nvPr/>
+        </p:nvCxnSpPr>
+        <p:spPr>
+          <a:xfrm>
+            <a:off x="3726142" y="2133600"/>
+            <a:ext cx="0" cy="3962400"/>
+          </a:xfrm>
+          <a:prstGeom prst="line">
+            <a:avLst/>
+          </a:prstGeom>
+          <a:ln w="12700" cmpd="sng">
+            <a:solidFill>
+              <a:schemeClr val="bg2">
+                <a:lumMod val="40000"/>
+                <a:lumOff val="60000"/>
+                <a:alpha val="40000"/>
+              </a:schemeClr>
+            </a:solidFill>
+          </a:ln>
+        </p:spPr>
+        <p:style>
+          <a:lnRef idx="2">
+            <a:schemeClr val="accent1"/>
+          </a:lnRef>
+          <a:fillRef idx="0">
+            <a:schemeClr val="accent1"/>
+          </a:fillRef>
+          <a:effectRef idx="1">
+            <a:schemeClr val="accent1"/>
+          </a:effectRef>
+          <a:fontRef idx="minor">
+            <a:schemeClr val="tx1"/>
+          </a:fontRef>
+        </p:style>
+      </p:cxnSp>
+      <p:cxnSp>
+        <p:nvCxnSpPr>
+          <p:cNvPr id="20" name="Straight Connector 19"/>
+          <p:cNvCxnSpPr/>
+          <p:nvPr/>
+        </p:nvCxnSpPr>
+        <p:spPr>
+          <a:xfrm>
+            <a:off x="6962227" y="2133600"/>
+            <a:ext cx="0" cy="3966882"/>
+          </a:xfrm>
+          <a:prstGeom prst="line">
+            <a:avLst/>
+          </a:prstGeom>
+          <a:ln w="12700" cmpd="sng">
+            <a:solidFill>
+              <a:schemeClr val="bg2">
+                <a:lumMod val="40000"/>
+                <a:lumOff val="60000"/>
+                <a:alpha val="40000"/>
+              </a:schemeClr>
+            </a:solidFill>
+          </a:ln>
+        </p:spPr>
+        <p:style>
+          <a:lnRef idx="2">
+            <a:schemeClr val="accent1"/>
+          </a:lnRef>
+          <a:fillRef idx="0">
+            <a:schemeClr val="accent1"/>
+          </a:fillRef>
+          <a:effectRef idx="1">
+            <a:schemeClr val="accent1"/>
+          </a:effectRef>
+          <a:fontRef idx="minor">
+            <a:schemeClr val="tx1"/>
+          </a:fontRef>
+        </p:style>
+      </p:cxnSp>
+      <p:sp>
+        <p:nvSpPr>
+          <p:cNvPr id="7" name="Date Placeholder 3"/>
+          <p:cNvSpPr>
+            <a:spLocks noGrp="1"/>
+          </p:cNvSpPr>
+          <p:nvPr>
+            <p:ph type="dt" sz="half" idx="10"/>
+          </p:nvPr>
+        </p:nvSpPr>
+        <p:spPr/>
+        <p:txBody>
+          <a:bodyPr/>
+          <a:lstStyle/>
+          <a:p>
+            <a:fld id="{5408A1D4-C01D-4ED0-836F-B19E760B3E74}" type="datetimeFigureOut">
+              <a:rPr lang="hu-HU" smtClean="0"/>
+              <a:t>2024.01.14.</a:t>
+            </a:fld>
+            <a:endParaRPr lang="hu-HU"/>
+          </a:p>
+        </p:txBody>
+      </p:sp>
+      <p:sp>
+        <p:nvSpPr>
+          <p:cNvPr id="4" name="Footer Placeholder 4"/>
+          <p:cNvSpPr>
+            <a:spLocks noGrp="1"/>
+          </p:cNvSpPr>
+          <p:nvPr>
+            <p:ph type="ftr" sz="quarter" idx="11"/>
+          </p:nvPr>
+        </p:nvSpPr>
+        <p:spPr/>
+        <p:txBody>
+          <a:bodyPr/>
+          <a:lstStyle/>
+          <a:p>
+            <a:endParaRPr lang="hu-HU"/>
+          </a:p>
+        </p:txBody>
+      </p:sp>
+      <p:sp>
+        <p:nvSpPr>
+          <p:cNvPr id="6" name="Slide Number Placeholder 5"/>
+          <p:cNvSpPr>
+            <a:spLocks noGrp="1"/>
+          </p:cNvSpPr>
+          <p:nvPr>
+            <p:ph type="sldNum" sz="quarter" idx="12"/>
+          </p:nvPr>
+        </p:nvSpPr>
+        <p:spPr/>
+        <p:txBody>
+          <a:bodyPr/>
+          <a:lstStyle/>
+          <a:p>
+            <a:fld id="{41A984D0-2003-4498-8E2F-EB5914FF63C7}" type="slidenum">
+              <a:rPr lang="hu-HU" smtClean="0"/>
+              <a:t>‹#›</a:t>
+            </a:fld>
+            <a:endParaRPr lang="hu-HU"/>
+          </a:p>
+        </p:txBody>
+      </p:sp>
+    </p:spTree>
+    <p:extLst>
+      <p:ext uri="{BB962C8B-B14F-4D97-AF65-F5344CB8AC3E}">
+        <p14:creationId xmlns:p14="http://schemas.microsoft.com/office/powerpoint/2010/main" val="2492850234"/>
+      </p:ext>
+    </p:extLst>
+  </p:cSld>
+  <p:clrMapOvr>
+    <a:masterClrMapping/>
+  </p:clrMapOvr>
+</p:sldLayout>
+</file>
+
+<file path=ppt/slideLayouts/slideLayout16.xml><?xml version="1.0" encoding="utf-8"?>
 <p:sldLayout xmlns:a="http://schemas.openxmlformats.org/drawingml/2006/main" xmlns:r="http://schemas.openxmlformats.org/officeDocument/2006/relationships" xmlns:p="http://schemas.openxmlformats.org/presentationml/2006/main" type="vertTx" preserve="1">
   <p:cSld name="Cím és függőleges szöveg">
     <p:spTree>
@@ -415,7 +2987,7 @@
         </p:nvSpPr>
         <p:spPr/>
         <p:txBody>
-          <a:bodyPr vert="eaVert"/>
+          <a:bodyPr vert="eaVert" anchor="t" anchorCtr="0"/>
           <a:lstStyle/>
           <a:p>
             <a:pPr lvl="0"/>
@@ -520,41 +3092,10 @@
           </a:p>
         </p:txBody>
       </p:sp>
-      <p:cxnSp>
-        <p:nvCxnSpPr>
-          <p:cNvPr id="26" name="Straight Connector 25"/>
-          <p:cNvCxnSpPr/>
-          <p:nvPr/>
-        </p:nvCxnSpPr>
-        <p:spPr>
-          <a:xfrm>
-            <a:off x="1453896" y="1847088"/>
-            <a:ext cx="9607522" cy="0"/>
-          </a:xfrm>
-          <a:prstGeom prst="line">
-            <a:avLst/>
-          </a:prstGeom>
-          <a:ln w="31750"/>
-        </p:spPr>
-        <p:style>
-          <a:lnRef idx="3">
-            <a:schemeClr val="accent1"/>
-          </a:lnRef>
-          <a:fillRef idx="0">
-            <a:schemeClr val="accent1"/>
-          </a:fillRef>
-          <a:effectRef idx="2">
-            <a:schemeClr val="accent1"/>
-          </a:effectRef>
-          <a:fontRef idx="minor">
-            <a:schemeClr val="tx1"/>
-          </a:fontRef>
-        </p:style>
-      </p:cxnSp>
     </p:spTree>
     <p:extLst>
       <p:ext uri="{BB962C8B-B14F-4D97-AF65-F5344CB8AC3E}">
-        <p14:creationId xmlns:p14="http://schemas.microsoft.com/office/powerpoint/2010/main" val="487609068"/>
+        <p14:creationId xmlns:p14="http://schemas.microsoft.com/office/powerpoint/2010/main" val="3655738216"/>
       </p:ext>
     </p:extLst>
   </p:cSld>
@@ -564,7 +3105,7 @@
 </p:sldLayout>
 </file>
 
-<file path=ppt/slideLayouts/slideLayout11.xml><?xml version="1.0" encoding="utf-8"?>
+<file path=ppt/slideLayouts/slideLayout17.xml><?xml version="1.0" encoding="utf-8"?>
 <p:sldLayout xmlns:a="http://schemas.openxmlformats.org/drawingml/2006/main" xmlns:r="http://schemas.openxmlformats.org/officeDocument/2006/relationships" xmlns:p="http://schemas.openxmlformats.org/presentationml/2006/main" type="vertTitleAndTx" preserve="1">
   <p:cSld name="Függőleges cím és szöveg">
     <p:spTree>
@@ -593,17 +3134,13 @@
         </p:nvSpPr>
         <p:spPr>
           <a:xfrm>
-            <a:off x="9439111" y="798973"/>
-            <a:ext cx="1615742" cy="4659889"/>
-          </a:xfrm>
-        </p:spPr>
-        <p:txBody>
-          <a:bodyPr vert="eaVert"/>
-          <a:lstStyle>
-            <a:lvl1pPr algn="l">
-              <a:defRPr/>
-            </a:lvl1pPr>
-          </a:lstStyle>
+            <a:off x="8304212" y="430213"/>
+            <a:ext cx="1752601" cy="5826125"/>
+          </a:xfrm>
+        </p:spPr>
+        <p:txBody>
+          <a:bodyPr vert="eaVert" anchor="b" anchorCtr="0"/>
+          <a:lstStyle/>
           <a:p>
             <a:r>
               <a:rPr lang="hu-HU"/>
@@ -625,8 +3162,8 @@
         </p:nvSpPr>
         <p:spPr>
           <a:xfrm>
-            <a:off x="1444672" y="798973"/>
-            <a:ext cx="7828830" cy="4659889"/>
+            <a:off x="652463" y="887414"/>
+            <a:ext cx="7423149" cy="5368924"/>
           </a:xfrm>
         </p:spPr>
         <p:txBody>
@@ -735,41 +3272,10 @@
           </a:p>
         </p:txBody>
       </p:sp>
-      <p:cxnSp>
-        <p:nvCxnSpPr>
-          <p:cNvPr id="15" name="Straight Connector 14"/>
-          <p:cNvCxnSpPr/>
-          <p:nvPr/>
-        </p:nvCxnSpPr>
-        <p:spPr>
-          <a:xfrm>
-            <a:off x="9439111" y="798973"/>
-            <a:ext cx="0" cy="4659889"/>
-          </a:xfrm>
-          <a:prstGeom prst="line">
-            <a:avLst/>
-          </a:prstGeom>
-          <a:ln w="31750"/>
-        </p:spPr>
-        <p:style>
-          <a:lnRef idx="3">
-            <a:schemeClr val="accent1"/>
-          </a:lnRef>
-          <a:fillRef idx="0">
-            <a:schemeClr val="accent1"/>
-          </a:fillRef>
-          <a:effectRef idx="2">
-            <a:schemeClr val="accent1"/>
-          </a:effectRef>
-          <a:fontRef idx="minor">
-            <a:schemeClr val="tx1"/>
-          </a:fontRef>
-        </p:style>
-      </p:cxnSp>
     </p:spTree>
     <p:extLst>
       <p:ext uri="{BB962C8B-B14F-4D97-AF65-F5344CB8AC3E}">
-        <p14:creationId xmlns:p14="http://schemas.microsoft.com/office/powerpoint/2010/main" val="1868860856"/>
+        <p14:creationId xmlns:p14="http://schemas.microsoft.com/office/powerpoint/2010/main" val="1093932602"/>
       </p:ext>
     </p:extLst>
   </p:cSld>
@@ -831,7 +3337,7 @@
         </p:nvSpPr>
         <p:spPr/>
         <p:txBody>
-          <a:bodyPr anchor="t"/>
+          <a:bodyPr/>
           <a:lstStyle/>
           <a:p>
             <a:pPr lvl="0"/>
@@ -873,7 +3379,7 @@
       </p:sp>
       <p:sp>
         <p:nvSpPr>
-          <p:cNvPr id="4" name="Date Placeholder 3"/>
+          <p:cNvPr id="7" name="Date Placeholder 3"/>
           <p:cNvSpPr>
             <a:spLocks noGrp="1"/>
           </p:cNvSpPr>
@@ -936,41 +3442,10 @@
           </a:p>
         </p:txBody>
       </p:sp>
-      <p:cxnSp>
-        <p:nvCxnSpPr>
-          <p:cNvPr id="33" name="Straight Connector 32"/>
-          <p:cNvCxnSpPr/>
-          <p:nvPr/>
-        </p:nvCxnSpPr>
-        <p:spPr>
-          <a:xfrm>
-            <a:off x="1453896" y="1847088"/>
-            <a:ext cx="9607522" cy="0"/>
-          </a:xfrm>
-          <a:prstGeom prst="line">
-            <a:avLst/>
-          </a:prstGeom>
-          <a:ln w="31750"/>
-        </p:spPr>
-        <p:style>
-          <a:lnRef idx="3">
-            <a:schemeClr val="accent1"/>
-          </a:lnRef>
-          <a:fillRef idx="0">
-            <a:schemeClr val="accent1"/>
-          </a:fillRef>
-          <a:effectRef idx="2">
-            <a:schemeClr val="accent1"/>
-          </a:effectRef>
-          <a:fontRef idx="minor">
-            <a:schemeClr val="tx1"/>
-          </a:fontRef>
-        </p:style>
-      </p:cxnSp>
     </p:spTree>
     <p:extLst>
       <p:ext uri="{BB962C8B-B14F-4D97-AF65-F5344CB8AC3E}">
-        <p14:creationId xmlns:p14="http://schemas.microsoft.com/office/powerpoint/2010/main" val="2195386860"/>
+        <p14:creationId xmlns:p14="http://schemas.microsoft.com/office/powerpoint/2010/main" val="570630159"/>
       </p:ext>
     </p:extLst>
   </p:cSld>
@@ -1009,17 +3484,15 @@
         </p:nvSpPr>
         <p:spPr>
           <a:xfrm>
-            <a:off x="1454239" y="1756130"/>
-            <a:ext cx="8643154" cy="1887950"/>
-          </a:xfrm>
-        </p:spPr>
-        <p:txBody>
-          <a:bodyPr anchor="b">
-            <a:normAutofit/>
-          </a:bodyPr>
+            <a:off x="1154956" y="2861733"/>
+            <a:ext cx="8825657" cy="1915647"/>
+          </a:xfrm>
+        </p:spPr>
+        <p:txBody>
+          <a:bodyPr anchor="b"/>
           <a:lstStyle>
             <a:lvl1pPr algn="l">
-              <a:defRPr sz="3600"/>
+              <a:defRPr sz="4000" b="0" cap="none"/>
             </a:lvl1pPr>
           </a:lstStyle>
           <a:p>
@@ -1043,20 +3516,21 @@
         </p:nvSpPr>
         <p:spPr>
           <a:xfrm>
-            <a:off x="1454239" y="3806195"/>
-            <a:ext cx="8630446" cy="1012929"/>
-          </a:xfrm>
-        </p:spPr>
-        <p:txBody>
-          <a:bodyPr tIns="91440">
-            <a:normAutofit/>
-          </a:bodyPr>
+            <a:off x="1154955" y="4777381"/>
+            <a:ext cx="8825658" cy="860400"/>
+          </a:xfrm>
+        </p:spPr>
+        <p:txBody>
+          <a:bodyPr anchor="t"/>
           <a:lstStyle>
             <a:lvl1pPr marL="0" indent="0" algn="l">
               <a:buNone/>
-              <a:defRPr sz="1800">
+              <a:defRPr sz="2000" cap="all">
                 <a:solidFill>
-                  <a:schemeClr val="tx1"/>
+                  <a:schemeClr val="bg2">
+                    <a:lumMod val="40000"/>
+                    <a:lumOff val="60000"/>
+                  </a:schemeClr>
                 </a:solidFill>
               </a:defRPr>
             </a:lvl1pPr>
@@ -1072,7 +3546,7 @@
             </a:lvl2pPr>
             <a:lvl3pPr marL="914400" indent="0">
               <a:buNone/>
-              <a:defRPr sz="1800">
+              <a:defRPr sz="1600">
                 <a:solidFill>
                   <a:schemeClr val="tx1">
                     <a:tint val="75000"/>
@@ -1082,7 +3556,7 @@
             </a:lvl3pPr>
             <a:lvl4pPr marL="1371600" indent="0">
               <a:buNone/>
-              <a:defRPr sz="1600">
+              <a:defRPr sz="1400">
                 <a:solidFill>
                   <a:schemeClr val="tx1">
                     <a:tint val="75000"/>
@@ -1092,7 +3566,7 @@
             </a:lvl4pPr>
             <a:lvl5pPr marL="1828800" indent="0">
               <a:buNone/>
-              <a:defRPr sz="1600">
+              <a:defRPr sz="1400">
                 <a:solidFill>
                   <a:schemeClr val="tx1">
                     <a:tint val="75000"/>
@@ -1102,7 +3576,7 @@
             </a:lvl5pPr>
             <a:lvl6pPr marL="2286000" indent="0">
               <a:buNone/>
-              <a:defRPr sz="1600">
+              <a:defRPr sz="1400">
                 <a:solidFill>
                   <a:schemeClr val="tx1">
                     <a:tint val="75000"/>
@@ -1112,7 +3586,7 @@
             </a:lvl6pPr>
             <a:lvl7pPr marL="2743200" indent="0">
               <a:buNone/>
-              <a:defRPr sz="1600">
+              <a:defRPr sz="1400">
                 <a:solidFill>
                   <a:schemeClr val="tx1">
                     <a:tint val="75000"/>
@@ -1122,7 +3596,7 @@
             </a:lvl7pPr>
             <a:lvl8pPr marL="3200400" indent="0">
               <a:buNone/>
-              <a:defRPr sz="1600">
+              <a:defRPr sz="1400">
                 <a:solidFill>
                   <a:schemeClr val="tx1">
                     <a:tint val="75000"/>
@@ -1132,7 +3606,7 @@
             </a:lvl8pPr>
             <a:lvl9pPr marL="3657600" indent="0">
               <a:buNone/>
-              <a:defRPr sz="1600">
+              <a:defRPr sz="1400">
                 <a:solidFill>
                   <a:schemeClr val="tx1">
                     <a:tint val="75000"/>
@@ -1215,41 +3689,10 @@
           </a:p>
         </p:txBody>
       </p:sp>
-      <p:cxnSp>
-        <p:nvCxnSpPr>
-          <p:cNvPr id="15" name="Straight Connector 14"/>
-          <p:cNvCxnSpPr/>
-          <p:nvPr/>
-        </p:nvCxnSpPr>
-        <p:spPr>
-          <a:xfrm>
-            <a:off x="1454239" y="3804985"/>
-            <a:ext cx="8630446" cy="0"/>
-          </a:xfrm>
-          <a:prstGeom prst="line">
-            <a:avLst/>
-          </a:prstGeom>
-          <a:ln w="31750"/>
-        </p:spPr>
-        <p:style>
-          <a:lnRef idx="3">
-            <a:schemeClr val="accent1"/>
-          </a:lnRef>
-          <a:fillRef idx="0">
-            <a:schemeClr val="accent1"/>
-          </a:fillRef>
-          <a:effectRef idx="2">
-            <a:schemeClr val="accent1"/>
-          </a:effectRef>
-          <a:fontRef idx="minor">
-            <a:schemeClr val="tx1"/>
-          </a:fontRef>
-        </p:style>
-      </p:cxnSp>
     </p:spTree>
     <p:extLst>
       <p:ext uri="{BB962C8B-B14F-4D97-AF65-F5344CB8AC3E}">
-        <p14:creationId xmlns:p14="http://schemas.microsoft.com/office/powerpoint/2010/main" val="2550032243"/>
+        <p14:creationId xmlns:p14="http://schemas.microsoft.com/office/powerpoint/2010/main" val="3679247510"/>
       </p:ext>
     </p:extLst>
   </p:cSld>
@@ -1286,12 +3729,7 @@
             <p:ph type="title"/>
           </p:nvPr>
         </p:nvSpPr>
-        <p:spPr>
-          <a:xfrm>
-            <a:off x="1449217" y="804889"/>
-            <a:ext cx="9605635" cy="1059305"/>
-          </a:xfrm>
-        </p:spPr>
+        <p:spPr/>
         <p:txBody>
           <a:bodyPr/>
           <a:lstStyle/>
@@ -1316,13 +3754,43 @@
         </p:nvSpPr>
         <p:spPr>
           <a:xfrm>
-            <a:off x="1447331" y="2010878"/>
-            <a:ext cx="4645152" cy="3448595"/>
-          </a:xfrm>
-        </p:spPr>
-        <p:txBody>
-          <a:bodyPr/>
-          <a:lstStyle/>
+            <a:off x="1103312" y="2060575"/>
+            <a:ext cx="4396339" cy="4195763"/>
+          </a:xfrm>
+        </p:spPr>
+        <p:txBody>
+          <a:bodyPr>
+            <a:normAutofit/>
+          </a:bodyPr>
+          <a:lstStyle>
+            <a:lvl1pPr>
+              <a:defRPr sz="1800"/>
+            </a:lvl1pPr>
+            <a:lvl2pPr>
+              <a:defRPr sz="1600"/>
+            </a:lvl2pPr>
+            <a:lvl3pPr>
+              <a:defRPr sz="1400"/>
+            </a:lvl3pPr>
+            <a:lvl4pPr>
+              <a:defRPr sz="1200"/>
+            </a:lvl4pPr>
+            <a:lvl5pPr>
+              <a:defRPr sz="1200"/>
+            </a:lvl5pPr>
+            <a:lvl6pPr>
+              <a:defRPr sz="1200"/>
+            </a:lvl6pPr>
+            <a:lvl7pPr>
+              <a:defRPr sz="1200"/>
+            </a:lvl7pPr>
+            <a:lvl8pPr>
+              <a:defRPr sz="1200"/>
+            </a:lvl8pPr>
+            <a:lvl9pPr>
+              <a:defRPr sz="1200"/>
+            </a:lvl9pPr>
+          </a:lstStyle>
           <a:p>
             <a:pPr lvl="0"/>
             <a:r>
@@ -1373,13 +3841,43 @@
         </p:nvSpPr>
         <p:spPr>
           <a:xfrm>
-            <a:off x="6413771" y="2017343"/>
-            <a:ext cx="4645152" cy="3441520"/>
-          </a:xfrm>
-        </p:spPr>
-        <p:txBody>
-          <a:bodyPr/>
-          <a:lstStyle/>
+            <a:off x="5654493" y="2056092"/>
+            <a:ext cx="4396341" cy="4200245"/>
+          </a:xfrm>
+        </p:spPr>
+        <p:txBody>
+          <a:bodyPr>
+            <a:normAutofit/>
+          </a:bodyPr>
+          <a:lstStyle>
+            <a:lvl1pPr>
+              <a:defRPr sz="1800"/>
+            </a:lvl1pPr>
+            <a:lvl2pPr>
+              <a:defRPr sz="1600"/>
+            </a:lvl2pPr>
+            <a:lvl3pPr>
+              <a:defRPr sz="1400"/>
+            </a:lvl3pPr>
+            <a:lvl4pPr>
+              <a:defRPr sz="1200"/>
+            </a:lvl4pPr>
+            <a:lvl5pPr>
+              <a:defRPr sz="1200"/>
+            </a:lvl5pPr>
+            <a:lvl6pPr>
+              <a:defRPr sz="1200"/>
+            </a:lvl6pPr>
+            <a:lvl7pPr>
+              <a:defRPr sz="1200"/>
+            </a:lvl7pPr>
+            <a:lvl8pPr>
+              <a:defRPr sz="1200"/>
+            </a:lvl8pPr>
+            <a:lvl9pPr>
+              <a:defRPr sz="1200"/>
+            </a:lvl9pPr>
+          </a:lstStyle>
           <a:p>
             <a:pPr lvl="0"/>
             <a:r>
@@ -1483,41 +3981,10 @@
           </a:p>
         </p:txBody>
       </p:sp>
-      <p:cxnSp>
-        <p:nvCxnSpPr>
-          <p:cNvPr id="35" name="Straight Connector 34"/>
-          <p:cNvCxnSpPr/>
-          <p:nvPr/>
-        </p:nvCxnSpPr>
-        <p:spPr>
-          <a:xfrm>
-            <a:off x="1453896" y="1847088"/>
-            <a:ext cx="9607522" cy="0"/>
-          </a:xfrm>
-          <a:prstGeom prst="line">
-            <a:avLst/>
-          </a:prstGeom>
-          <a:ln w="31750"/>
-        </p:spPr>
-        <p:style>
-          <a:lnRef idx="3">
-            <a:schemeClr val="accent1"/>
-          </a:lnRef>
-          <a:fillRef idx="0">
-            <a:schemeClr val="accent1"/>
-          </a:fillRef>
-          <a:effectRef idx="2">
-            <a:schemeClr val="accent1"/>
-          </a:effectRef>
-          <a:fontRef idx="minor">
-            <a:schemeClr val="tx1"/>
-          </a:fontRef>
-        </p:style>
-      </p:cxnSp>
     </p:spTree>
     <p:extLst>
       <p:ext uri="{BB962C8B-B14F-4D97-AF65-F5344CB8AC3E}">
-        <p14:creationId xmlns:p14="http://schemas.microsoft.com/office/powerpoint/2010/main" val="1134117912"/>
+        <p14:creationId xmlns:p14="http://schemas.microsoft.com/office/powerpoint/2010/main" val="3731727659"/>
       </p:ext>
     </p:extLst>
   </p:cSld>
@@ -1554,15 +4021,14 @@
             <p:ph type="title"/>
           </p:nvPr>
         </p:nvSpPr>
-        <p:spPr>
-          <a:xfrm>
-            <a:off x="1447191" y="804163"/>
-            <a:ext cx="9607661" cy="1056319"/>
-          </a:xfrm>
-        </p:spPr>
+        <p:spPr/>
         <p:txBody>
           <a:bodyPr/>
-          <a:lstStyle/>
+          <a:lstStyle>
+            <a:lvl1pPr>
+              <a:defRPr/>
+            </a:lvl1pPr>
+          </a:lstStyle>
           <a:p>
             <a:r>
               <a:rPr lang="hu-HU"/>
@@ -1584,23 +4050,23 @@
         </p:nvSpPr>
         <p:spPr>
           <a:xfrm>
-            <a:off x="1447191" y="2019549"/>
-            <a:ext cx="4645152" cy="801943"/>
+            <a:off x="1103313" y="1905000"/>
+            <a:ext cx="4396338" cy="576262"/>
           </a:xfrm>
         </p:spPr>
         <p:txBody>
           <a:bodyPr anchor="b">
-            <a:normAutofit/>
+            <a:noAutofit/>
           </a:bodyPr>
           <a:lstStyle>
             <a:lvl1pPr marL="0" indent="0">
-              <a:lnSpc>
-                <a:spcPct val="100000"/>
-              </a:lnSpc>
-              <a:buNone/>
-              <a:defRPr sz="2200" b="0" cap="all" baseline="0">
+              <a:buNone/>
+              <a:defRPr sz="2400" b="0">
                 <a:solidFill>
-                  <a:schemeClr val="accent1"/>
+                  <a:schemeClr val="bg2">
+                    <a:lumMod val="40000"/>
+                    <a:lumOff val="60000"/>
+                  </a:schemeClr>
                 </a:solidFill>
               </a:defRPr>
             </a:lvl1pPr>
@@ -1658,80 +4124,110 @@
         </p:nvSpPr>
         <p:spPr>
           <a:xfrm>
-            <a:off x="1447191" y="2824269"/>
-            <a:ext cx="4645152" cy="2644457"/>
-          </a:xfrm>
-        </p:spPr>
-        <p:txBody>
-          <a:bodyPr/>
-          <a:lstStyle/>
-          <a:p>
-            <a:pPr lvl="0"/>
-            <a:r>
-              <a:rPr lang="hu-HU"/>
-              <a:t>Mintaszöveg szerkesztése</a:t>
-            </a:r>
-          </a:p>
-          <a:p>
-            <a:pPr lvl="1"/>
-            <a:r>
-              <a:rPr lang="hu-HU"/>
-              <a:t>Második szint</a:t>
-            </a:r>
-          </a:p>
-          <a:p>
-            <a:pPr lvl="2"/>
-            <a:r>
-              <a:rPr lang="hu-HU"/>
-              <a:t>Harmadik szint</a:t>
-            </a:r>
-          </a:p>
-          <a:p>
-            <a:pPr lvl="3"/>
-            <a:r>
-              <a:rPr lang="hu-HU"/>
-              <a:t>Negyedik szint</a:t>
-            </a:r>
-          </a:p>
-          <a:p>
-            <a:pPr lvl="4"/>
-            <a:r>
-              <a:rPr lang="hu-HU"/>
-              <a:t>Ötödik szint</a:t>
-            </a:r>
-            <a:endParaRPr lang="en-US" dirty="0"/>
-          </a:p>
-        </p:txBody>
-      </p:sp>
-      <p:sp>
-        <p:nvSpPr>
-          <p:cNvPr id="5" name="Text Placeholder 4"/>
-          <p:cNvSpPr>
-            <a:spLocks noGrp="1"/>
-          </p:cNvSpPr>
-          <p:nvPr>
-            <p:ph type="body" sz="quarter" idx="3"/>
-          </p:nvPr>
-        </p:nvSpPr>
-        <p:spPr>
-          <a:xfrm>
-            <a:off x="6412362" y="2023003"/>
-            <a:ext cx="4645152" cy="802237"/>
-          </a:xfrm>
-        </p:spPr>
-        <p:txBody>
-          <a:bodyPr anchor="b">
+            <a:off x="1103312" y="2514600"/>
+            <a:ext cx="4396339" cy="3741738"/>
+          </a:xfrm>
+        </p:spPr>
+        <p:txBody>
+          <a:bodyPr>
             <a:normAutofit/>
           </a:bodyPr>
           <a:lstStyle>
+            <a:lvl1pPr>
+              <a:defRPr sz="1800"/>
+            </a:lvl1pPr>
+            <a:lvl2pPr>
+              <a:defRPr sz="1600"/>
+            </a:lvl2pPr>
+            <a:lvl3pPr>
+              <a:defRPr sz="1400"/>
+            </a:lvl3pPr>
+            <a:lvl4pPr>
+              <a:defRPr sz="1200"/>
+            </a:lvl4pPr>
+            <a:lvl5pPr>
+              <a:defRPr sz="1200"/>
+            </a:lvl5pPr>
+            <a:lvl6pPr>
+              <a:defRPr sz="1200"/>
+            </a:lvl6pPr>
+            <a:lvl7pPr>
+              <a:defRPr sz="1200"/>
+            </a:lvl7pPr>
+            <a:lvl8pPr>
+              <a:defRPr sz="1200"/>
+            </a:lvl8pPr>
+            <a:lvl9pPr>
+              <a:defRPr sz="1200"/>
+            </a:lvl9pPr>
+          </a:lstStyle>
+          <a:p>
+            <a:pPr lvl="0"/>
+            <a:r>
+              <a:rPr lang="hu-HU"/>
+              <a:t>Mintaszöveg szerkesztése</a:t>
+            </a:r>
+          </a:p>
+          <a:p>
+            <a:pPr lvl="1"/>
+            <a:r>
+              <a:rPr lang="hu-HU"/>
+              <a:t>Második szint</a:t>
+            </a:r>
+          </a:p>
+          <a:p>
+            <a:pPr lvl="2"/>
+            <a:r>
+              <a:rPr lang="hu-HU"/>
+              <a:t>Harmadik szint</a:t>
+            </a:r>
+          </a:p>
+          <a:p>
+            <a:pPr lvl="3"/>
+            <a:r>
+              <a:rPr lang="hu-HU"/>
+              <a:t>Negyedik szint</a:t>
+            </a:r>
+          </a:p>
+          <a:p>
+            <a:pPr lvl="4"/>
+            <a:r>
+              <a:rPr lang="hu-HU"/>
+              <a:t>Ötödik szint</a:t>
+            </a:r>
+            <a:endParaRPr lang="en-US" dirty="0"/>
+          </a:p>
+        </p:txBody>
+      </p:sp>
+      <p:sp>
+        <p:nvSpPr>
+          <p:cNvPr id="5" name="Text Placeholder 4"/>
+          <p:cNvSpPr>
+            <a:spLocks noGrp="1"/>
+          </p:cNvSpPr>
+          <p:nvPr>
+            <p:ph type="body" sz="quarter" idx="3"/>
+          </p:nvPr>
+        </p:nvSpPr>
+        <p:spPr>
+          <a:xfrm>
+            <a:off x="5654495" y="1905000"/>
+            <a:ext cx="4396339" cy="576262"/>
+          </a:xfrm>
+        </p:spPr>
+        <p:txBody>
+          <a:bodyPr anchor="b">
+            <a:noAutofit/>
+          </a:bodyPr>
+          <a:lstStyle>
             <a:lvl1pPr marL="0" indent="0">
-              <a:lnSpc>
-                <a:spcPct val="100000"/>
-              </a:lnSpc>
-              <a:buNone/>
-              <a:defRPr sz="2200" b="0" cap="all" baseline="0">
+              <a:buNone/>
+              <a:defRPr sz="2400" b="0">
                 <a:solidFill>
-                  <a:schemeClr val="accent1"/>
+                  <a:schemeClr val="bg2">
+                    <a:lumMod val="40000"/>
+                    <a:lumOff val="60000"/>
+                  </a:schemeClr>
                 </a:solidFill>
               </a:defRPr>
             </a:lvl1pPr>
@@ -1789,13 +4285,43 @@
         </p:nvSpPr>
         <p:spPr>
           <a:xfrm>
-            <a:off x="6412362" y="2821491"/>
-            <a:ext cx="4645152" cy="2637371"/>
-          </a:xfrm>
-        </p:spPr>
-        <p:txBody>
-          <a:bodyPr/>
-          <a:lstStyle/>
+            <a:off x="5654495" y="2514600"/>
+            <a:ext cx="4396339" cy="3741738"/>
+          </a:xfrm>
+        </p:spPr>
+        <p:txBody>
+          <a:bodyPr>
+            <a:normAutofit/>
+          </a:bodyPr>
+          <a:lstStyle>
+            <a:lvl1pPr>
+              <a:defRPr sz="1800"/>
+            </a:lvl1pPr>
+            <a:lvl2pPr>
+              <a:defRPr sz="1600"/>
+            </a:lvl2pPr>
+            <a:lvl3pPr>
+              <a:defRPr sz="1400"/>
+            </a:lvl3pPr>
+            <a:lvl4pPr>
+              <a:defRPr sz="1200"/>
+            </a:lvl4pPr>
+            <a:lvl5pPr>
+              <a:defRPr sz="1200"/>
+            </a:lvl5pPr>
+            <a:lvl6pPr>
+              <a:defRPr sz="1200"/>
+            </a:lvl6pPr>
+            <a:lvl7pPr>
+              <a:defRPr sz="1200"/>
+            </a:lvl7pPr>
+            <a:lvl8pPr>
+              <a:defRPr sz="1200"/>
+            </a:lvl8pPr>
+            <a:lvl9pPr>
+              <a:defRPr sz="1200"/>
+            </a:lvl9pPr>
+          </a:lstStyle>
           <a:p>
             <a:pPr lvl="0"/>
             <a:r>
@@ -1899,41 +4425,10 @@
           </a:p>
         </p:txBody>
       </p:sp>
-      <p:cxnSp>
-        <p:nvCxnSpPr>
-          <p:cNvPr id="29" name="Straight Connector 28"/>
-          <p:cNvCxnSpPr/>
-          <p:nvPr/>
-        </p:nvCxnSpPr>
-        <p:spPr>
-          <a:xfrm>
-            <a:off x="1453896" y="1847088"/>
-            <a:ext cx="9607522" cy="0"/>
-          </a:xfrm>
-          <a:prstGeom prst="line">
-            <a:avLst/>
-          </a:prstGeom>
-          <a:ln w="31750"/>
-        </p:spPr>
-        <p:style>
-          <a:lnRef idx="3">
-            <a:schemeClr val="accent1"/>
-          </a:lnRef>
-          <a:fillRef idx="0">
-            <a:schemeClr val="accent1"/>
-          </a:fillRef>
-          <a:effectRef idx="2">
-            <a:schemeClr val="accent1"/>
-          </a:effectRef>
-          <a:fontRef idx="minor">
-            <a:schemeClr val="tx1"/>
-          </a:fontRef>
-        </p:style>
-      </p:cxnSp>
     </p:spTree>
     <p:extLst>
       <p:ext uri="{BB962C8B-B14F-4D97-AF65-F5344CB8AC3E}">
-        <p14:creationId xmlns:p14="http://schemas.microsoft.com/office/powerpoint/2010/main" val="1367449032"/>
+        <p14:creationId xmlns:p14="http://schemas.microsoft.com/office/powerpoint/2010/main" val="624303487"/>
       </p:ext>
     </p:extLst>
   </p:cSld>
@@ -1985,7 +4480,7 @@
       </p:sp>
       <p:sp>
         <p:nvSpPr>
-          <p:cNvPr id="3" name="Date Placeholder 2"/>
+          <p:cNvPr id="7" name="Date Placeholder 2"/>
           <p:cNvSpPr>
             <a:spLocks noGrp="1"/>
           </p:cNvSpPr>
@@ -2008,7 +4503,7 @@
       </p:sp>
       <p:sp>
         <p:nvSpPr>
-          <p:cNvPr id="4" name="Footer Placeholder 3"/>
+          <p:cNvPr id="5" name="Footer Placeholder 3"/>
           <p:cNvSpPr>
             <a:spLocks noGrp="1"/>
           </p:cNvSpPr>
@@ -2027,7 +4522,7 @@
       </p:sp>
       <p:sp>
         <p:nvSpPr>
-          <p:cNvPr id="5" name="Slide Number Placeholder 4"/>
+          <p:cNvPr id="6" name="Slide Number Placeholder 4"/>
           <p:cNvSpPr>
             <a:spLocks noGrp="1"/>
           </p:cNvSpPr>
@@ -2048,41 +4543,10 @@
           </a:p>
         </p:txBody>
       </p:sp>
-      <p:cxnSp>
-        <p:nvCxnSpPr>
-          <p:cNvPr id="25" name="Straight Connector 24"/>
-          <p:cNvCxnSpPr/>
-          <p:nvPr/>
-        </p:nvCxnSpPr>
-        <p:spPr>
-          <a:xfrm>
-            <a:off x="1453896" y="1847088"/>
-            <a:ext cx="9607522" cy="0"/>
-          </a:xfrm>
-          <a:prstGeom prst="line">
-            <a:avLst/>
-          </a:prstGeom>
-          <a:ln w="31750"/>
-        </p:spPr>
-        <p:style>
-          <a:lnRef idx="3">
-            <a:schemeClr val="accent1"/>
-          </a:lnRef>
-          <a:fillRef idx="0">
-            <a:schemeClr val="accent1"/>
-          </a:fillRef>
-          <a:effectRef idx="2">
-            <a:schemeClr val="accent1"/>
-          </a:effectRef>
-          <a:fontRef idx="minor">
-            <a:schemeClr val="tx1"/>
-          </a:fontRef>
-        </p:style>
-      </p:cxnSp>
     </p:spTree>
     <p:extLst>
       <p:ext uri="{BB962C8B-B14F-4D97-AF65-F5344CB8AC3E}">
-        <p14:creationId xmlns:p14="http://schemas.microsoft.com/office/powerpoint/2010/main" val="790243502"/>
+        <p14:creationId xmlns:p14="http://schemas.microsoft.com/office/powerpoint/2010/main" val="1272739190"/>
       </p:ext>
     </p:extLst>
   </p:cSld>
@@ -2111,7 +4575,7 @@
       </p:grpSpPr>
       <p:sp>
         <p:nvSpPr>
-          <p:cNvPr id="2" name="Date Placeholder 1"/>
+          <p:cNvPr id="7" name="Date Placeholder 1"/>
           <p:cNvSpPr>
             <a:spLocks noGrp="1"/>
           </p:cNvSpPr>
@@ -2134,7 +4598,7 @@
       </p:sp>
       <p:sp>
         <p:nvSpPr>
-          <p:cNvPr id="3" name="Footer Placeholder 2"/>
+          <p:cNvPr id="5" name="Footer Placeholder 2"/>
           <p:cNvSpPr>
             <a:spLocks noGrp="1"/>
           </p:cNvSpPr>
@@ -2153,7 +4617,7 @@
       </p:sp>
       <p:sp>
         <p:nvSpPr>
-          <p:cNvPr id="4" name="Slide Number Placeholder 3"/>
+          <p:cNvPr id="6" name="Slide Number Placeholder 3"/>
           <p:cNvSpPr>
             <a:spLocks noGrp="1"/>
           </p:cNvSpPr>
@@ -2177,7 +4641,7 @@
     </p:spTree>
     <p:extLst>
       <p:ext uri="{BB962C8B-B14F-4D97-AF65-F5344CB8AC3E}">
-        <p14:creationId xmlns:p14="http://schemas.microsoft.com/office/powerpoint/2010/main" val="723461495"/>
+        <p14:creationId xmlns:p14="http://schemas.microsoft.com/office/powerpoint/2010/main" val="1318437118"/>
       </p:ext>
     </p:extLst>
   </p:cSld>
@@ -2216,23 +4680,108 @@
         </p:nvSpPr>
         <p:spPr>
           <a:xfrm>
-            <a:off x="1444671" y="798973"/>
-            <a:ext cx="3273099" cy="2247117"/>
-          </a:xfrm>
-        </p:spPr>
-        <p:txBody>
-          <a:bodyPr anchor="b">
+            <a:off x="1154953" y="1447800"/>
+            <a:ext cx="3401064" cy="1447800"/>
+          </a:xfrm>
+        </p:spPr>
+        <p:txBody>
+          <a:bodyPr anchor="b"/>
+          <a:lstStyle>
+            <a:lvl1pPr algn="l">
+              <a:defRPr sz="2400" b="0"/>
+            </a:lvl1pPr>
+          </a:lstStyle>
+          <a:p>
+            <a:r>
+              <a:rPr lang="hu-HU"/>
+              <a:t>Mintacím szerkesztése</a:t>
+            </a:r>
+            <a:endParaRPr lang="en-US" dirty="0"/>
+          </a:p>
+        </p:txBody>
+      </p:sp>
+      <p:sp>
+        <p:nvSpPr>
+          <p:cNvPr id="3" name="Content Placeholder 2"/>
+          <p:cNvSpPr>
+            <a:spLocks noGrp="1"/>
+          </p:cNvSpPr>
+          <p:nvPr>
+            <p:ph idx="1"/>
+          </p:nvPr>
+        </p:nvSpPr>
+        <p:spPr>
+          <a:xfrm>
+            <a:off x="4784616" y="1447800"/>
+            <a:ext cx="5195997" cy="4572000"/>
+          </a:xfrm>
+        </p:spPr>
+        <p:txBody>
+          <a:bodyPr anchor="ctr">
             <a:normAutofit/>
           </a:bodyPr>
           <a:lstStyle>
-            <a:lvl1pPr algn="l">
-              <a:defRPr sz="2400"/>
+            <a:lvl1pPr>
+              <a:defRPr sz="2000"/>
             </a:lvl1pPr>
+            <a:lvl2pPr>
+              <a:defRPr sz="1800"/>
+            </a:lvl2pPr>
+            <a:lvl3pPr>
+              <a:defRPr sz="1600"/>
+            </a:lvl3pPr>
+            <a:lvl4pPr>
+              <a:defRPr sz="1400"/>
+            </a:lvl4pPr>
+            <a:lvl5pPr>
+              <a:defRPr sz="1400"/>
+            </a:lvl5pPr>
+            <a:lvl6pPr>
+              <a:defRPr sz="1400"/>
+            </a:lvl6pPr>
+            <a:lvl7pPr>
+              <a:defRPr sz="1400"/>
+            </a:lvl7pPr>
+            <a:lvl8pPr>
+              <a:defRPr sz="1400"/>
+            </a:lvl8pPr>
+            <a:lvl9pPr>
+              <a:defRPr sz="1400"/>
+            </a:lvl9pPr>
           </a:lstStyle>
           <a:p>
-            <a:r>
-              <a:rPr lang="hu-HU"/>
-              <a:t>Mintacím szerkesztése</a:t>
+            <a:pPr lvl="0"/>
+            <a:r>
+              <a:rPr lang="hu-HU"/>
+              <a:t>Mintaszöveg szerkesztése</a:t>
+            </a:r>
+          </a:p>
+          <a:p>
+            <a:pPr lvl="1"/>
+            <a:r>
+              <a:rPr lang="hu-HU"/>
+              <a:t>Második szint</a:t>
+            </a:r>
+          </a:p>
+          <a:p>
+            <a:pPr lvl="2"/>
+            <a:r>
+              <a:rPr lang="hu-HU"/>
+              <a:t>Harmadik szint</a:t>
+            </a:r>
+          </a:p>
+          <a:p>
+            <a:pPr lvl="3"/>
+            <a:r>
+              <a:rPr lang="hu-HU"/>
+              <a:t>Negyedik szint</a:t>
+            </a:r>
+          </a:p>
+          <a:p>
+            <a:pPr lvl="4"/>
+            <a:r>
+              <a:rPr lang="hu-HU"/>
+              <a:t>Ötödik szint</a:t>
             </a:r>
             <a:endParaRPr lang="en-US" dirty="0"/>
           </a:p>
@@ -2240,63 +4789,6 @@
       </p:sp>
       <p:sp>
         <p:nvSpPr>
-          <p:cNvPr id="3" name="Content Placeholder 2"/>
-          <p:cNvSpPr>
-            <a:spLocks noGrp="1"/>
-          </p:cNvSpPr>
-          <p:nvPr>
-            <p:ph idx="1"/>
-          </p:nvPr>
-        </p:nvSpPr>
-        <p:spPr>
-          <a:xfrm>
-            <a:off x="5043714" y="798974"/>
-            <a:ext cx="6012470" cy="4658826"/>
-          </a:xfrm>
-        </p:spPr>
-        <p:txBody>
-          <a:bodyPr anchor="ctr"/>
-          <a:lstStyle/>
-          <a:p>
-            <a:pPr lvl="0"/>
-            <a:r>
-              <a:rPr lang="hu-HU"/>
-              <a:t>Mintaszöveg szerkesztése</a:t>
-            </a:r>
-          </a:p>
-          <a:p>
-            <a:pPr lvl="1"/>
-            <a:r>
-              <a:rPr lang="hu-HU"/>
-              <a:t>Második szint</a:t>
-            </a:r>
-          </a:p>
-          <a:p>
-            <a:pPr lvl="2"/>
-            <a:r>
-              <a:rPr lang="hu-HU"/>
-              <a:t>Harmadik szint</a:t>
-            </a:r>
-          </a:p>
-          <a:p>
-            <a:pPr lvl="3"/>
-            <a:r>
-              <a:rPr lang="hu-HU"/>
-              <a:t>Negyedik szint</a:t>
-            </a:r>
-          </a:p>
-          <a:p>
-            <a:pPr lvl="4"/>
-            <a:r>
-              <a:rPr lang="hu-HU"/>
-              <a:t>Ötödik szint</a:t>
-            </a:r>
-            <a:endParaRPr lang="en-US" dirty="0"/>
-          </a:p>
-        </p:txBody>
-      </p:sp>
-      <p:sp>
-        <p:nvSpPr>
           <p:cNvPr id="4" name="Text Placeholder 3"/>
           <p:cNvSpPr>
             <a:spLocks noGrp="1"/>
@@ -2307,48 +4799,48 @@
         </p:nvSpPr>
         <p:spPr>
           <a:xfrm>
-            <a:off x="1444671" y="3205491"/>
-            <a:ext cx="3275013" cy="2248181"/>
+            <a:off x="1154953" y="3129280"/>
+            <a:ext cx="3401063" cy="2895599"/>
           </a:xfrm>
         </p:spPr>
         <p:txBody>
           <a:bodyPr/>
           <a:lstStyle>
-            <a:lvl1pPr marL="0" indent="0" algn="l">
-              <a:buNone/>
-              <a:defRPr sz="1600"/>
+            <a:lvl1pPr marL="0" indent="0">
+              <a:buNone/>
+              <a:defRPr sz="1400"/>
             </a:lvl1pPr>
             <a:lvl2pPr marL="457200" indent="0">
               <a:buNone/>
-              <a:defRPr sz="1400"/>
+              <a:defRPr sz="1200"/>
             </a:lvl2pPr>
             <a:lvl3pPr marL="914400" indent="0">
               <a:buNone/>
-              <a:defRPr sz="1200"/>
+              <a:defRPr sz="1000"/>
             </a:lvl3pPr>
             <a:lvl4pPr marL="1371600" indent="0">
               <a:buNone/>
-              <a:defRPr sz="1000"/>
+              <a:defRPr sz="900"/>
             </a:lvl4pPr>
             <a:lvl5pPr marL="1828800" indent="0">
               <a:buNone/>
-              <a:defRPr sz="1000"/>
+              <a:defRPr sz="900"/>
             </a:lvl5pPr>
             <a:lvl6pPr marL="2286000" indent="0">
               <a:buNone/>
-              <a:defRPr sz="1000"/>
+              <a:defRPr sz="900"/>
             </a:lvl6pPr>
             <a:lvl7pPr marL="2743200" indent="0">
               <a:buNone/>
-              <a:defRPr sz="1000"/>
+              <a:defRPr sz="900"/>
             </a:lvl7pPr>
             <a:lvl8pPr marL="3200400" indent="0">
               <a:buNone/>
-              <a:defRPr sz="1000"/>
+              <a:defRPr sz="900"/>
             </a:lvl8pPr>
             <a:lvl9pPr marL="3657600" indent="0">
               <a:buNone/>
-              <a:defRPr sz="1000"/>
+              <a:defRPr sz="900"/>
             </a:lvl9pPr>
           </a:lstStyle>
           <a:p>
@@ -2362,7 +4854,7 @@
       </p:sp>
       <p:sp>
         <p:nvSpPr>
-          <p:cNvPr id="5" name="Date Placeholder 4"/>
+          <p:cNvPr id="7" name="Date Placeholder 4"/>
           <p:cNvSpPr>
             <a:spLocks noGrp="1"/>
           </p:cNvSpPr>
@@ -2385,7 +4877,7 @@
       </p:sp>
       <p:sp>
         <p:nvSpPr>
-          <p:cNvPr id="6" name="Footer Placeholder 5"/>
+          <p:cNvPr id="5" name="Footer Placeholder 5"/>
           <p:cNvSpPr>
             <a:spLocks noGrp="1"/>
           </p:cNvSpPr>
@@ -2404,7 +4896,7 @@
       </p:sp>
       <p:sp>
         <p:nvSpPr>
-          <p:cNvPr id="7" name="Slide Number Placeholder 6"/>
+          <p:cNvPr id="6" name="Slide Number Placeholder 6"/>
           <p:cNvSpPr>
             <a:spLocks noGrp="1"/>
           </p:cNvSpPr>
@@ -2425,41 +4917,10 @@
           </a:p>
         </p:txBody>
       </p:sp>
-      <p:cxnSp>
-        <p:nvCxnSpPr>
-          <p:cNvPr id="17" name="Straight Connector 16"/>
-          <p:cNvCxnSpPr/>
-          <p:nvPr/>
-        </p:nvCxnSpPr>
-        <p:spPr>
-          <a:xfrm>
-            <a:off x="1448280" y="3205491"/>
-            <a:ext cx="3269490" cy="0"/>
-          </a:xfrm>
-          <a:prstGeom prst="line">
-            <a:avLst/>
-          </a:prstGeom>
-          <a:ln w="31750"/>
-        </p:spPr>
-        <p:style>
-          <a:lnRef idx="3">
-            <a:schemeClr val="accent1"/>
-          </a:lnRef>
-          <a:fillRef idx="0">
-            <a:schemeClr val="accent1"/>
-          </a:fillRef>
-          <a:effectRef idx="2">
-            <a:schemeClr val="accent1"/>
-          </a:effectRef>
-          <a:fontRef idx="minor">
-            <a:schemeClr val="tx1"/>
-          </a:fontRef>
-        </p:style>
-      </p:cxnSp>
     </p:spTree>
     <p:extLst>
       <p:ext uri="{BB962C8B-B14F-4D97-AF65-F5344CB8AC3E}">
-        <p14:creationId xmlns:p14="http://schemas.microsoft.com/office/powerpoint/2010/main" val="119010116"/>
+        <p14:creationId xmlns:p14="http://schemas.microsoft.com/office/powerpoint/2010/main" val="4120124763"/>
       </p:ext>
     </p:extLst>
   </p:cSld>
@@ -2486,140 +4947,6 @@
           <a:chExt cx="0" cy="0"/>
         </a:xfrm>
       </p:grpSpPr>
-      <p:grpSp>
-        <p:nvGrpSpPr>
-          <p:cNvPr id="8" name="Group 7"/>
-          <p:cNvGrpSpPr/>
-          <p:nvPr/>
-        </p:nvGrpSpPr>
-        <p:grpSpPr>
-          <a:xfrm>
-            <a:off x="7477387" y="482170"/>
-            <a:ext cx="4074533" cy="5149101"/>
-            <a:chOff x="7477387" y="482170"/>
-            <a:chExt cx="4074533" cy="5149101"/>
-          </a:xfrm>
-        </p:grpSpPr>
-        <p:sp>
-          <p:nvSpPr>
-            <p:cNvPr id="18" name="Rectangle 17"/>
-            <p:cNvSpPr/>
-            <p:nvPr/>
-          </p:nvSpPr>
-          <p:spPr bwMode="black">
-            <a:xfrm>
-              <a:off x="7477387" y="482170"/>
-              <a:ext cx="4074533" cy="5149101"/>
-            </a:xfrm>
-            <a:prstGeom prst="rect">
-              <a:avLst/>
-            </a:prstGeom>
-            <a:gradFill>
-              <a:gsLst>
-                <a:gs pos="0">
-                  <a:srgbClr val="000001"/>
-                </a:gs>
-                <a:gs pos="100000">
-                  <a:srgbClr val="191919"/>
-                </a:gs>
-              </a:gsLst>
-            </a:gradFill>
-            <a:ln w="76200" cmpd="sng">
-              <a:noFill/>
-              <a:miter lim="800000"/>
-            </a:ln>
-            <a:effectLst>
-              <a:outerShdw blurRad="127000" dist="228600" dir="4740000" sx="98000" sy="98000" algn="tl" rotWithShape="0">
-                <a:srgbClr val="000000">
-                  <a:alpha val="34000"/>
-                </a:srgbClr>
-              </a:outerShdw>
-            </a:effectLst>
-            <a:scene3d>
-              <a:camera prst="orthographicFront"/>
-              <a:lightRig rig="threePt" dir="t"/>
-            </a:scene3d>
-            <a:sp3d>
-              <a:bevelT w="152400" h="50800" prst="softRound"/>
-            </a:sp3d>
-          </p:spPr>
-          <p:style>
-            <a:lnRef idx="1">
-              <a:schemeClr val="accent1"/>
-            </a:lnRef>
-            <a:fillRef idx="3">
-              <a:schemeClr val="accent1"/>
-            </a:fillRef>
-            <a:effectRef idx="2">
-              <a:schemeClr val="accent1"/>
-            </a:effectRef>
-            <a:fontRef idx="minor">
-              <a:schemeClr val="lt1"/>
-            </a:fontRef>
-          </p:style>
-        </p:sp>
-        <p:sp>
-          <p:nvSpPr>
-            <p:cNvPr id="19" name="Rectangle 18"/>
-            <p:cNvSpPr/>
-            <p:nvPr/>
-          </p:nvSpPr>
-          <p:spPr bwMode="blackWhite">
-            <a:xfrm>
-              <a:off x="7790446" y="812506"/>
-              <a:ext cx="3450289" cy="4466452"/>
-            </a:xfrm>
-            <a:prstGeom prst="rect">
-              <a:avLst/>
-            </a:prstGeom>
-            <a:gradFill>
-              <a:gsLst>
-                <a:gs pos="0">
-                  <a:srgbClr val="DADADA"/>
-                </a:gs>
-                <a:gs pos="100000">
-                  <a:srgbClr val="FFFFFE"/>
-                </a:gs>
-              </a:gsLst>
-              <a:lin ang="16200000" scaled="0"/>
-            </a:gradFill>
-            <a:ln w="50800" cmpd="sng">
-              <a:solidFill>
-                <a:srgbClr val="191919"/>
-              </a:solidFill>
-              <a:miter lim="800000"/>
-            </a:ln>
-            <a:effectLst>
-              <a:innerShdw blurRad="63500" dist="88900" dir="14100000">
-                <a:srgbClr val="000000">
-                  <a:alpha val="30000"/>
-                </a:srgbClr>
-              </a:innerShdw>
-            </a:effectLst>
-            <a:scene3d>
-              <a:camera prst="orthographicFront"/>
-              <a:lightRig rig="threePt" dir="t"/>
-            </a:scene3d>
-            <a:sp3d>
-              <a:bevelT prst="relaxedInset"/>
-            </a:sp3d>
-          </p:spPr>
-          <p:style>
-            <a:lnRef idx="1">
-              <a:schemeClr val="accent1"/>
-            </a:lnRef>
-            <a:fillRef idx="3">
-              <a:schemeClr val="accent1"/>
-            </a:fillRef>
-            <a:effectRef idx="2">
-              <a:schemeClr val="accent1"/>
-            </a:effectRef>
-            <a:fontRef idx="minor">
-              <a:schemeClr val="lt1"/>
-            </a:fontRef>
-          </p:style>
-        </p:sp>
-      </p:grpSp>
       <p:sp>
         <p:nvSpPr>
           <p:cNvPr id="2" name="Title 1"/>
@@ -2632,8 +4959,8 @@
         </p:nvSpPr>
         <p:spPr>
           <a:xfrm>
-            <a:off x="1451206" y="1129513"/>
-            <a:ext cx="5532328" cy="1830584"/>
+            <a:off x="1153907" y="1854192"/>
+            <a:ext cx="5092906" cy="1574808"/>
           </a:xfrm>
         </p:spPr>
         <p:txBody>
@@ -2641,8 +4968,8 @@
             <a:normAutofit/>
           </a:bodyPr>
           <a:lstStyle>
-            <a:lvl1pPr>
-              <a:defRPr sz="3200"/>
+            <a:lvl1pPr algn="l">
+              <a:defRPr sz="3600" b="0"/>
             </a:lvl1pPr>
           </a:lstStyle>
           <a:p>
@@ -2666,58 +4993,62 @@
         </p:nvSpPr>
         <p:spPr>
           <a:xfrm>
-            <a:off x="8124389" y="1122542"/>
-            <a:ext cx="2791171" cy="3866327"/>
-          </a:xfrm>
-          <a:solidFill>
-            <a:schemeClr val="bg1">
-              <a:lumMod val="85000"/>
-            </a:schemeClr>
-          </a:solidFill>
-          <a:ln w="9525" cap="sq">
-            <a:noFill/>
-            <a:miter lim="800000"/>
-          </a:ln>
-          <a:effectLst/>
-        </p:spPr>
-        <p:txBody>
-          <a:bodyPr anchor="t"/>
+            <a:off x="6949546" y="1143000"/>
+            <a:ext cx="3200400" cy="4572000"/>
+          </a:xfrm>
+          <a:prstGeom prst="roundRect">
+            <a:avLst>
+              <a:gd name="adj" fmla="val 1858"/>
+            </a:avLst>
+          </a:prstGeom>
+          <a:effectLst>
+            <a:outerShdw blurRad="50800" dist="50800" dir="5400000" algn="tl" rotWithShape="0">
+              <a:srgbClr val="000000">
+                <a:alpha val="43000"/>
+              </a:srgbClr>
+            </a:outerShdw>
+          </a:effectLst>
+        </p:spPr>
+        <p:txBody>
+          <a:bodyPr anchor="t">
+            <a:normAutofit/>
+          </a:bodyPr>
           <a:lstStyle>
             <a:lvl1pPr marL="0" indent="0" algn="ctr">
               <a:buNone/>
-              <a:defRPr sz="3200"/>
+              <a:defRPr sz="1600"/>
             </a:lvl1pPr>
             <a:lvl2pPr marL="457200" indent="0">
               <a:buNone/>
-              <a:defRPr sz="2800"/>
+              <a:defRPr sz="1600"/>
             </a:lvl2pPr>
             <a:lvl3pPr marL="914400" indent="0">
               <a:buNone/>
-              <a:defRPr sz="2400"/>
+              <a:defRPr sz="1600"/>
             </a:lvl3pPr>
             <a:lvl4pPr marL="1371600" indent="0">
               <a:buNone/>
-              <a:defRPr sz="2000"/>
+              <a:defRPr sz="1600"/>
             </a:lvl4pPr>
             <a:lvl5pPr marL="1828800" indent="0">
               <a:buNone/>
-              <a:defRPr sz="2000"/>
+              <a:defRPr sz="1600"/>
             </a:lvl5pPr>
             <a:lvl6pPr marL="2286000" indent="0">
               <a:buNone/>
-              <a:defRPr sz="2000"/>
+              <a:defRPr sz="1600"/>
             </a:lvl6pPr>
             <a:lvl7pPr marL="2743200" indent="0">
               <a:buNone/>
-              <a:defRPr sz="2000"/>
+              <a:defRPr sz="1600"/>
             </a:lvl7pPr>
             <a:lvl8pPr marL="3200400" indent="0">
               <a:buNone/>
-              <a:defRPr sz="2000"/>
+              <a:defRPr sz="1600"/>
             </a:lvl8pPr>
             <a:lvl9pPr marL="3657600" indent="0">
               <a:buNone/>
-              <a:defRPr sz="2000"/>
+              <a:defRPr sz="1600"/>
             </a:lvl9pPr>
           </a:lstStyle>
           <a:p>
@@ -2741,8 +5072,8 @@
         </p:nvSpPr>
         <p:spPr>
           <a:xfrm>
-            <a:off x="1450329" y="3145992"/>
-            <a:ext cx="5524404" cy="2003742"/>
+            <a:off x="1154954" y="3657600"/>
+            <a:ext cx="5084979" cy="1371600"/>
           </a:xfrm>
         </p:spPr>
         <p:txBody>
@@ -2750,41 +5081,41 @@
             <a:normAutofit/>
           </a:bodyPr>
           <a:lstStyle>
-            <a:lvl1pPr marL="0" indent="0" algn="l">
-              <a:buNone/>
-              <a:defRPr sz="1800"/>
+            <a:lvl1pPr marL="0" indent="0">
+              <a:buNone/>
+              <a:defRPr sz="1400"/>
             </a:lvl1pPr>
             <a:lvl2pPr marL="457200" indent="0">
               <a:buNone/>
-              <a:defRPr sz="1400"/>
+              <a:defRPr sz="1200"/>
             </a:lvl2pPr>
             <a:lvl3pPr marL="914400" indent="0">
               <a:buNone/>
-              <a:defRPr sz="1200"/>
+              <a:defRPr sz="1000"/>
             </a:lvl3pPr>
             <a:lvl4pPr marL="1371600" indent="0">
               <a:buNone/>
-              <a:defRPr sz="1000"/>
+              <a:defRPr sz="900"/>
             </a:lvl4pPr>
             <a:lvl5pPr marL="1828800" indent="0">
               <a:buNone/>
-              <a:defRPr sz="1000"/>
+              <a:defRPr sz="900"/>
             </a:lvl5pPr>
             <a:lvl6pPr marL="2286000" indent="0">
               <a:buNone/>
-              <a:defRPr sz="1000"/>
+              <a:defRPr sz="900"/>
             </a:lvl6pPr>
             <a:lvl7pPr marL="2743200" indent="0">
               <a:buNone/>
-              <a:defRPr sz="1000"/>
+              <a:defRPr sz="900"/>
             </a:lvl7pPr>
             <a:lvl8pPr marL="3200400" indent="0">
               <a:buNone/>
-              <a:defRPr sz="1000"/>
+              <a:defRPr sz="900"/>
             </a:lvl8pPr>
             <a:lvl9pPr marL="3657600" indent="0">
               <a:buNone/>
-              <a:defRPr sz="1000"/>
+              <a:defRPr sz="900"/>
             </a:lvl9pPr>
           </a:lstStyle>
           <a:p>
@@ -2806,19 +5137,10 @@
             <p:ph type="dt" sz="half" idx="10"/>
           </p:nvPr>
         </p:nvSpPr>
-        <p:spPr>
-          <a:xfrm>
-            <a:off x="1447382" y="5469856"/>
-            <a:ext cx="5527351" cy="320123"/>
-          </a:xfrm>
-        </p:spPr>
+        <p:spPr/>
         <p:txBody>
           <a:bodyPr/>
-          <a:lstStyle>
-            <a:lvl1pPr algn="l">
-              <a:defRPr/>
-            </a:lvl1pPr>
-          </a:lstStyle>
+          <a:lstStyle/>
           <a:p>
             <a:fld id="{5408A1D4-C01D-4ED0-836F-B19E760B3E74}" type="datetimeFigureOut">
               <a:rPr lang="hu-HU" smtClean="0"/>
@@ -2838,17 +5160,12 @@
             <p:ph type="ftr" sz="quarter" idx="11"/>
           </p:nvPr>
         </p:nvSpPr>
-        <p:spPr>
-          <a:xfrm>
-            <a:off x="1447382" y="318640"/>
-            <a:ext cx="5541004" cy="320931"/>
-          </a:xfrm>
-        </p:spPr>
+        <p:spPr/>
         <p:txBody>
           <a:bodyPr/>
           <a:lstStyle/>
           <a:p>
-            <a:endParaRPr lang="hu-HU"/>
+            <a:endParaRPr lang="en-US" dirty="0"/>
           </a:p>
         </p:txBody>
       </p:sp>
@@ -2875,41 +5192,10 @@
           </a:p>
         </p:txBody>
       </p:sp>
-      <p:cxnSp>
-        <p:nvCxnSpPr>
-          <p:cNvPr id="31" name="Straight Connector 30"/>
-          <p:cNvCxnSpPr/>
-          <p:nvPr/>
-        </p:nvCxnSpPr>
-        <p:spPr>
-          <a:xfrm>
-            <a:off x="1447382" y="3143605"/>
-            <a:ext cx="5527351" cy="0"/>
-          </a:xfrm>
-          <a:prstGeom prst="line">
-            <a:avLst/>
-          </a:prstGeom>
-          <a:ln w="31750"/>
-        </p:spPr>
-        <p:style>
-          <a:lnRef idx="3">
-            <a:schemeClr val="accent1"/>
-          </a:lnRef>
-          <a:fillRef idx="0">
-            <a:schemeClr val="accent1"/>
-          </a:fillRef>
-          <a:effectRef idx="2">
-            <a:schemeClr val="accent1"/>
-          </a:effectRef>
-          <a:fontRef idx="minor">
-            <a:schemeClr val="tx1"/>
-          </a:fontRef>
-        </p:style>
-      </p:cxnSp>
     </p:spTree>
     <p:extLst>
       <p:ext uri="{BB962C8B-B14F-4D97-AF65-F5344CB8AC3E}">
-        <p14:creationId xmlns:p14="http://schemas.microsoft.com/office/powerpoint/2010/main" val="12373259"/>
+        <p14:creationId xmlns:p14="http://schemas.microsoft.com/office/powerpoint/2010/main" val="2571279706"/>
       </p:ext>
     </p:extLst>
   </p:cSld>
@@ -2941,55 +5227,35 @@
           <a:chExt cx="0" cy="0"/>
         </a:xfrm>
       </p:grpSpPr>
-      <p:sp>
-        <p:nvSpPr>
-          <p:cNvPr id="8" name="Rectangle 7"/>
-          <p:cNvSpPr/>
+      <p:pic>
+        <p:nvPicPr>
+          <p:cNvPr id="8" name="Picture 7"/>
+          <p:cNvPicPr>
+            <a:picLocks noChangeAspect="1"/>
+          </p:cNvPicPr>
           <p:nvPr/>
-        </p:nvSpPr>
-        <p:spPr>
-          <a:xfrm>
-            <a:off x="0" y="2019476"/>
-            <a:ext cx="12192000" cy="4105941"/>
+        </p:nvPicPr>
+        <p:blipFill rotWithShape="1">
+          <a:blip r:embed="rId19">
+            <a:extLst>
+              <a:ext uri="{28A0092B-C50C-407E-A947-70E740481C1C}">
+                <a14:useLocalDpi xmlns:a14="http://schemas.microsoft.com/office/drawing/2010/main" val="0"/>
+              </a:ext>
+            </a:extLst>
+          </a:blip>
+          <a:srcRect l="3613"/>
+          <a:stretch/>
+        </p:blipFill>
+        <p:spPr>
+          <a:xfrm>
+            <a:off x="0" y="2669685"/>
+            <a:ext cx="4037012" cy="4188315"/>
           </a:xfrm>
           <a:prstGeom prst="rect">
             <a:avLst/>
           </a:prstGeom>
-          <a:gradFill flip="none" rotWithShape="1">
-            <a:gsLst>
-              <a:gs pos="0">
-                <a:schemeClr val="bg2">
-                  <a:alpha val="0"/>
-                </a:schemeClr>
-              </a:gs>
-              <a:gs pos="100000">
-                <a:schemeClr val="bg2"/>
-              </a:gs>
-            </a:gsLst>
-            <a:lin ang="5400000" scaled="0"/>
-            <a:tileRect/>
-          </a:gradFill>
-          <a:ln>
-            <a:noFill/>
-          </a:ln>
-        </p:spPr>
-        <p:style>
-          <a:lnRef idx="2">
-            <a:schemeClr val="accent1">
-              <a:shade val="50000"/>
-            </a:schemeClr>
-          </a:lnRef>
-          <a:fillRef idx="1">
-            <a:schemeClr val="accent1"/>
-          </a:fillRef>
-          <a:effectRef idx="0">
-            <a:schemeClr val="accent1"/>
-          </a:effectRef>
-          <a:fontRef idx="minor">
-            <a:schemeClr val="lt1"/>
-          </a:fontRef>
-        </p:style>
-      </p:sp>
+        </p:spPr>
+      </p:pic>
       <p:pic>
         <p:nvPicPr>
           <p:cNvPr id="7" name="Picture 6"/>
@@ -2999,20 +5265,20 @@
           <p:nvPr/>
         </p:nvPicPr>
         <p:blipFill rotWithShape="1">
-          <a:blip r:embed="rId13">
+          <a:blip r:embed="rId20">
             <a:extLst>
               <a:ext uri="{28A0092B-C50C-407E-A947-70E740481C1C}">
                 <a14:useLocalDpi xmlns:a14="http://schemas.microsoft.com/office/drawing/2010/main" val="0"/>
               </a:ext>
             </a:extLst>
           </a:blip>
-          <a:srcRect t="1538" b="-1538"/>
+          <a:srcRect l="35640"/>
           <a:stretch/>
         </p:blipFill>
-        <p:spPr bwMode="black">
-          <a:xfrm>
-            <a:off x="0" y="6126480"/>
-            <a:ext cx="12192000" cy="742950"/>
+        <p:spPr>
+          <a:xfrm>
+            <a:off x="0" y="2892347"/>
+            <a:ext cx="1522412" cy="2365453"/>
           </a:xfrm>
           <a:prstGeom prst="rect">
             <a:avLst/>
@@ -3021,26 +5287,183 @@
       </p:pic>
       <p:sp>
         <p:nvSpPr>
-          <p:cNvPr id="2" name="Title Placeholder 1"/>
-          <p:cNvSpPr>
-            <a:spLocks noGrp="1"/>
-          </p:cNvSpPr>
-          <p:nvPr>
-            <p:ph type="title"/>
-          </p:nvPr>
-        </p:nvSpPr>
-        <p:spPr>
-          <a:xfrm>
-            <a:off x="1451579" y="804519"/>
-            <a:ext cx="9603275" cy="1049235"/>
+          <p:cNvPr id="16" name="Oval 15"/>
+          <p:cNvSpPr/>
+          <p:nvPr/>
+        </p:nvSpPr>
+        <p:spPr>
+          <a:xfrm>
+            <a:off x="8609012" y="1676400"/>
+            <a:ext cx="2819400" cy="2819400"/>
+          </a:xfrm>
+          <a:prstGeom prst="ellipse">
+            <a:avLst/>
+          </a:prstGeom>
+          <a:gradFill flip="none" rotWithShape="1">
+            <a:gsLst>
+              <a:gs pos="0">
+                <a:schemeClr val="bg2">
+                  <a:lumMod val="60000"/>
+                  <a:lumOff val="40000"/>
+                  <a:alpha val="7000"/>
+                </a:schemeClr>
+              </a:gs>
+              <a:gs pos="69000">
+                <a:schemeClr val="bg2">
+                  <a:lumMod val="60000"/>
+                  <a:lumOff val="40000"/>
+                  <a:alpha val="0"/>
+                </a:schemeClr>
+              </a:gs>
+              <a:gs pos="36000">
+                <a:schemeClr val="bg2">
+                  <a:lumMod val="60000"/>
+                  <a:lumOff val="40000"/>
+                  <a:alpha val="6000"/>
+                </a:schemeClr>
+              </a:gs>
+            </a:gsLst>
+            <a:path path="circle">
+              <a:fillToRect l="50000" t="50000" r="50000" b="50000"/>
+            </a:path>
+            <a:tileRect/>
+          </a:gradFill>
+          <a:ln>
+            <a:noFill/>
+          </a:ln>
+          <a:effectLst/>
+        </p:spPr>
+        <p:style>
+          <a:lnRef idx="1">
+            <a:schemeClr val="accent1"/>
+          </a:lnRef>
+          <a:fillRef idx="3">
+            <a:schemeClr val="accent1"/>
+          </a:fillRef>
+          <a:effectRef idx="2">
+            <a:schemeClr val="accent1"/>
+          </a:effectRef>
+          <a:fontRef idx="minor">
+            <a:schemeClr val="lt1"/>
+          </a:fontRef>
+        </p:style>
+      </p:sp>
+      <p:pic>
+        <p:nvPicPr>
+          <p:cNvPr id="9" name="Picture 8"/>
+          <p:cNvPicPr>
+            <a:picLocks noChangeAspect="1"/>
+          </p:cNvPicPr>
+          <p:nvPr/>
+        </p:nvPicPr>
+        <p:blipFill rotWithShape="1">
+          <a:blip r:embed="rId21">
+            <a:extLst>
+              <a:ext uri="{28A0092B-C50C-407E-A947-70E740481C1C}">
+                <a14:useLocalDpi xmlns:a14="http://schemas.microsoft.com/office/drawing/2010/main" val="0"/>
+              </a:ext>
+            </a:extLst>
+          </a:blip>
+          <a:srcRect t="28813"/>
+          <a:stretch/>
+        </p:blipFill>
+        <p:spPr>
+          <a:xfrm>
+            <a:off x="7999412" y="0"/>
+            <a:ext cx="1603387" cy="1141407"/>
           </a:xfrm>
           <a:prstGeom prst="rect">
             <a:avLst/>
           </a:prstGeom>
         </p:spPr>
+      </p:pic>
+      <p:pic>
+        <p:nvPicPr>
+          <p:cNvPr id="10" name="Picture 9"/>
+          <p:cNvPicPr>
+            <a:picLocks noChangeAspect="1"/>
+          </p:cNvPicPr>
+          <p:nvPr/>
+        </p:nvPicPr>
+        <p:blipFill rotWithShape="1">
+          <a:blip r:embed="rId22">
+            <a:extLst>
+              <a:ext uri="{28A0092B-C50C-407E-A947-70E740481C1C}">
+                <a14:useLocalDpi xmlns:a14="http://schemas.microsoft.com/office/drawing/2010/main" val="0"/>
+              </a:ext>
+            </a:extLst>
+          </a:blip>
+          <a:srcRect b="23320"/>
+          <a:stretch/>
+        </p:blipFill>
+        <p:spPr>
+          <a:xfrm>
+            <a:off x="8605878" y="6096000"/>
+            <a:ext cx="993734" cy="762000"/>
+          </a:xfrm>
+          <a:prstGeom prst="rect">
+            <a:avLst/>
+          </a:prstGeom>
+        </p:spPr>
+      </p:pic>
+      <p:sp>
+        <p:nvSpPr>
+          <p:cNvPr id="14" name="Rectangle 13"/>
+          <p:cNvSpPr/>
+          <p:nvPr/>
+        </p:nvSpPr>
+        <p:spPr>
+          <a:xfrm>
+            <a:off x="10437812" y="0"/>
+            <a:ext cx="685800" cy="1143000"/>
+          </a:xfrm>
+          <a:prstGeom prst="rect">
+            <a:avLst/>
+          </a:prstGeom>
+          <a:solidFill>
+            <a:schemeClr val="accent1"/>
+          </a:solidFill>
+          <a:ln>
+            <a:noFill/>
+          </a:ln>
+        </p:spPr>
+        <p:style>
+          <a:lnRef idx="1">
+            <a:schemeClr val="accent1"/>
+          </a:lnRef>
+          <a:fillRef idx="3">
+            <a:schemeClr val="accent1"/>
+          </a:fillRef>
+          <a:effectRef idx="2">
+            <a:schemeClr val="accent1"/>
+          </a:effectRef>
+          <a:fontRef idx="minor">
+            <a:schemeClr val="lt1"/>
+          </a:fontRef>
+        </p:style>
+      </p:sp>
+      <p:sp>
+        <p:nvSpPr>
+          <p:cNvPr id="2" name="Title Placeholder 1"/>
+          <p:cNvSpPr>
+            <a:spLocks noGrp="1"/>
+          </p:cNvSpPr>
+          <p:nvPr>
+            <p:ph type="title"/>
+          </p:nvPr>
+        </p:nvSpPr>
+        <p:spPr>
+          <a:xfrm>
+            <a:off x="646111" y="452718"/>
+            <a:ext cx="9404723" cy="1400530"/>
+          </a:xfrm>
+          <a:prstGeom prst="rect">
+            <a:avLst/>
+          </a:prstGeom>
+        </p:spPr>
         <p:txBody>
           <a:bodyPr vert="horz" lIns="91440" tIns="45720" rIns="91440" bIns="45720" rtlCol="0" anchor="t">
-            <a:normAutofit/>
+            <a:noAutofit/>
           </a:bodyPr>
           <a:lstStyle/>
           <a:p>
@@ -3064,8 +5487,8 @@
         </p:nvSpPr>
         <p:spPr>
           <a:xfrm>
-            <a:off x="1451579" y="2015732"/>
-            <a:ext cx="9603275" cy="3450613"/>
+            <a:off x="1103312" y="2052918"/>
+            <a:ext cx="8946541" cy="4195481"/>
           </a:xfrm>
           <a:prstGeom prst="rect">
             <a:avLst/>
@@ -3079,37 +5502,38 @@
           <a:p>
             <a:pPr lvl="0"/>
             <a:r>
-              <a:rPr lang="en-US" dirty="0"/>
-              <a:t>Edit Master text styles</a:t>
+              <a:rPr lang="hu-HU"/>
+              <a:t>Mintaszöveg szerkesztése</a:t>
             </a:r>
           </a:p>
           <a:p>
             <a:pPr lvl="1"/>
             <a:r>
-              <a:rPr lang="en-US" dirty="0"/>
-              <a:t>Second level</a:t>
+              <a:rPr lang="hu-HU"/>
+              <a:t>Második szint</a:t>
             </a:r>
           </a:p>
           <a:p>
             <a:pPr lvl="2"/>
             <a:r>
-              <a:rPr lang="en-US" dirty="0"/>
-              <a:t>Third level</a:t>
+              <a:rPr lang="hu-HU"/>
+              <a:t>Harmadik szint</a:t>
             </a:r>
           </a:p>
           <a:p>
             <a:pPr lvl="3"/>
             <a:r>
-              <a:rPr lang="en-US" dirty="0"/>
-              <a:t>Fourth level</a:t>
+              <a:rPr lang="hu-HU"/>
+              <a:t>Negyedik szint</a:t>
             </a:r>
           </a:p>
           <a:p>
             <a:pPr lvl="4"/>
             <a:r>
-              <a:rPr lang="en-US" dirty="0"/>
-              <a:t>Fifth level</a:t>
-            </a:r>
+              <a:rPr lang="hu-HU"/>
+              <a:t>Ötödik szint</a:t>
+            </a:r>
+            <a:endParaRPr lang="en-US" dirty="0"/>
           </a:p>
         </p:txBody>
       </p:sp>
@@ -3124,19 +5548,99 @@
           </p:nvPr>
         </p:nvSpPr>
         <p:spPr>
-          <a:xfrm>
-            <a:off x="7554138" y="330370"/>
-            <a:ext cx="3500715" cy="309201"/>
+          <a:xfrm rot="5400000">
+            <a:off x="10155639" y="1790701"/>
+            <a:ext cx="990599" cy="304799"/>
           </a:xfrm>
           <a:prstGeom prst="rect">
             <a:avLst/>
           </a:prstGeom>
         </p:spPr>
         <p:txBody>
-          <a:bodyPr vert="horz" lIns="91440" tIns="45720" rIns="91440" bIns="45720" rtlCol="0" anchor="ctr"/>
+          <a:bodyPr vert="horz" lIns="91440" tIns="45720" rIns="91440" bIns="45720" rtlCol="0" anchor="t"/>
           <a:lstStyle>
-            <a:lvl1pPr algn="r">
-              <a:defRPr sz="1000">
+            <a:lvl1pPr algn="l">
+              <a:defRPr sz="1100" b="0" i="0">
+                <a:solidFill>
+                  <a:schemeClr val="tx1">
+                    <a:tint val="75000"/>
+                    <a:alpha val="60000"/>
+                  </a:schemeClr>
+                </a:solidFill>
+              </a:defRPr>
+            </a:lvl1pPr>
+          </a:lstStyle>
+          <a:p>
+            <a:fld id="{5408A1D4-C01D-4ED0-836F-B19E760B3E74}" type="datetimeFigureOut">
+              <a:rPr lang="hu-HU" smtClean="0"/>
+              <a:t>2024.01.14.</a:t>
+            </a:fld>
+            <a:endParaRPr lang="hu-HU"/>
+          </a:p>
+        </p:txBody>
+      </p:sp>
+      <p:sp>
+        <p:nvSpPr>
+          <p:cNvPr id="5" name="Footer Placeholder 4"/>
+          <p:cNvSpPr>
+            <a:spLocks noGrp="1"/>
+          </p:cNvSpPr>
+          <p:nvPr>
+            <p:ph type="ftr" sz="quarter" idx="3"/>
+          </p:nvPr>
+        </p:nvSpPr>
+        <p:spPr>
+          <a:xfrm rot="5400000">
+            <a:off x="8951573" y="3225297"/>
+            <a:ext cx="3859795" cy="304801"/>
+          </a:xfrm>
+          <a:prstGeom prst="rect">
+            <a:avLst/>
+          </a:prstGeom>
+        </p:spPr>
+        <p:txBody>
+          <a:bodyPr vert="horz" lIns="91440" tIns="45720" rIns="91440" bIns="45720" rtlCol="0" anchor="b"/>
+          <a:lstStyle>
+            <a:lvl1pPr algn="l">
+              <a:defRPr sz="1100" b="0" i="0">
+                <a:solidFill>
+                  <a:schemeClr val="tx1">
+                    <a:tint val="75000"/>
+                    <a:alpha val="60000"/>
+                  </a:schemeClr>
+                </a:solidFill>
+              </a:defRPr>
+            </a:lvl1pPr>
+          </a:lstStyle>
+          <a:p>
+            <a:endParaRPr lang="hu-HU"/>
+          </a:p>
+        </p:txBody>
+      </p:sp>
+      <p:sp>
+        <p:nvSpPr>
+          <p:cNvPr id="6" name="Slide Number Placeholder 5"/>
+          <p:cNvSpPr>
+            <a:spLocks noGrp="1"/>
+          </p:cNvSpPr>
+          <p:nvPr>
+            <p:ph type="sldNum" sz="quarter" idx="4"/>
+          </p:nvPr>
+        </p:nvSpPr>
+        <p:spPr>
+          <a:xfrm>
+            <a:off x="10352540" y="295729"/>
+            <a:ext cx="838199" cy="767687"/>
+          </a:xfrm>
+          <a:prstGeom prst="rect">
+            <a:avLst/>
+          </a:prstGeom>
+        </p:spPr>
+        <p:txBody>
+          <a:bodyPr vert="horz" lIns="91440" tIns="45720" rIns="91440" bIns="45720" rtlCol="0" anchor="b"/>
+          <a:lstStyle>
+            <a:lvl1pPr algn="ctr">
+              <a:defRPr sz="2800" b="0" i="0">
                 <a:solidFill>
                   <a:schemeClr val="tx1">
                     <a:tint val="75000"/>
@@ -3146,82 +5650,6 @@
             </a:lvl1pPr>
           </a:lstStyle>
           <a:p>
-            <a:fld id="{5408A1D4-C01D-4ED0-836F-B19E760B3E74}" type="datetimeFigureOut">
-              <a:rPr lang="hu-HU" smtClean="0"/>
-              <a:t>2024.01.14.</a:t>
-            </a:fld>
-            <a:endParaRPr lang="hu-HU"/>
-          </a:p>
-        </p:txBody>
-      </p:sp>
-      <p:sp>
-        <p:nvSpPr>
-          <p:cNvPr id="5" name="Footer Placeholder 4"/>
-          <p:cNvSpPr>
-            <a:spLocks noGrp="1"/>
-          </p:cNvSpPr>
-          <p:nvPr>
-            <p:ph type="ftr" sz="quarter" idx="3"/>
-          </p:nvPr>
-        </p:nvSpPr>
-        <p:spPr>
-          <a:xfrm>
-            <a:off x="1451579" y="329307"/>
-            <a:ext cx="5938836" cy="309201"/>
-          </a:xfrm>
-          <a:prstGeom prst="rect">
-            <a:avLst/>
-          </a:prstGeom>
-        </p:spPr>
-        <p:txBody>
-          <a:bodyPr vert="horz" lIns="91440" tIns="45720" rIns="91440" bIns="45720" rtlCol="0" anchor="ctr"/>
-          <a:lstStyle>
-            <a:lvl1pPr algn="l">
-              <a:defRPr sz="1000">
-                <a:solidFill>
-                  <a:schemeClr val="tx1">
-                    <a:tint val="75000"/>
-                  </a:schemeClr>
-                </a:solidFill>
-              </a:defRPr>
-            </a:lvl1pPr>
-          </a:lstStyle>
-          <a:p>
-            <a:endParaRPr lang="hu-HU"/>
-          </a:p>
-        </p:txBody>
-      </p:sp>
-      <p:sp>
-        <p:nvSpPr>
-          <p:cNvPr id="6" name="Slide Number Placeholder 5"/>
-          <p:cNvSpPr>
-            <a:spLocks noGrp="1"/>
-          </p:cNvSpPr>
-          <p:nvPr>
-            <p:ph type="sldNum" sz="quarter" idx="4"/>
-          </p:nvPr>
-        </p:nvSpPr>
-        <p:spPr>
-          <a:xfrm>
-            <a:off x="480060" y="798973"/>
-            <a:ext cx="811019" cy="503578"/>
-          </a:xfrm>
-          <a:prstGeom prst="rect">
-            <a:avLst/>
-          </a:prstGeom>
-        </p:spPr>
-        <p:txBody>
-          <a:bodyPr vert="horz" lIns="91440" tIns="45720" rIns="91440" bIns="45720" rtlCol="0" anchor="t"/>
-          <a:lstStyle>
-            <a:lvl1pPr algn="r">
-              <a:defRPr sz="2800">
-                <a:solidFill>
-                  <a:schemeClr val="accent1"/>
-                </a:solidFill>
-              </a:defRPr>
-            </a:lvl1pPr>
-          </a:lstStyle>
-          <a:p>
             <a:fld id="{41A984D0-2003-4498-8E2F-EB5914FF63C7}" type="slidenum">
               <a:rPr lang="hu-HU" smtClean="0"/>
               <a:t>‹#›</a:t>
@@ -3230,291 +5658,330 @@
           </a:p>
         </p:txBody>
       </p:sp>
-      <p:cxnSp>
-        <p:nvCxnSpPr>
-          <p:cNvPr id="10" name="Straight Connector 9"/>
-          <p:cNvCxnSpPr/>
-          <p:nvPr/>
-        </p:nvCxnSpPr>
-        <p:spPr>
-          <a:xfrm>
-            <a:off x="0" y="6128413"/>
-            <a:ext cx="12192000" cy="0"/>
-          </a:xfrm>
-          <a:prstGeom prst="line">
-            <a:avLst/>
-          </a:prstGeom>
-          <a:ln w="12700">
-            <a:solidFill>
-              <a:srgbClr val="000001">
-                <a:alpha val="20000"/>
-              </a:srgbClr>
-            </a:solidFill>
-          </a:ln>
-        </p:spPr>
-        <p:style>
-          <a:lnRef idx="1">
-            <a:schemeClr val="accent1"/>
-          </a:lnRef>
-          <a:fillRef idx="0">
-            <a:schemeClr val="accent1"/>
-          </a:fillRef>
-          <a:effectRef idx="0">
-            <a:schemeClr val="accent1"/>
-          </a:effectRef>
-          <a:fontRef idx="minor">
-            <a:schemeClr val="tx1"/>
-          </a:fontRef>
-        </p:style>
-      </p:cxnSp>
     </p:spTree>
     <p:extLst>
       <p:ext uri="{BB962C8B-B14F-4D97-AF65-F5344CB8AC3E}">
-        <p14:creationId xmlns:p14="http://schemas.microsoft.com/office/powerpoint/2010/main" val="174590978"/>
+        <p14:creationId xmlns:p14="http://schemas.microsoft.com/office/powerpoint/2010/main" val="3607205435"/>
       </p:ext>
     </p:extLst>
   </p:cSld>
-  <p:clrMap bg1="lt1" tx1="dk1" bg2="lt2" tx2="dk2" accent1="accent1" accent2="accent2" accent3="accent3" accent4="accent4" accent5="accent5" accent6="accent6" hlink="hlink" folHlink="folHlink"/>
+  <p:clrMap bg1="dk1" tx1="lt1" bg2="dk2" tx2="lt2" accent1="accent1" accent2="accent2" accent3="accent3" accent4="accent4" accent5="accent5" accent6="accent6" hlink="hlink" folHlink="folHlink"/>
   <p:sldLayoutIdLst>
-    <p:sldLayoutId id="2147483702" r:id="rId1"/>
-    <p:sldLayoutId id="2147483703" r:id="rId2"/>
-    <p:sldLayoutId id="2147483704" r:id="rId3"/>
-    <p:sldLayoutId id="2147483705" r:id="rId4"/>
-    <p:sldLayoutId id="2147483706" r:id="rId5"/>
-    <p:sldLayoutId id="2147483707" r:id="rId6"/>
-    <p:sldLayoutId id="2147483708" r:id="rId7"/>
-    <p:sldLayoutId id="2147483709" r:id="rId8"/>
-    <p:sldLayoutId id="2147483710" r:id="rId9"/>
-    <p:sldLayoutId id="2147483711" r:id="rId10"/>
-    <p:sldLayoutId id="2147483712" r:id="rId11"/>
+    <p:sldLayoutId id="2147484290" r:id="rId1"/>
+    <p:sldLayoutId id="2147484291" r:id="rId2"/>
+    <p:sldLayoutId id="2147484292" r:id="rId3"/>
+    <p:sldLayoutId id="2147484293" r:id="rId4"/>
+    <p:sldLayoutId id="2147484294" r:id="rId5"/>
+    <p:sldLayoutId id="2147484295" r:id="rId6"/>
+    <p:sldLayoutId id="2147484296" r:id="rId7"/>
+    <p:sldLayoutId id="2147484297" r:id="rId8"/>
+    <p:sldLayoutId id="2147484298" r:id="rId9"/>
+    <p:sldLayoutId id="2147484299" r:id="rId10"/>
+    <p:sldLayoutId id="2147484300" r:id="rId11"/>
+    <p:sldLayoutId id="2147484301" r:id="rId12"/>
+    <p:sldLayoutId id="2147484302" r:id="rId13"/>
+    <p:sldLayoutId id="2147484303" r:id="rId14"/>
+    <p:sldLayoutId id="2147484304" r:id="rId15"/>
+    <p:sldLayoutId id="2147484305" r:id="rId16"/>
+    <p:sldLayoutId id="2147484306" r:id="rId17"/>
   </p:sldLayoutIdLst>
   <p:txStyles>
     <p:titleStyle>
-      <a:lvl1pPr algn="l" defTabSz="914400" rtl="0" eaLnBrk="1" latinLnBrk="0" hangingPunct="1">
-        <a:lnSpc>
-          <a:spcPct val="90000"/>
-        </a:lnSpc>
+      <a:lvl1pPr algn="l" defTabSz="457200" rtl="0" eaLnBrk="1" latinLnBrk="0" hangingPunct="1">
         <a:spcBef>
           <a:spcPct val="0"/>
         </a:spcBef>
         <a:buNone/>
-        <a:defRPr sz="3200" b="0" i="0" kern="1200" cap="all">
+        <a:defRPr sz="4200" b="0" i="0" kern="1200">
           <a:solidFill>
-            <a:schemeClr val="tx1"/>
+            <a:schemeClr val="tx2"/>
           </a:solidFill>
-          <a:effectLst/>
           <a:latin typeface="+mj-lt"/>
           <a:ea typeface="+mj-ea"/>
           <a:cs typeface="+mj-cs"/>
         </a:defRPr>
       </a:lvl1pPr>
+      <a:lvl2pPr eaLnBrk="1" hangingPunct="1">
+        <a:defRPr>
+          <a:solidFill>
+            <a:schemeClr val="tx2"/>
+          </a:solidFill>
+        </a:defRPr>
+      </a:lvl2pPr>
+      <a:lvl3pPr eaLnBrk="1" hangingPunct="1">
+        <a:defRPr>
+          <a:solidFill>
+            <a:schemeClr val="tx2"/>
+          </a:solidFill>
+        </a:defRPr>
+      </a:lvl3pPr>
+      <a:lvl4pPr eaLnBrk="1" hangingPunct="1">
+        <a:defRPr>
+          <a:solidFill>
+            <a:schemeClr val="tx2"/>
+          </a:solidFill>
+        </a:defRPr>
+      </a:lvl4pPr>
+      <a:lvl5pPr eaLnBrk="1" hangingPunct="1">
+        <a:defRPr>
+          <a:solidFill>
+            <a:schemeClr val="tx2"/>
+          </a:solidFill>
+        </a:defRPr>
+      </a:lvl5pPr>
+      <a:lvl6pPr eaLnBrk="1" hangingPunct="1">
+        <a:defRPr>
+          <a:solidFill>
+            <a:schemeClr val="tx2"/>
+          </a:solidFill>
+        </a:defRPr>
+      </a:lvl6pPr>
+      <a:lvl7pPr eaLnBrk="1" hangingPunct="1">
+        <a:defRPr>
+          <a:solidFill>
+            <a:schemeClr val="tx2"/>
+          </a:solidFill>
+        </a:defRPr>
+      </a:lvl7pPr>
+      <a:lvl8pPr eaLnBrk="1" hangingPunct="1">
+        <a:defRPr>
+          <a:solidFill>
+            <a:schemeClr val="tx2"/>
+          </a:solidFill>
+        </a:defRPr>
+      </a:lvl8pPr>
+      <a:lvl9pPr eaLnBrk="1" hangingPunct="1">
+        <a:defRPr>
+          <a:solidFill>
+            <a:schemeClr val="tx2"/>
+          </a:solidFill>
+        </a:defRPr>
+      </a:lvl9pPr>
     </p:titleStyle>
     <p:bodyStyle>
-      <a:lvl1pPr marL="228600" indent="-228600" algn="l" defTabSz="914400" rtl="0" eaLnBrk="1" latinLnBrk="0" hangingPunct="1">
-        <a:lnSpc>
-          <a:spcPct val="120000"/>
-        </a:lnSpc>
+      <a:lvl1pPr marL="342900" indent="-342900" algn="l" defTabSz="457200" rtl="0" eaLnBrk="1" latinLnBrk="0" hangingPunct="1">
         <a:spcBef>
           <a:spcPts val="1000"/>
         </a:spcBef>
+        <a:spcAft>
+          <a:spcPts val="0"/>
+        </a:spcAft>
         <a:buClr>
-          <a:schemeClr val="accent1"/>
+          <a:schemeClr val="bg2">
+            <a:lumMod val="40000"/>
+            <a:lumOff val="60000"/>
+          </a:schemeClr>
         </a:buClr>
-        <a:buSzPct val="100000"/>
-        <a:buFont typeface="Arial" panose="020B0604020202020204" pitchFamily="34" charset="0"/>
-        <a:buChar char="•"/>
-        <a:defRPr sz="2000" kern="1200">
+        <a:buSzPct val="80000"/>
+        <a:buFont typeface="Wingdings 3" charset="2"/>
+        <a:buChar char=""/>
+        <a:defRPr sz="2000" b="0" i="0" kern="1200">
           <a:solidFill>
             <a:schemeClr val="tx1"/>
           </a:solidFill>
-          <a:effectLst/>
-          <a:latin typeface="+mn-lt"/>
-          <a:ea typeface="+mn-ea"/>
-          <a:cs typeface="+mn-cs"/>
+          <a:latin typeface="+mj-lt"/>
+          <a:ea typeface="+mj-ea"/>
+          <a:cs typeface="+mj-cs"/>
         </a:defRPr>
       </a:lvl1pPr>
-      <a:lvl2pPr marL="685800" indent="-228600" algn="l" defTabSz="914400" rtl="0" eaLnBrk="1" latinLnBrk="0" hangingPunct="1">
-        <a:lnSpc>
-          <a:spcPct val="120000"/>
-        </a:lnSpc>
+      <a:lvl2pPr marL="742950" indent="-285750" algn="l" defTabSz="457200" rtl="0" eaLnBrk="1" latinLnBrk="0" hangingPunct="1">
         <a:spcBef>
-          <a:spcPts val="500"/>
+          <a:spcPts val="1000"/>
         </a:spcBef>
+        <a:spcAft>
+          <a:spcPts val="0"/>
+        </a:spcAft>
         <a:buClr>
-          <a:schemeClr val="accent1"/>
+          <a:schemeClr val="bg2">
+            <a:lumMod val="40000"/>
+            <a:lumOff val="60000"/>
+          </a:schemeClr>
         </a:buClr>
-        <a:buSzPct val="100000"/>
-        <a:buFont typeface="Arial" panose="020B0604020202020204" pitchFamily="34" charset="0"/>
-        <a:buChar char="•"/>
-        <a:defRPr sz="1800" kern="1200" cap="none" baseline="0">
+        <a:buSzPct val="80000"/>
+        <a:buFont typeface="Wingdings 3" charset="2"/>
+        <a:buChar char=""/>
+        <a:defRPr sz="1800" b="0" i="0" kern="1200">
           <a:solidFill>
             <a:schemeClr val="tx1"/>
           </a:solidFill>
-          <a:effectLst/>
-          <a:latin typeface="+mn-lt"/>
-          <a:ea typeface="+mn-ea"/>
-          <a:cs typeface="+mn-cs"/>
+          <a:latin typeface="+mj-lt"/>
+          <a:ea typeface="+mj-ea"/>
+          <a:cs typeface="+mj-cs"/>
         </a:defRPr>
       </a:lvl2pPr>
-      <a:lvl3pPr marL="1143000" indent="-228600" algn="l" defTabSz="914400" rtl="0" eaLnBrk="1" latinLnBrk="0" hangingPunct="1">
-        <a:lnSpc>
-          <a:spcPct val="120000"/>
-        </a:lnSpc>
+      <a:lvl3pPr marL="1143000" indent="-228600" algn="l" defTabSz="457200" rtl="0" eaLnBrk="1" latinLnBrk="0" hangingPunct="1">
         <a:spcBef>
-          <a:spcPts val="500"/>
+          <a:spcPts val="1000"/>
         </a:spcBef>
+        <a:spcAft>
+          <a:spcPts val="0"/>
+        </a:spcAft>
         <a:buClr>
-          <a:schemeClr val="accent1"/>
+          <a:schemeClr val="bg2">
+            <a:lumMod val="40000"/>
+            <a:lumOff val="60000"/>
+          </a:schemeClr>
         </a:buClr>
-        <a:buSzPct val="100000"/>
-        <a:buFont typeface="Arial" panose="020B0604020202020204" pitchFamily="34" charset="0"/>
-        <a:buChar char="•"/>
-        <a:defRPr sz="1600" kern="1200">
+        <a:buSzPct val="80000"/>
+        <a:buFont typeface="Wingdings 3" charset="2"/>
+        <a:buChar char=""/>
+        <a:defRPr sz="1600" b="0" i="0" kern="1200">
           <a:solidFill>
             <a:schemeClr val="tx1"/>
           </a:solidFill>
-          <a:effectLst/>
-          <a:latin typeface="+mn-lt"/>
-          <a:ea typeface="+mn-ea"/>
-          <a:cs typeface="+mn-cs"/>
+          <a:latin typeface="+mj-lt"/>
+          <a:ea typeface="+mj-ea"/>
+          <a:cs typeface="+mj-cs"/>
         </a:defRPr>
       </a:lvl3pPr>
-      <a:lvl4pPr marL="1600200" indent="-228600" algn="l" defTabSz="914400" rtl="0" eaLnBrk="1" latinLnBrk="0" hangingPunct="1">
-        <a:lnSpc>
-          <a:spcPct val="120000"/>
-        </a:lnSpc>
+      <a:lvl4pPr marL="1600200" indent="-228600" algn="l" defTabSz="457200" rtl="0" eaLnBrk="1" latinLnBrk="0" hangingPunct="1">
         <a:spcBef>
-          <a:spcPts val="500"/>
+          <a:spcPts val="1000"/>
         </a:spcBef>
+        <a:spcAft>
+          <a:spcPts val="0"/>
+        </a:spcAft>
         <a:buClr>
-          <a:schemeClr val="accent1"/>
+          <a:schemeClr val="bg2">
+            <a:lumMod val="40000"/>
+            <a:lumOff val="60000"/>
+          </a:schemeClr>
         </a:buClr>
-        <a:buSzPct val="100000"/>
-        <a:buFont typeface="Arial" panose="020B0604020202020204" pitchFamily="34" charset="0"/>
-        <a:buChar char="•"/>
-        <a:defRPr sz="1400" kern="1200" cap="none" baseline="0">
+        <a:buSzPct val="80000"/>
+        <a:buFont typeface="Wingdings 3" charset="2"/>
+        <a:buChar char=""/>
+        <a:defRPr sz="1400" b="0" i="0" kern="1200">
           <a:solidFill>
             <a:schemeClr val="tx1"/>
           </a:solidFill>
-          <a:effectLst/>
-          <a:latin typeface="+mn-lt"/>
-          <a:ea typeface="+mn-ea"/>
-          <a:cs typeface="+mn-cs"/>
+          <a:latin typeface="+mj-lt"/>
+          <a:ea typeface="+mj-ea"/>
+          <a:cs typeface="+mj-cs"/>
         </a:defRPr>
       </a:lvl4pPr>
-      <a:lvl5pPr marL="2057400" indent="-228600" algn="l" defTabSz="914400" rtl="0" eaLnBrk="1" latinLnBrk="0" hangingPunct="1">
-        <a:lnSpc>
-          <a:spcPct val="120000"/>
-        </a:lnSpc>
+      <a:lvl5pPr marL="2057400" indent="-228600" algn="l" defTabSz="457200" rtl="0" eaLnBrk="1" latinLnBrk="0" hangingPunct="1">
         <a:spcBef>
-          <a:spcPts val="500"/>
+          <a:spcPts val="1000"/>
         </a:spcBef>
+        <a:spcAft>
+          <a:spcPts val="0"/>
+        </a:spcAft>
         <a:buClr>
-          <a:schemeClr val="accent1"/>
+          <a:schemeClr val="bg2">
+            <a:lumMod val="40000"/>
+            <a:lumOff val="60000"/>
+          </a:schemeClr>
         </a:buClr>
-        <a:buSzPct val="100000"/>
-        <a:buFont typeface="Arial" panose="020B0604020202020204" pitchFamily="34" charset="0"/>
-        <a:buChar char="•"/>
-        <a:defRPr sz="1200" kern="1200">
+        <a:buSzPct val="80000"/>
+        <a:buFont typeface="Wingdings 3" charset="2"/>
+        <a:buChar char=""/>
+        <a:defRPr sz="1400" b="0" i="0" kern="1200">
           <a:solidFill>
             <a:schemeClr val="tx1"/>
           </a:solidFill>
-          <a:effectLst/>
-          <a:latin typeface="+mn-lt"/>
-          <a:ea typeface="+mn-ea"/>
-          <a:cs typeface="+mn-cs"/>
+          <a:latin typeface="+mj-lt"/>
+          <a:ea typeface="+mj-ea"/>
+          <a:cs typeface="+mj-cs"/>
         </a:defRPr>
       </a:lvl5pPr>
-      <a:lvl6pPr marL="2514600" indent="-228600" algn="l" defTabSz="914400" rtl="0" eaLnBrk="1" latinLnBrk="0" hangingPunct="1">
-        <a:lnSpc>
-          <a:spcPct val="120000"/>
-        </a:lnSpc>
+      <a:lvl6pPr marL="2506000" indent="-228600" algn="l" defTabSz="457200" rtl="0" eaLnBrk="1" latinLnBrk="0" hangingPunct="1">
         <a:spcBef>
-          <a:spcPts val="500"/>
+          <a:spcPts val="1000"/>
         </a:spcBef>
+        <a:spcAft>
+          <a:spcPts val="0"/>
+        </a:spcAft>
         <a:buClr>
-          <a:schemeClr val="accent1"/>
+          <a:schemeClr val="bg2">
+            <a:lumMod val="40000"/>
+            <a:lumOff val="60000"/>
+          </a:schemeClr>
         </a:buClr>
-        <a:buSzPct val="100000"/>
-        <a:buFont typeface="Arial" panose="020B0604020202020204" pitchFamily="34" charset="0"/>
-        <a:buChar char="•"/>
-        <a:defRPr sz="1200" kern="1200">
+        <a:buSzPct val="80000"/>
+        <a:buFont typeface="Wingdings 3" charset="2"/>
+        <a:buChar char=""/>
+        <a:defRPr sz="1400" b="0" i="0" kern="1200">
           <a:solidFill>
             <a:schemeClr val="tx1"/>
           </a:solidFill>
-          <a:effectLst/>
-          <a:latin typeface="+mn-lt"/>
-          <a:ea typeface="+mn-ea"/>
-          <a:cs typeface="+mn-cs"/>
+          <a:latin typeface="+mj-lt"/>
+          <a:ea typeface="+mj-ea"/>
+          <a:cs typeface="+mj-cs"/>
         </a:defRPr>
       </a:lvl6pPr>
-      <a:lvl7pPr marL="2971800" indent="-228600" algn="l" defTabSz="914400" rtl="0" eaLnBrk="1" latinLnBrk="0" hangingPunct="1">
-        <a:lnSpc>
-          <a:spcPct val="120000"/>
-        </a:lnSpc>
+      <a:lvl7pPr marL="2971800" indent="-228600" algn="l" defTabSz="457200" rtl="0" eaLnBrk="1" latinLnBrk="0" hangingPunct="1">
         <a:spcBef>
-          <a:spcPts val="500"/>
+          <a:spcPts val="1000"/>
         </a:spcBef>
+        <a:spcAft>
+          <a:spcPts val="0"/>
+        </a:spcAft>
         <a:buClr>
-          <a:schemeClr val="accent1"/>
+          <a:schemeClr val="bg2">
+            <a:lumMod val="40000"/>
+            <a:lumOff val="60000"/>
+          </a:schemeClr>
         </a:buClr>
-        <a:buSzPct val="100000"/>
-        <a:buFont typeface="Arial" panose="020B0604020202020204" pitchFamily="34" charset="0"/>
-        <a:buChar char="•"/>
-        <a:defRPr sz="1200" kern="1200">
+        <a:buSzPct val="80000"/>
+        <a:buFont typeface="Wingdings 3" charset="2"/>
+        <a:buChar char=""/>
+        <a:defRPr sz="1400" b="0" i="0" kern="1200">
           <a:solidFill>
             <a:schemeClr val="tx1"/>
           </a:solidFill>
-          <a:effectLst/>
-          <a:latin typeface="+mn-lt"/>
-          <a:ea typeface="+mn-ea"/>
-          <a:cs typeface="+mn-cs"/>
+          <a:latin typeface="+mj-lt"/>
+          <a:ea typeface="+mj-ea"/>
+          <a:cs typeface="+mj-cs"/>
         </a:defRPr>
       </a:lvl7pPr>
-      <a:lvl8pPr marL="3429000" indent="-228600" algn="l" defTabSz="914400" rtl="0" eaLnBrk="1" latinLnBrk="0" hangingPunct="1">
-        <a:lnSpc>
-          <a:spcPct val="120000"/>
-        </a:lnSpc>
+      <a:lvl8pPr marL="3429000" indent="-228600" algn="l" defTabSz="457200" rtl="0" eaLnBrk="1" latinLnBrk="0" hangingPunct="1">
         <a:spcBef>
-          <a:spcPts val="500"/>
+          <a:spcPts val="1000"/>
         </a:spcBef>
+        <a:spcAft>
+          <a:spcPts val="0"/>
+        </a:spcAft>
         <a:buClr>
-          <a:schemeClr val="accent1"/>
+          <a:schemeClr val="bg2">
+            <a:lumMod val="40000"/>
+            <a:lumOff val="60000"/>
+          </a:schemeClr>
         </a:buClr>
-        <a:buSzPct val="100000"/>
-        <a:buFont typeface="Arial" panose="020B0604020202020204" pitchFamily="34" charset="0"/>
-        <a:buChar char="•"/>
-        <a:defRPr sz="1200" kern="1200" baseline="0">
+        <a:buSzPct val="80000"/>
+        <a:buFont typeface="Wingdings 3" charset="2"/>
+        <a:buChar char=""/>
+        <a:defRPr sz="1400" b="0" i="0" kern="1200">
           <a:solidFill>
             <a:schemeClr val="tx1"/>
           </a:solidFill>
-          <a:effectLst/>
-          <a:latin typeface="+mn-lt"/>
-          <a:ea typeface="+mn-ea"/>
-          <a:cs typeface="+mn-cs"/>
+          <a:latin typeface="+mj-lt"/>
+          <a:ea typeface="+mj-ea"/>
+          <a:cs typeface="+mj-cs"/>
         </a:defRPr>
       </a:lvl8pPr>
-      <a:lvl9pPr marL="3886200" indent="-228600" algn="l" defTabSz="914400" rtl="0" eaLnBrk="1" latinLnBrk="0" hangingPunct="1">
-        <a:lnSpc>
-          <a:spcPct val="120000"/>
-        </a:lnSpc>
+      <a:lvl9pPr marL="3886200" indent="-228600" algn="l" defTabSz="457200" rtl="0" eaLnBrk="1" latinLnBrk="0" hangingPunct="1">
         <a:spcBef>
-          <a:spcPts val="500"/>
+          <a:spcPts val="1000"/>
         </a:spcBef>
+        <a:spcAft>
+          <a:spcPts val="0"/>
+        </a:spcAft>
         <a:buClr>
-          <a:schemeClr val="accent1"/>
+          <a:schemeClr val="bg2">
+            <a:lumMod val="40000"/>
+            <a:lumOff val="60000"/>
+          </a:schemeClr>
         </a:buClr>
-        <a:buSzPct val="100000"/>
-        <a:buFont typeface="Arial" panose="020B0604020202020204" pitchFamily="34" charset="0"/>
-        <a:buChar char="•"/>
-        <a:defRPr sz="1200" kern="1200" baseline="0">
+        <a:buSzPct val="80000"/>
+        <a:buFont typeface="Wingdings 3" charset="2"/>
+        <a:buChar char=""/>
+        <a:defRPr sz="1400" b="0" i="0" kern="1200">
           <a:solidFill>
             <a:schemeClr val="tx1"/>
           </a:solidFill>
-          <a:effectLst/>
-          <a:latin typeface="+mn-lt"/>
-          <a:ea typeface="+mn-ea"/>
-          <a:cs typeface="+mn-cs"/>
+          <a:latin typeface="+mj-lt"/>
+          <a:ea typeface="+mj-ea"/>
+          <a:cs typeface="+mj-cs"/>
         </a:defRPr>
       </a:lvl9pPr>
     </p:bodyStyle>
@@ -3522,7 +5989,7 @@
       <a:defPPr>
         <a:defRPr lang="en-US"/>
       </a:defPPr>
-      <a:lvl1pPr marL="0" algn="l" defTabSz="914400" rtl="0" eaLnBrk="1" latinLnBrk="0" hangingPunct="1">
+      <a:lvl1pPr marL="0" algn="l" defTabSz="457200" rtl="0" eaLnBrk="1" latinLnBrk="0" hangingPunct="1">
         <a:defRPr sz="1800" kern="1200">
           <a:solidFill>
             <a:schemeClr val="tx1"/>
@@ -3532,7 +5999,7 @@
           <a:cs typeface="+mn-cs"/>
         </a:defRPr>
       </a:lvl1pPr>
-      <a:lvl2pPr marL="457200" algn="l" defTabSz="914400" rtl="0" eaLnBrk="1" latinLnBrk="0" hangingPunct="1">
+      <a:lvl2pPr marL="457200" algn="l" defTabSz="457200" rtl="0" eaLnBrk="1" latinLnBrk="0" hangingPunct="1">
         <a:defRPr sz="1800" kern="1200">
           <a:solidFill>
             <a:schemeClr val="tx1"/>
@@ -3542,7 +6009,7 @@
           <a:cs typeface="+mn-cs"/>
         </a:defRPr>
       </a:lvl2pPr>
-      <a:lvl3pPr marL="914400" algn="l" defTabSz="914400" rtl="0" eaLnBrk="1" latinLnBrk="0" hangingPunct="1">
+      <a:lvl3pPr marL="914400" algn="l" defTabSz="457200" rtl="0" eaLnBrk="1" latinLnBrk="0" hangingPunct="1">
         <a:defRPr sz="1800" kern="1200">
           <a:solidFill>
             <a:schemeClr val="tx1"/>
@@ -3552,7 +6019,7 @@
           <a:cs typeface="+mn-cs"/>
         </a:defRPr>
       </a:lvl3pPr>
-      <a:lvl4pPr marL="1371600" algn="l" defTabSz="914400" rtl="0" eaLnBrk="1" latinLnBrk="0" hangingPunct="1">
+      <a:lvl4pPr marL="1371600" algn="l" defTabSz="457200" rtl="0" eaLnBrk="1" latinLnBrk="0" hangingPunct="1">
         <a:defRPr sz="1800" kern="1200">
           <a:solidFill>
             <a:schemeClr val="tx1"/>
@@ -3562,7 +6029,7 @@
           <a:cs typeface="+mn-cs"/>
         </a:defRPr>
       </a:lvl4pPr>
-      <a:lvl5pPr marL="1828800" algn="l" defTabSz="914400" rtl="0" eaLnBrk="1" latinLnBrk="0" hangingPunct="1">
+      <a:lvl5pPr marL="1828800" algn="l" defTabSz="457200" rtl="0" eaLnBrk="1" latinLnBrk="0" hangingPunct="1">
         <a:defRPr sz="1800" kern="1200">
           <a:solidFill>
             <a:schemeClr val="tx1"/>
@@ -3572,7 +6039,7 @@
           <a:cs typeface="+mn-cs"/>
         </a:defRPr>
       </a:lvl5pPr>
-      <a:lvl6pPr marL="2286000" algn="l" defTabSz="914400" rtl="0" eaLnBrk="1" latinLnBrk="0" hangingPunct="1">
+      <a:lvl6pPr marL="2286000" algn="l" defTabSz="457200" rtl="0" eaLnBrk="1" latinLnBrk="0" hangingPunct="1">
         <a:defRPr sz="1800" kern="1200">
           <a:solidFill>
             <a:schemeClr val="tx1"/>
@@ -3582,7 +6049,7 @@
           <a:cs typeface="+mn-cs"/>
         </a:defRPr>
       </a:lvl6pPr>
-      <a:lvl7pPr marL="2743200" algn="l" defTabSz="914400" rtl="0" eaLnBrk="1" latinLnBrk="0" hangingPunct="1">
+      <a:lvl7pPr marL="2743200" algn="l" defTabSz="457200" rtl="0" eaLnBrk="1" latinLnBrk="0" hangingPunct="1">
         <a:defRPr sz="1800" kern="1200">
           <a:solidFill>
             <a:schemeClr val="tx1"/>
@@ -3592,7 +6059,7 @@
           <a:cs typeface="+mn-cs"/>
         </a:defRPr>
       </a:lvl7pPr>
-      <a:lvl8pPr marL="3200400" algn="l" defTabSz="914400" rtl="0" eaLnBrk="1" latinLnBrk="0" hangingPunct="1">
+      <a:lvl8pPr marL="3200400" algn="l" defTabSz="457200" rtl="0" eaLnBrk="1" latinLnBrk="0" hangingPunct="1">
         <a:defRPr sz="1800" kern="1200">
           <a:solidFill>
             <a:schemeClr val="tx1"/>
@@ -3602,7 +6069,7 @@
           <a:cs typeface="+mn-cs"/>
         </a:defRPr>
       </a:lvl8pPr>
-      <a:lvl9pPr marL="3657600" algn="l" defTabSz="914400" rtl="0" eaLnBrk="1" latinLnBrk="0" hangingPunct="1">
+      <a:lvl9pPr marL="3657600" algn="l" defTabSz="457200" rtl="0" eaLnBrk="1" latinLnBrk="0" hangingPunct="1">
         <a:defRPr sz="1800" kern="1200">
           <a:solidFill>
             <a:schemeClr val="tx1"/>
@@ -3614,6 +6081,11 @@
       </a:lvl9pPr>
     </p:otherStyle>
   </p:txStyles>
+  <p:extLst>
+    <p:ext uri="{27BBF7A9-308A-43DC-89C8-2F10F3537804}">
+      <p15:sldGuideLst xmlns:p15="http://schemas.microsoft.com/office/powerpoint/2012/main"/>
+    </p:ext>
+  </p:extLst>
 </p:sldMaster>
 </file>
 
@@ -3774,10 +6246,15 @@
             <p:ph type="ctrTitle"/>
           </p:nvPr>
         </p:nvSpPr>
-        <p:spPr/>
+        <p:spPr>
+          <a:xfrm>
+            <a:off x="1683171" y="2808725"/>
+            <a:ext cx="8825658" cy="1240551"/>
+          </a:xfrm>
+        </p:spPr>
         <p:txBody>
           <a:bodyPr>
-            <a:normAutofit fontScale="90000"/>
+            <a:normAutofit/>
           </a:bodyPr>
           <a:lstStyle/>
           <a:p>
@@ -3787,33 +6264,7 @@
                 <a:latin typeface="Times New Roman" panose="02020603050405020304" pitchFamily="18" charset="0"/>
                 <a:cs typeface="Times New Roman" panose="02020603050405020304" pitchFamily="18" charset="0"/>
               </a:rPr>
-              <a:t>köszönjük</a:t>
-            </a:r>
-            <a:br>
-              <a:rPr lang="hu-HU" dirty="0">
-                <a:latin typeface="Times New Roman" panose="02020603050405020304" pitchFamily="18" charset="0"/>
-                <a:cs typeface="Times New Roman" panose="02020603050405020304" pitchFamily="18" charset="0"/>
-              </a:rPr>
-            </a:br>
-            <a:r>
-              <a:rPr lang="hu-HU" dirty="0">
-                <a:latin typeface="Times New Roman" panose="02020603050405020304" pitchFamily="18" charset="0"/>
-                <a:cs typeface="Times New Roman" panose="02020603050405020304" pitchFamily="18" charset="0"/>
-              </a:rPr>
-              <a:t>a</a:t>
-            </a:r>
-            <a:br>
-              <a:rPr lang="hu-HU" dirty="0">
-                <a:latin typeface="Times New Roman" panose="02020603050405020304" pitchFamily="18" charset="0"/>
-                <a:cs typeface="Times New Roman" panose="02020603050405020304" pitchFamily="18" charset="0"/>
-              </a:rPr>
-            </a:br>
-            <a:r>
-              <a:rPr lang="hu-HU" dirty="0">
-                <a:latin typeface="Times New Roman" panose="02020603050405020304" pitchFamily="18" charset="0"/>
-                <a:cs typeface="Times New Roman" panose="02020603050405020304" pitchFamily="18" charset="0"/>
-              </a:rPr>
-              <a:t>figyelmet!</a:t>
+              <a:t>Köszönjük a figyelmet!</a:t>
             </a:r>
           </a:p>
         </p:txBody>
@@ -3878,8 +6329,8 @@
         </p:blipFill>
         <p:spPr>
           <a:xfrm>
-            <a:off x="2802769" y="2012488"/>
-            <a:ext cx="6586462" cy="3944981"/>
+            <a:off x="1981688" y="964721"/>
+            <a:ext cx="8228624" cy="4928558"/>
           </a:xfrm>
         </p:spPr>
       </p:pic>
@@ -4951,7 +7402,7 @@
         <p:spPr>
           <a:xfrm>
             <a:off x="5117007" y="2782669"/>
-            <a:ext cx="7103227" cy="707886"/>
+            <a:ext cx="5682966" cy="1015663"/>
           </a:xfrm>
           <a:prstGeom prst="rect">
             <a:avLst/>
@@ -4973,16 +7424,33 @@
                 <a:latin typeface="Times New Roman" panose="02020603050405020304" pitchFamily="18" charset="0"/>
                 <a:cs typeface="Times New Roman" panose="02020603050405020304" pitchFamily="18" charset="0"/>
               </a:rPr>
-              <a:t>ez a függvény figyeli az ütközést és ha répának ütközünk, akkor </a:t>
-            </a:r>
-          </a:p>
-          <a:p>
+              <a:t>ez a függvény figyeli az ütközést és </a:t>
+            </a:r>
+          </a:p>
+          <a:p>
+            <a:pPr marL="800100" lvl="1" indent="-342900">
+              <a:buFont typeface="Wingdings" panose="05000000000000000000" pitchFamily="2" charset="2"/>
+              <a:buChar char="Ø"/>
+            </a:pPr>
             <a:r>
               <a:rPr lang="hu-HU" sz="2000" dirty="0">
                 <a:latin typeface="Times New Roman" panose="02020603050405020304" pitchFamily="18" charset="0"/>
                 <a:cs typeface="Times New Roman" panose="02020603050405020304" pitchFamily="18" charset="0"/>
               </a:rPr>
-              <a:t>     ad egy pontot, ha salátának ütközünk akkor leállítja a játékot</a:t>
+              <a:t>ha répának ütközünk, akkor ad egy pontot, </a:t>
+            </a:r>
+          </a:p>
+          <a:p>
+            <a:pPr marL="800100" lvl="1" indent="-342900">
+              <a:buFont typeface="Wingdings" panose="05000000000000000000" pitchFamily="2" charset="2"/>
+              <a:buChar char="Ø"/>
+            </a:pPr>
+            <a:r>
+              <a:rPr lang="hu-HU" sz="2000" dirty="0">
+                <a:latin typeface="Times New Roman" panose="02020603050405020304" pitchFamily="18" charset="0"/>
+                <a:cs typeface="Times New Roman" panose="02020603050405020304" pitchFamily="18" charset="0"/>
+              </a:rPr>
+              <a:t>ha salátának ütközünk akkor leállítja a játékot</a:t>
             </a:r>
           </a:p>
         </p:txBody>
@@ -5190,9 +7658,9 @@
 </file>
 
 <file path=ppt/theme/theme1.xml><?xml version="1.0" encoding="utf-8"?>
-<a:theme xmlns:a="http://schemas.openxmlformats.org/drawingml/2006/main" name="Galéria">
+<a:theme xmlns:a="http://schemas.openxmlformats.org/drawingml/2006/main" name="Ion">
   <a:themeElements>
-    <a:clrScheme name="Galéria">
+    <a:clrScheme name="Ion">
       <a:dk1>
         <a:sysClr val="windowText" lastClr="000000"/>
       </a:dk1>
@@ -5200,44 +7668,44 @@
         <a:sysClr val="window" lastClr="FFFFFF"/>
       </a:lt1>
       <a:dk2>
-        <a:srgbClr val="454545"/>
+        <a:srgbClr val="1E5155"/>
       </a:dk2>
       <a:lt2>
-        <a:srgbClr val="DFDBD5"/>
+        <a:srgbClr val="EBEBEB"/>
       </a:lt2>
       <a:accent1>
-        <a:srgbClr val="B71E42"/>
+        <a:srgbClr val="B01513"/>
       </a:accent1>
       <a:accent2>
-        <a:srgbClr val="DE478E"/>
+        <a:srgbClr val="EA6312"/>
       </a:accent2>
       <a:accent3>
-        <a:srgbClr val="BC72F0"/>
+        <a:srgbClr val="E6B729"/>
       </a:accent3>
       <a:accent4>
-        <a:srgbClr val="795FAF"/>
+        <a:srgbClr val="6AAC90"/>
       </a:accent4>
       <a:accent5>
-        <a:srgbClr val="586EA6"/>
+        <a:srgbClr val="54849A"/>
       </a:accent5>
       <a:accent6>
-        <a:srgbClr val="6892A0"/>
+        <a:srgbClr val="9E5E9B"/>
       </a:accent6>
       <a:hlink>
-        <a:srgbClr val="FA2B5C"/>
+        <a:srgbClr val="58C1BA"/>
       </a:hlink>
       <a:folHlink>
-        <a:srgbClr val="BC658E"/>
+        <a:srgbClr val="9DFFCB"/>
       </a:folHlink>
     </a:clrScheme>
-    <a:fontScheme name="Galéria">
+    <a:fontScheme name="Ion">
       <a:majorFont>
-        <a:latin typeface="Gill Sans MT" panose="020B0502020104020203"/>
+        <a:latin typeface="Century Gothic" panose="020B0502020202020204"/>
         <a:ea typeface=""/>
         <a:cs typeface=""/>
-        <a:font script="Jpan" typeface="游ゴシック Light"/>
+        <a:font script="Jpan" typeface="メイリオ"/>
         <a:font script="Hang" typeface="맑은 고딕"/>
-        <a:font script="Hans" typeface="等线 Light"/>
+        <a:font script="Hans" typeface="宋体"/>
         <a:font script="Hant" typeface="新細明體"/>
         <a:font script="Arab" typeface="Times New Roman"/>
         <a:font script="Hebr" typeface="Times New Roman"/>
@@ -5267,12 +7735,12 @@
         <a:font script="Geor" typeface="Sylfaen"/>
       </a:majorFont>
       <a:minorFont>
-        <a:latin typeface="Gill Sans MT" panose="020B0502020104020203"/>
+        <a:latin typeface="Century Gothic" panose="020B0502020202020204"/>
         <a:ea typeface=""/>
         <a:cs typeface=""/>
-        <a:font script="Jpan" typeface="游ゴシック"/>
+        <a:font script="Jpan" typeface="メイリオ"/>
         <a:font script="Hang" typeface="맑은 고딕"/>
-        <a:font script="Hans" typeface="等线"/>
+        <a:font script="Hans" typeface="宋体"/>
         <a:font script="Hant" typeface="新細明體"/>
         <a:font script="Arab" typeface="Arial"/>
         <a:font script="Hebr" typeface="Arial"/>
@@ -5302,7 +7770,7 @@
         <a:font script="Geor" typeface="Sylfaen"/>
       </a:minorFont>
     </a:fontScheme>
-    <a:fmtScheme name="Galéria">
+    <a:fmtScheme name="Ion">
       <a:fillStyleLst>
         <a:solidFill>
           <a:schemeClr val="phClr"/>
@@ -5311,18 +7779,15 @@
           <a:gsLst>
             <a:gs pos="0">
               <a:schemeClr val="phClr">
-                <a:tint val="54000"/>
-                <a:alpha val="100000"/>
-                <a:satMod val="105000"/>
-                <a:lumMod val="110000"/>
+                <a:tint val="64000"/>
+                <a:lumMod val="118000"/>
               </a:schemeClr>
             </a:gs>
             <a:gs pos="100000">
               <a:schemeClr val="phClr">
-                <a:tint val="78000"/>
-                <a:alpha val="92000"/>
-                <a:satMod val="109000"/>
-                <a:lumMod val="100000"/>
+                <a:tint val="92000"/>
+                <a:alpha val="100000"/>
+                <a:lumMod val="110000"/>
               </a:schemeClr>
             </a:gs>
           </a:gsLst>
@@ -5333,22 +7798,13 @@
             <a:gs pos="0">
               <a:schemeClr val="phClr">
                 <a:tint val="98000"/>
-                <a:satMod val="110000"/>
-                <a:lumMod val="104000"/>
-              </a:schemeClr>
-            </a:gs>
-            <a:gs pos="69000">
-              <a:schemeClr val="phClr">
-                <a:shade val="88000"/>
-                <a:satMod val="130000"/>
-                <a:lumMod val="92000"/>
+                <a:lumMod val="114000"/>
               </a:schemeClr>
             </a:gs>
             <a:gs pos="100000">
               <a:schemeClr val="phClr">
-                <a:shade val="78000"/>
-                <a:satMod val="130000"/>
-                <a:lumMod val="92000"/>
+                <a:shade val="90000"/>
+                <a:lumMod val="84000"/>
               </a:schemeClr>
             </a:gs>
           </a:gsLst>
@@ -5356,19 +7812,19 @@
         </a:gradFill>
       </a:fillStyleLst>
       <a:lnStyleLst>
-        <a:ln w="9525" cap="flat" cmpd="sng" algn="ctr">
+        <a:ln w="9525" cap="rnd" cmpd="sng" algn="ctr">
           <a:solidFill>
             <a:schemeClr val="phClr"/>
           </a:solidFill>
           <a:prstDash val="solid"/>
         </a:ln>
-        <a:ln w="15875" cap="flat" cmpd="sng" algn="ctr">
+        <a:ln w="19050" cap="rnd" cmpd="sng" algn="ctr">
           <a:solidFill>
             <a:schemeClr val="phClr"/>
           </a:solidFill>
           <a:prstDash val="solid"/>
         </a:ln>
-        <a:ln w="22225" cap="flat" cmpd="sng" algn="ctr">
+        <a:ln w="28575" cap="rnd" cmpd="sng" algn="ctr">
           <a:solidFill>
             <a:schemeClr val="phClr"/>
           </a:solidFill>
@@ -5380,13 +7836,19 @@
           <a:effectLst/>
         </a:effectStyle>
         <a:effectStyle>
-          <a:effectLst/>
+          <a:effectLst>
+            <a:outerShdw blurRad="38100" dist="25400" dir="5400000" rotWithShape="0">
+              <a:srgbClr val="000000">
+                <a:alpha val="45000"/>
+              </a:srgbClr>
+            </a:outerShdw>
+          </a:effectLst>
         </a:effectStyle>
         <a:effectStyle>
           <a:effectLst>
-            <a:outerShdw blurRad="50800" dist="50800" dir="5400000" sx="96000" sy="96000" rotWithShape="0">
+            <a:outerShdw blurRad="63500" dist="38100" dir="5400000" rotWithShape="0">
               <a:srgbClr val="000000">
-                <a:alpha val="48000"/>
+                <a:alpha val="60000"/>
               </a:srgbClr>
             </a:outerShdw>
           </a:effectLst>
@@ -5394,12 +7856,10 @@
             <a:camera prst="orthographicFront">
               <a:rot lat="0" lon="0" rev="0"/>
             </a:camera>
-            <a:lightRig rig="balanced" dir="t">
-              <a:rot lat="0" lon="0" rev="1080000"/>
-            </a:lightRig>
+            <a:lightRig rig="threePt" dir="tl"/>
           </a:scene3d>
-          <a:sp3d>
-            <a:bevelT w="38100" h="12700" prst="softRound"/>
+          <a:sp3d prstMaterial="plastic">
+            <a:bevelT w="0" h="0"/>
           </a:sp3d>
         </a:effectStyle>
       </a:effectStyleLst>
@@ -5407,28 +7867,49 @@
         <a:solidFill>
           <a:schemeClr val="phClr"/>
         </a:solidFill>
-        <a:solidFill>
-          <a:schemeClr val="phClr"/>
-        </a:solidFill>
         <a:gradFill rotWithShape="1">
           <a:gsLst>
             <a:gs pos="0">
               <a:schemeClr val="phClr">
-                <a:tint val="94000"/>
-                <a:satMod val="80000"/>
-                <a:lumMod val="106000"/>
+                <a:tint val="97000"/>
+                <a:hueMod val="88000"/>
+                <a:satMod val="130000"/>
+                <a:lumMod val="124000"/>
               </a:schemeClr>
             </a:gs>
             <a:gs pos="100000">
               <a:schemeClr val="phClr">
-                <a:shade val="80000"/>
+                <a:tint val="96000"/>
+                <a:shade val="88000"/>
+                <a:hueMod val="108000"/>
+                <a:satMod val="164000"/>
+                <a:lumMod val="76000"/>
               </a:schemeClr>
             </a:gs>
           </a:gsLst>
           <a:path path="circle">
-            <a:fillToRect l="43000" r="43000" b="100000"/>
+            <a:fillToRect l="45000" t="65000" r="125000" b="100000"/>
           </a:path>
         </a:gradFill>
+        <a:blipFill rotWithShape="1">
+          <a:blip xmlns:r="http://schemas.openxmlformats.org/officeDocument/2006/relationships" r:embed="rId1">
+            <a:duotone>
+              <a:schemeClr val="phClr">
+                <a:shade val="69000"/>
+                <a:hueMod val="108000"/>
+                <a:satMod val="164000"/>
+                <a:lumMod val="74000"/>
+              </a:schemeClr>
+              <a:schemeClr val="phClr">
+                <a:tint val="96000"/>
+                <a:hueMod val="88000"/>
+                <a:satMod val="140000"/>
+                <a:lumMod val="132000"/>
+              </a:schemeClr>
+            </a:duotone>
+          </a:blip>
+          <a:stretch/>
+        </a:blipFill>
       </a:bgFillStyleLst>
     </a:fmtScheme>
   </a:themeElements>
@@ -5436,7 +7917,7 @@
   <a:extraClrSchemeLst/>
   <a:extLst>
     <a:ext uri="{05A4C25C-085E-4340-85A3-A5531E510DB2}">
-      <thm15:themeFamily xmlns:thm15="http://schemas.microsoft.com/office/thememl/2012/main" name="Gallery" id="{BBFCD31E-59A1-489D-B089-A3EAD7CAE12E}" vid="{F5E91637-A7B6-4E27-B710-77DA7014EE1E}"/>
+      <thm15:themeFamily xmlns:thm15="http://schemas.microsoft.com/office/thememl/2012/main" name="Ion" id="{B8441ADB-2E43-4AF7-B97A-BD870242C6A8}" vid="{292E63A9-BB86-4E3D-B92A-7223C6510D2E}"/>
     </a:ext>
   </a:extLst>
 </a:theme>

--- a/Javító-Projekt.pptx
+++ b/Javító-Projekt.pptx
@@ -7195,18 +7195,19 @@
           <a:lstStyle/>
           <a:p>
             <a:r>
-              <a:rPr lang="hu-HU" dirty="0" err="1">
-                <a:latin typeface="Times New Roman" panose="02020603050405020304" pitchFamily="18" charset="0"/>
-                <a:cs typeface="Times New Roman" panose="02020603050405020304" pitchFamily="18" charset="0"/>
-              </a:rPr>
-              <a:t>Nits</a:t>
+              <a:rPr lang="hu-HU" dirty="0" err="1"/>
+              <a:t>NITSak</a:t>
+            </a:r>
+            <a:r>
+              <a:rPr lang="hu-HU" dirty="0"/>
+              <a:t> egy répa!</a:t>
             </a:r>
             <a:r>
               <a:rPr lang="hu-HU" dirty="0">
                 <a:latin typeface="Times New Roman" panose="02020603050405020304" pitchFamily="18" charset="0"/>
                 <a:cs typeface="Times New Roman" panose="02020603050405020304" pitchFamily="18" charset="0"/>
               </a:rPr>
-              <a:t>-game - képek </a:t>
+              <a:t> - képek </a:t>
             </a:r>
           </a:p>
         </p:txBody>
@@ -7336,18 +7337,19 @@
           <a:lstStyle/>
           <a:p>
             <a:r>
-              <a:rPr lang="hu-HU" dirty="0" err="1">
-                <a:latin typeface="Times New Roman" panose="02020603050405020304" pitchFamily="18" charset="0"/>
-                <a:cs typeface="Times New Roman" panose="02020603050405020304" pitchFamily="18" charset="0"/>
-              </a:rPr>
-              <a:t>Nits</a:t>
+              <a:rPr lang="hu-HU" dirty="0" err="1"/>
+              <a:t>NITSak</a:t>
+            </a:r>
+            <a:r>
+              <a:rPr lang="hu-HU" dirty="0"/>
+              <a:t> egy répa!</a:t>
             </a:r>
             <a:r>
               <a:rPr lang="hu-HU" dirty="0">
                 <a:latin typeface="Times New Roman" panose="02020603050405020304" pitchFamily="18" charset="0"/>
                 <a:cs typeface="Times New Roman" panose="02020603050405020304" pitchFamily="18" charset="0"/>
               </a:rPr>
-              <a:t>-game - mozgás</a:t>
+              <a:t> - mozgás</a:t>
             </a:r>
           </a:p>
         </p:txBody>
@@ -7501,24 +7503,30 @@
             <p:ph type="title"/>
           </p:nvPr>
         </p:nvSpPr>
-        <p:spPr/>
+        <p:spPr>
+          <a:xfrm>
+            <a:off x="646111" y="452718"/>
+            <a:ext cx="9369157" cy="1400530"/>
+          </a:xfrm>
+        </p:spPr>
         <p:txBody>
           <a:bodyPr/>
           <a:lstStyle/>
           <a:p>
             <a:r>
-              <a:rPr lang="hu-HU" dirty="0" err="1">
-                <a:latin typeface="Times New Roman" panose="02020603050405020304" pitchFamily="18" charset="0"/>
-                <a:cs typeface="Times New Roman" panose="02020603050405020304" pitchFamily="18" charset="0"/>
-              </a:rPr>
-              <a:t>Nits</a:t>
+              <a:rPr lang="hu-HU" dirty="0" err="1"/>
+              <a:t>NITSak</a:t>
+            </a:r>
+            <a:r>
+              <a:rPr lang="hu-HU" dirty="0"/>
+              <a:t> egy répa! </a:t>
             </a:r>
             <a:r>
               <a:rPr lang="hu-HU" dirty="0">
                 <a:latin typeface="Times New Roman" panose="02020603050405020304" pitchFamily="18" charset="0"/>
                 <a:cs typeface="Times New Roman" panose="02020603050405020304" pitchFamily="18" charset="0"/>
               </a:rPr>
-              <a:t>-game – játék vége</a:t>
+              <a:t>– játék vége</a:t>
             </a:r>
           </a:p>
         </p:txBody>
